--- a/POVERTY IN INDIA.pptx
+++ b/POVERTY IN INDIA.pptx
@@ -1,8 +1,8 @@
 
 <file path=ppt/presentation.xml><?xml version="1.0" encoding="utf-8"?>
-<p:presentation xmlns:a="http://schemas.openxmlformats.org/drawingml/2006/main" xmlns:p="http://schemas.openxmlformats.org/presentationml/2006/main" xmlns:r="http://schemas.openxmlformats.org/officeDocument/2006/relationships" xmlns:p14="http://schemas.microsoft.com/office/powerpoint/2010/main" xmlns:p15="http://schemas.microsoft.com/office/powerpoint/2012/main" xmlns:mc="http://schemas.openxmlformats.org/markup-compatibility/2006">
+<p:presentation xmlns:a="http://schemas.openxmlformats.org/drawingml/2006/main" xmlns:r="http://schemas.openxmlformats.org/officeDocument/2006/relationships" xmlns:p="http://schemas.openxmlformats.org/presentationml/2006/main">
   <p:sldMasterIdLst>
-    <p:sldMasterId id="2147483648" r:id="rId2"/>
+    <p:sldMasterId id="2147483648" r:id="rId1"/>
     <p:sldMasterId id="2147483661" r:id="rId3"/>
   </p:sldMasterIdLst>
   <p:sldIdLst>
@@ -17,12 +17,104 @@
     <p:sldId id="264" r:id="rId12"/>
   </p:sldIdLst>
   <p:sldSz cx="9144000" cy="6858000"/>
-  <p:notesSz cx="7559675" cy="10691812"/>
+  <p:notesSz cx="7559675" cy="10691495"/>
+  <p:defaultTextStyle>
+    <a:lvl1pPr marL="0" algn="l" defTabSz="914400" rtl="0" eaLnBrk="1" latinLnBrk="0" hangingPunct="1">
+      <a:defRPr sz="1800" kern="1200">
+        <a:solidFill>
+          <a:schemeClr val="tx1"/>
+        </a:solidFill>
+        <a:latin typeface="+mn-lt"/>
+        <a:ea typeface="+mn-ea"/>
+        <a:cs typeface="+mn-cs"/>
+      </a:defRPr>
+    </a:lvl1pPr>
+    <a:lvl2pPr marL="457200" algn="l" defTabSz="914400" rtl="0" eaLnBrk="1" latinLnBrk="0" hangingPunct="1">
+      <a:defRPr sz="1800" kern="1200">
+        <a:solidFill>
+          <a:schemeClr val="tx1"/>
+        </a:solidFill>
+        <a:latin typeface="+mn-lt"/>
+        <a:ea typeface="+mn-ea"/>
+        <a:cs typeface="+mn-cs"/>
+      </a:defRPr>
+    </a:lvl2pPr>
+    <a:lvl3pPr marL="914400" algn="l" defTabSz="914400" rtl="0" eaLnBrk="1" latinLnBrk="0" hangingPunct="1">
+      <a:defRPr sz="1800" kern="1200">
+        <a:solidFill>
+          <a:schemeClr val="tx1"/>
+        </a:solidFill>
+        <a:latin typeface="+mn-lt"/>
+        <a:ea typeface="+mn-ea"/>
+        <a:cs typeface="+mn-cs"/>
+      </a:defRPr>
+    </a:lvl3pPr>
+    <a:lvl4pPr marL="1371600" algn="l" defTabSz="914400" rtl="0" eaLnBrk="1" latinLnBrk="0" hangingPunct="1">
+      <a:defRPr sz="1800" kern="1200">
+        <a:solidFill>
+          <a:schemeClr val="tx1"/>
+        </a:solidFill>
+        <a:latin typeface="+mn-lt"/>
+        <a:ea typeface="+mn-ea"/>
+        <a:cs typeface="+mn-cs"/>
+      </a:defRPr>
+    </a:lvl4pPr>
+    <a:lvl5pPr marL="1828800" algn="l" defTabSz="914400" rtl="0" eaLnBrk="1" latinLnBrk="0" hangingPunct="1">
+      <a:defRPr sz="1800" kern="1200">
+        <a:solidFill>
+          <a:schemeClr val="tx1"/>
+        </a:solidFill>
+        <a:latin typeface="+mn-lt"/>
+        <a:ea typeface="+mn-ea"/>
+        <a:cs typeface="+mn-cs"/>
+      </a:defRPr>
+    </a:lvl5pPr>
+    <a:lvl6pPr marL="2286000" algn="l" defTabSz="914400" rtl="0" eaLnBrk="1" latinLnBrk="0" hangingPunct="1">
+      <a:defRPr sz="1800" kern="1200">
+        <a:solidFill>
+          <a:schemeClr val="tx1"/>
+        </a:solidFill>
+        <a:latin typeface="+mn-lt"/>
+        <a:ea typeface="+mn-ea"/>
+        <a:cs typeface="+mn-cs"/>
+      </a:defRPr>
+    </a:lvl6pPr>
+    <a:lvl7pPr marL="2743200" algn="l" defTabSz="914400" rtl="0" eaLnBrk="1" latinLnBrk="0" hangingPunct="1">
+      <a:defRPr sz="1800" kern="1200">
+        <a:solidFill>
+          <a:schemeClr val="tx1"/>
+        </a:solidFill>
+        <a:latin typeface="+mn-lt"/>
+        <a:ea typeface="+mn-ea"/>
+        <a:cs typeface="+mn-cs"/>
+      </a:defRPr>
+    </a:lvl7pPr>
+    <a:lvl8pPr marL="3200400" algn="l" defTabSz="914400" rtl="0" eaLnBrk="1" latinLnBrk="0" hangingPunct="1">
+      <a:defRPr sz="1800" kern="1200">
+        <a:solidFill>
+          <a:schemeClr val="tx1"/>
+        </a:solidFill>
+        <a:latin typeface="+mn-lt"/>
+        <a:ea typeface="+mn-ea"/>
+        <a:cs typeface="+mn-cs"/>
+      </a:defRPr>
+    </a:lvl8pPr>
+    <a:lvl9pPr marL="3657600" algn="l" defTabSz="914400" rtl="0" eaLnBrk="1" latinLnBrk="0" hangingPunct="1">
+      <a:defRPr sz="1800" kern="1200">
+        <a:solidFill>
+          <a:schemeClr val="tx1"/>
+        </a:solidFill>
+        <a:latin typeface="+mn-lt"/>
+        <a:ea typeface="+mn-ea"/>
+        <a:cs typeface="+mn-cs"/>
+      </a:defRPr>
+    </a:lvl9pPr>
+  </p:defaultTextStyle>
 </p:presentation>
 </file>
 
 <file path=ppt/slideLayouts/slideLayout1.xml><?xml version="1.0" encoding="utf-8"?>
-<p:sldLayout xmlns:a="http://schemas.openxmlformats.org/drawingml/2006/main" xmlns:p="http://schemas.openxmlformats.org/presentationml/2006/main" xmlns:r="http://schemas.openxmlformats.org/officeDocument/2006/relationships" xmlns:p14="http://schemas.microsoft.com/office/powerpoint/2010/main" xmlns:p15="http://schemas.microsoft.com/office/powerpoint/2012/main" xmlns:mc="http://schemas.openxmlformats.org/markup-compatibility/2006" type="blank" preserve="1">
+<p:sldLayout xmlns:a="http://schemas.openxmlformats.org/drawingml/2006/main" xmlns:r="http://schemas.openxmlformats.org/officeDocument/2006/relationships" xmlns:p="http://schemas.openxmlformats.org/presentationml/2006/main" type="blank" preserve="1">
   <p:cSld name="Blank Slide">
     <p:spTree>
       <p:nvGrpSpPr>
@@ -40,11 +132,14 @@
       </p:grpSpPr>
     </p:spTree>
   </p:cSld>
+  <p:clrMapOvr>
+    <a:masterClrMapping/>
+  </p:clrMapOvr>
 </p:sldLayout>
 </file>
 
 <file path=ppt/slideLayouts/slideLayout10.xml><?xml version="1.0" encoding="utf-8"?>
-<p:sldLayout xmlns:a="http://schemas.openxmlformats.org/drawingml/2006/main" xmlns:p="http://schemas.openxmlformats.org/presentationml/2006/main" xmlns:r="http://schemas.openxmlformats.org/officeDocument/2006/relationships" xmlns:p14="http://schemas.microsoft.com/office/powerpoint/2010/main" xmlns:p15="http://schemas.microsoft.com/office/powerpoint/2012/main" xmlns:mc="http://schemas.openxmlformats.org/markup-compatibility/2006" type="objOverTx" preserve="1">
+<p:sldLayout xmlns:a="http://schemas.openxmlformats.org/drawingml/2006/main" xmlns:r="http://schemas.openxmlformats.org/officeDocument/2006/relationships" xmlns:p="http://schemas.openxmlformats.org/presentationml/2006/main" type="objOverTx" preserve="1">
   <p:cSld name="Title, Content over Content">
     <p:spTree>
       <p:nvGrpSpPr>
@@ -80,9 +175,9 @@
           </a:prstGeom>
         </p:spPr>
         <p:txBody>
-          <a:bodyPr lIns="0" rIns="0" tIns="0" bIns="0" anchor="ctr"/>
-          <a:p>
-            <a:endParaRPr b="0" lang="en-US" sz="1800" spc="-1" strike="noStrike">
+          <a:bodyPr lIns="0" tIns="0" rIns="0" bIns="0" anchor="ctr"/>
+          <a:p>
+            <a:endParaRPr lang="en-US" sz="1800" b="0" strike="noStrike" spc="-1">
               <a:solidFill>
                 <a:srgbClr val="000000"/>
               </a:solidFill>
@@ -111,11 +206,11 @@
           </a:prstGeom>
         </p:spPr>
         <p:txBody>
-          <a:bodyPr lIns="0" rIns="0" tIns="0" bIns="0">
+          <a:bodyPr lIns="0" tIns="0" rIns="0" bIns="0">
             <a:normAutofit/>
           </a:bodyPr>
           <a:p>
-            <a:endParaRPr b="0" lang="en-US" sz="2400" spc="-1" strike="noStrike">
+            <a:endParaRPr lang="en-US" sz="2400" b="0" strike="noStrike" spc="-1">
               <a:solidFill>
                 <a:srgbClr val="000000"/>
               </a:solidFill>
@@ -144,11 +239,11 @@
           </a:prstGeom>
         </p:spPr>
         <p:txBody>
-          <a:bodyPr lIns="0" rIns="0" tIns="0" bIns="0">
+          <a:bodyPr lIns="0" tIns="0" rIns="0" bIns="0">
             <a:normAutofit/>
           </a:bodyPr>
           <a:p>
-            <a:endParaRPr b="0" lang="en-US" sz="2400" spc="-1" strike="noStrike">
+            <a:endParaRPr lang="en-US" sz="2400" b="0" strike="noStrike" spc="-1">
               <a:solidFill>
                 <a:srgbClr val="000000"/>
               </a:solidFill>
@@ -159,11 +254,14 @@
       </p:sp>
     </p:spTree>
   </p:cSld>
+  <p:clrMapOvr>
+    <a:masterClrMapping/>
+  </p:clrMapOvr>
 </p:sldLayout>
 </file>
 
 <file path=ppt/slideLayouts/slideLayout11.xml><?xml version="1.0" encoding="utf-8"?>
-<p:sldLayout xmlns:a="http://schemas.openxmlformats.org/drawingml/2006/main" xmlns:p="http://schemas.openxmlformats.org/presentationml/2006/main" xmlns:r="http://schemas.openxmlformats.org/officeDocument/2006/relationships" xmlns:p14="http://schemas.microsoft.com/office/powerpoint/2010/main" xmlns:p15="http://schemas.microsoft.com/office/powerpoint/2012/main" xmlns:mc="http://schemas.openxmlformats.org/markup-compatibility/2006" type="fourObj" preserve="1">
+<p:sldLayout xmlns:a="http://schemas.openxmlformats.org/drawingml/2006/main" xmlns:r="http://schemas.openxmlformats.org/officeDocument/2006/relationships" xmlns:p="http://schemas.openxmlformats.org/presentationml/2006/main" type="fourObj" preserve="1">
   <p:cSld name="Title, 4 Content">
     <p:spTree>
       <p:nvGrpSpPr>
@@ -199,9 +297,9 @@
           </a:prstGeom>
         </p:spPr>
         <p:txBody>
-          <a:bodyPr lIns="0" rIns="0" tIns="0" bIns="0" anchor="ctr"/>
-          <a:p>
-            <a:endParaRPr b="0" lang="en-US" sz="1800" spc="-1" strike="noStrike">
+          <a:bodyPr lIns="0" tIns="0" rIns="0" bIns="0" anchor="ctr"/>
+          <a:p>
+            <a:endParaRPr lang="en-US" sz="1800" b="0" strike="noStrike" spc="-1">
               <a:solidFill>
                 <a:srgbClr val="000000"/>
               </a:solidFill>
@@ -230,11 +328,11 @@
           </a:prstGeom>
         </p:spPr>
         <p:txBody>
-          <a:bodyPr lIns="0" rIns="0" tIns="0" bIns="0">
+          <a:bodyPr lIns="0" tIns="0" rIns="0" bIns="0">
             <a:normAutofit/>
           </a:bodyPr>
           <a:p>
-            <a:endParaRPr b="0" lang="en-US" sz="2400" spc="-1" strike="noStrike">
+            <a:endParaRPr lang="en-US" sz="2400" b="0" strike="noStrike" spc="-1">
               <a:solidFill>
                 <a:srgbClr val="000000"/>
               </a:solidFill>
@@ -263,11 +361,11 @@
           </a:prstGeom>
         </p:spPr>
         <p:txBody>
-          <a:bodyPr lIns="0" rIns="0" tIns="0" bIns="0">
+          <a:bodyPr lIns="0" tIns="0" rIns="0" bIns="0">
             <a:normAutofit/>
           </a:bodyPr>
           <a:p>
-            <a:endParaRPr b="0" lang="en-US" sz="2400" spc="-1" strike="noStrike">
+            <a:endParaRPr lang="en-US" sz="2400" b="0" strike="noStrike" spc="-1">
               <a:solidFill>
                 <a:srgbClr val="000000"/>
               </a:solidFill>
@@ -296,11 +394,11 @@
           </a:prstGeom>
         </p:spPr>
         <p:txBody>
-          <a:bodyPr lIns="0" rIns="0" tIns="0" bIns="0">
+          <a:bodyPr lIns="0" tIns="0" rIns="0" bIns="0">
             <a:normAutofit/>
           </a:bodyPr>
           <a:p>
-            <a:endParaRPr b="0" lang="en-US" sz="2400" spc="-1" strike="noStrike">
+            <a:endParaRPr lang="en-US" sz="2400" b="0" strike="noStrike" spc="-1">
               <a:solidFill>
                 <a:srgbClr val="000000"/>
               </a:solidFill>
@@ -329,11 +427,11 @@
           </a:prstGeom>
         </p:spPr>
         <p:txBody>
-          <a:bodyPr lIns="0" rIns="0" tIns="0" bIns="0">
+          <a:bodyPr lIns="0" tIns="0" rIns="0" bIns="0">
             <a:normAutofit/>
           </a:bodyPr>
           <a:p>
-            <a:endParaRPr b="0" lang="en-US" sz="2400" spc="-1" strike="noStrike">
+            <a:endParaRPr lang="en-US" sz="2400" b="0" strike="noStrike" spc="-1">
               <a:solidFill>
                 <a:srgbClr val="000000"/>
               </a:solidFill>
@@ -344,11 +442,14 @@
       </p:sp>
     </p:spTree>
   </p:cSld>
+  <p:clrMapOvr>
+    <a:masterClrMapping/>
+  </p:clrMapOvr>
 </p:sldLayout>
 </file>
 
 <file path=ppt/slideLayouts/slideLayout12.xml><?xml version="1.0" encoding="utf-8"?>
-<p:sldLayout xmlns:a="http://schemas.openxmlformats.org/drawingml/2006/main" xmlns:p="http://schemas.openxmlformats.org/presentationml/2006/main" xmlns:r="http://schemas.openxmlformats.org/officeDocument/2006/relationships" xmlns:p14="http://schemas.microsoft.com/office/powerpoint/2010/main" xmlns:p15="http://schemas.microsoft.com/office/powerpoint/2012/main" xmlns:mc="http://schemas.openxmlformats.org/markup-compatibility/2006" type="blank" preserve="1">
+<p:sldLayout xmlns:a="http://schemas.openxmlformats.org/drawingml/2006/main" xmlns:r="http://schemas.openxmlformats.org/officeDocument/2006/relationships" xmlns:p="http://schemas.openxmlformats.org/presentationml/2006/main" type="blank" preserve="1">
   <p:cSld name="Title, 6 Content">
     <p:spTree>
       <p:nvGrpSpPr>
@@ -384,9 +485,9 @@
           </a:prstGeom>
         </p:spPr>
         <p:txBody>
-          <a:bodyPr lIns="0" rIns="0" tIns="0" bIns="0" anchor="ctr"/>
-          <a:p>
-            <a:endParaRPr b="0" lang="en-US" sz="1800" spc="-1" strike="noStrike">
+          <a:bodyPr lIns="0" tIns="0" rIns="0" bIns="0" anchor="ctr"/>
+          <a:p>
+            <a:endParaRPr lang="en-US" sz="1800" b="0" strike="noStrike" spc="-1">
               <a:solidFill>
                 <a:srgbClr val="000000"/>
               </a:solidFill>
@@ -415,11 +516,11 @@
           </a:prstGeom>
         </p:spPr>
         <p:txBody>
-          <a:bodyPr lIns="0" rIns="0" tIns="0" bIns="0">
+          <a:bodyPr lIns="0" tIns="0" rIns="0" bIns="0">
             <a:normAutofit/>
           </a:bodyPr>
           <a:p>
-            <a:endParaRPr b="0" lang="en-US" sz="2400" spc="-1" strike="noStrike">
+            <a:endParaRPr lang="en-US" sz="2400" b="0" strike="noStrike" spc="-1">
               <a:solidFill>
                 <a:srgbClr val="000000"/>
               </a:solidFill>
@@ -448,11 +549,11 @@
           </a:prstGeom>
         </p:spPr>
         <p:txBody>
-          <a:bodyPr lIns="0" rIns="0" tIns="0" bIns="0">
+          <a:bodyPr lIns="0" tIns="0" rIns="0" bIns="0">
             <a:normAutofit/>
           </a:bodyPr>
           <a:p>
-            <a:endParaRPr b="0" lang="en-US" sz="2400" spc="-1" strike="noStrike">
+            <a:endParaRPr lang="en-US" sz="2400" b="0" strike="noStrike" spc="-1">
               <a:solidFill>
                 <a:srgbClr val="000000"/>
               </a:solidFill>
@@ -481,11 +582,11 @@
           </a:prstGeom>
         </p:spPr>
         <p:txBody>
-          <a:bodyPr lIns="0" rIns="0" tIns="0" bIns="0">
+          <a:bodyPr lIns="0" tIns="0" rIns="0" bIns="0">
             <a:normAutofit/>
           </a:bodyPr>
           <a:p>
-            <a:endParaRPr b="0" lang="en-US" sz="2400" spc="-1" strike="noStrike">
+            <a:endParaRPr lang="en-US" sz="2400" b="0" strike="noStrike" spc="-1">
               <a:solidFill>
                 <a:srgbClr val="000000"/>
               </a:solidFill>
@@ -514,11 +615,11 @@
           </a:prstGeom>
         </p:spPr>
         <p:txBody>
-          <a:bodyPr lIns="0" rIns="0" tIns="0" bIns="0">
+          <a:bodyPr lIns="0" tIns="0" rIns="0" bIns="0">
             <a:normAutofit/>
           </a:bodyPr>
           <a:p>
-            <a:endParaRPr b="0" lang="en-US" sz="2400" spc="-1" strike="noStrike">
+            <a:endParaRPr lang="en-US" sz="2400" b="0" strike="noStrike" spc="-1">
               <a:solidFill>
                 <a:srgbClr val="000000"/>
               </a:solidFill>
@@ -547,11 +648,11 @@
           </a:prstGeom>
         </p:spPr>
         <p:txBody>
-          <a:bodyPr lIns="0" rIns="0" tIns="0" bIns="0">
+          <a:bodyPr lIns="0" tIns="0" rIns="0" bIns="0">
             <a:normAutofit/>
           </a:bodyPr>
           <a:p>
-            <a:endParaRPr b="0" lang="en-US" sz="2400" spc="-1" strike="noStrike">
+            <a:endParaRPr lang="en-US" sz="2400" b="0" strike="noStrike" spc="-1">
               <a:solidFill>
                 <a:srgbClr val="000000"/>
               </a:solidFill>
@@ -580,11 +681,11 @@
           </a:prstGeom>
         </p:spPr>
         <p:txBody>
-          <a:bodyPr lIns="0" rIns="0" tIns="0" bIns="0">
+          <a:bodyPr lIns="0" tIns="0" rIns="0" bIns="0">
             <a:normAutofit/>
           </a:bodyPr>
           <a:p>
-            <a:endParaRPr b="0" lang="en-US" sz="2400" spc="-1" strike="noStrike">
+            <a:endParaRPr lang="en-US" sz="2400" b="0" strike="noStrike" spc="-1">
               <a:solidFill>
                 <a:srgbClr val="000000"/>
               </a:solidFill>
@@ -595,11 +696,14 @@
       </p:sp>
     </p:spTree>
   </p:cSld>
+  <p:clrMapOvr>
+    <a:masterClrMapping/>
+  </p:clrMapOvr>
 </p:sldLayout>
 </file>
 
 <file path=ppt/slideLayouts/slideLayout13.xml><?xml version="1.0" encoding="utf-8"?>
-<p:sldLayout xmlns:a="http://schemas.openxmlformats.org/drawingml/2006/main" xmlns:p="http://schemas.openxmlformats.org/presentationml/2006/main" xmlns:r="http://schemas.openxmlformats.org/officeDocument/2006/relationships" xmlns:p14="http://schemas.microsoft.com/office/powerpoint/2010/main" xmlns:p15="http://schemas.microsoft.com/office/powerpoint/2012/main" xmlns:mc="http://schemas.openxmlformats.org/markup-compatibility/2006" type="blank" preserve="1">
+<p:sldLayout xmlns:a="http://schemas.openxmlformats.org/drawingml/2006/main" xmlns:r="http://schemas.openxmlformats.org/officeDocument/2006/relationships" xmlns:p="http://schemas.openxmlformats.org/presentationml/2006/main" type="blank" preserve="1">
   <p:cSld name="Blank Slide">
     <p:spTree>
       <p:nvGrpSpPr>
@@ -617,11 +721,14 @@
       </p:grpSpPr>
     </p:spTree>
   </p:cSld>
+  <p:clrMapOvr>
+    <a:masterClrMapping/>
+  </p:clrMapOvr>
 </p:sldLayout>
 </file>
 
 <file path=ppt/slideLayouts/slideLayout14.xml><?xml version="1.0" encoding="utf-8"?>
-<p:sldLayout xmlns:a="http://schemas.openxmlformats.org/drawingml/2006/main" xmlns:p="http://schemas.openxmlformats.org/presentationml/2006/main" xmlns:r="http://schemas.openxmlformats.org/officeDocument/2006/relationships" xmlns:p14="http://schemas.microsoft.com/office/powerpoint/2010/main" xmlns:p15="http://schemas.microsoft.com/office/powerpoint/2012/main" xmlns:mc="http://schemas.openxmlformats.org/markup-compatibility/2006" type="tx" preserve="1">
+<p:sldLayout xmlns:a="http://schemas.openxmlformats.org/drawingml/2006/main" xmlns:r="http://schemas.openxmlformats.org/officeDocument/2006/relationships" xmlns:p="http://schemas.openxmlformats.org/presentationml/2006/main" type="tx" preserve="1">
   <p:cSld name="Title Slide">
     <p:spTree>
       <p:nvGrpSpPr>
@@ -657,9 +764,9 @@
           </a:prstGeom>
         </p:spPr>
         <p:txBody>
-          <a:bodyPr lIns="0" rIns="0" tIns="0" bIns="0" anchor="ctr"/>
-          <a:p>
-            <a:endParaRPr b="0" lang="en-US" sz="1800" spc="-1" strike="noStrike">
+          <a:bodyPr lIns="0" tIns="0" rIns="0" bIns="0" anchor="ctr"/>
+          <a:p>
+            <a:endParaRPr lang="en-US" sz="1800" b="0" strike="noStrike" spc="-1">
               <a:solidFill>
                 <a:srgbClr val="000000"/>
               </a:solidFill>
@@ -688,22 +795,25 @@
           </a:prstGeom>
         </p:spPr>
         <p:txBody>
-          <a:bodyPr lIns="0" rIns="0" tIns="0" bIns="0" anchor="ctr"/>
+          <a:bodyPr lIns="0" tIns="0" rIns="0" bIns="0" anchor="ctr"/>
           <a:p>
             <a:pPr algn="ctr"/>
-            <a:endParaRPr b="0" lang="en-IN" sz="3200" spc="-1" strike="noStrike">
-              <a:latin typeface="Arial"/>
+            <a:endParaRPr lang="en-IN" sz="3200" b="0" strike="noStrike" spc="-1">
+              <a:latin typeface="Arial" panose="020B0604020202020204"/>
             </a:endParaRPr>
           </a:p>
         </p:txBody>
       </p:sp>
     </p:spTree>
   </p:cSld>
+  <p:clrMapOvr>
+    <a:masterClrMapping/>
+  </p:clrMapOvr>
 </p:sldLayout>
 </file>
 
 <file path=ppt/slideLayouts/slideLayout15.xml><?xml version="1.0" encoding="utf-8"?>
-<p:sldLayout xmlns:a="http://schemas.openxmlformats.org/drawingml/2006/main" xmlns:p="http://schemas.openxmlformats.org/presentationml/2006/main" xmlns:r="http://schemas.openxmlformats.org/officeDocument/2006/relationships" xmlns:p14="http://schemas.microsoft.com/office/powerpoint/2010/main" xmlns:p15="http://schemas.microsoft.com/office/powerpoint/2012/main" xmlns:mc="http://schemas.openxmlformats.org/markup-compatibility/2006" type="obj" preserve="1">
+<p:sldLayout xmlns:a="http://schemas.openxmlformats.org/drawingml/2006/main" xmlns:r="http://schemas.openxmlformats.org/officeDocument/2006/relationships" xmlns:p="http://schemas.openxmlformats.org/presentationml/2006/main" type="obj" preserve="1">
   <p:cSld name="Title, Content">
     <p:spTree>
       <p:nvGrpSpPr>
@@ -739,9 +849,9 @@
           </a:prstGeom>
         </p:spPr>
         <p:txBody>
-          <a:bodyPr lIns="0" rIns="0" tIns="0" bIns="0" anchor="ctr"/>
-          <a:p>
-            <a:endParaRPr b="0" lang="en-US" sz="1800" spc="-1" strike="noStrike">
+          <a:bodyPr lIns="0" tIns="0" rIns="0" bIns="0" anchor="ctr"/>
+          <a:p>
+            <a:endParaRPr lang="en-US" sz="1800" b="0" strike="noStrike" spc="-1">
               <a:solidFill>
                 <a:srgbClr val="000000"/>
               </a:solidFill>
@@ -770,11 +880,11 @@
           </a:prstGeom>
         </p:spPr>
         <p:txBody>
-          <a:bodyPr lIns="0" rIns="0" tIns="0" bIns="0">
+          <a:bodyPr lIns="0" tIns="0" rIns="0" bIns="0">
             <a:normAutofit/>
           </a:bodyPr>
           <a:p>
-            <a:endParaRPr b="0" lang="en-US" sz="2400" spc="-1" strike="noStrike">
+            <a:endParaRPr lang="en-US" sz="2400" b="0" strike="noStrike" spc="-1">
               <a:solidFill>
                 <a:srgbClr val="000000"/>
               </a:solidFill>
@@ -785,11 +895,14 @@
       </p:sp>
     </p:spTree>
   </p:cSld>
+  <p:clrMapOvr>
+    <a:masterClrMapping/>
+  </p:clrMapOvr>
 </p:sldLayout>
 </file>
 
 <file path=ppt/slideLayouts/slideLayout16.xml><?xml version="1.0" encoding="utf-8"?>
-<p:sldLayout xmlns:a="http://schemas.openxmlformats.org/drawingml/2006/main" xmlns:p="http://schemas.openxmlformats.org/presentationml/2006/main" xmlns:r="http://schemas.openxmlformats.org/officeDocument/2006/relationships" xmlns:p14="http://schemas.microsoft.com/office/powerpoint/2010/main" xmlns:p15="http://schemas.microsoft.com/office/powerpoint/2012/main" xmlns:mc="http://schemas.openxmlformats.org/markup-compatibility/2006" type="twoObj" preserve="1">
+<p:sldLayout xmlns:a="http://schemas.openxmlformats.org/drawingml/2006/main" xmlns:r="http://schemas.openxmlformats.org/officeDocument/2006/relationships" xmlns:p="http://schemas.openxmlformats.org/presentationml/2006/main" type="twoObj" preserve="1">
   <p:cSld name="Title, 2 Content">
     <p:spTree>
       <p:nvGrpSpPr>
@@ -825,9 +938,9 @@
           </a:prstGeom>
         </p:spPr>
         <p:txBody>
-          <a:bodyPr lIns="0" rIns="0" tIns="0" bIns="0" anchor="ctr"/>
-          <a:p>
-            <a:endParaRPr b="0" lang="en-US" sz="1800" spc="-1" strike="noStrike">
+          <a:bodyPr lIns="0" tIns="0" rIns="0" bIns="0" anchor="ctr"/>
+          <a:p>
+            <a:endParaRPr lang="en-US" sz="1800" b="0" strike="noStrike" spc="-1">
               <a:solidFill>
                 <a:srgbClr val="000000"/>
               </a:solidFill>
@@ -856,11 +969,11 @@
           </a:prstGeom>
         </p:spPr>
         <p:txBody>
-          <a:bodyPr lIns="0" rIns="0" tIns="0" bIns="0">
+          <a:bodyPr lIns="0" tIns="0" rIns="0" bIns="0">
             <a:normAutofit/>
           </a:bodyPr>
           <a:p>
-            <a:endParaRPr b="0" lang="en-US" sz="2400" spc="-1" strike="noStrike">
+            <a:endParaRPr lang="en-US" sz="2400" b="0" strike="noStrike" spc="-1">
               <a:solidFill>
                 <a:srgbClr val="000000"/>
               </a:solidFill>
@@ -889,11 +1002,11 @@
           </a:prstGeom>
         </p:spPr>
         <p:txBody>
-          <a:bodyPr lIns="0" rIns="0" tIns="0" bIns="0">
+          <a:bodyPr lIns="0" tIns="0" rIns="0" bIns="0">
             <a:normAutofit/>
           </a:bodyPr>
           <a:p>
-            <a:endParaRPr b="0" lang="en-US" sz="2400" spc="-1" strike="noStrike">
+            <a:endParaRPr lang="en-US" sz="2400" b="0" strike="noStrike" spc="-1">
               <a:solidFill>
                 <a:srgbClr val="000000"/>
               </a:solidFill>
@@ -904,11 +1017,14 @@
       </p:sp>
     </p:spTree>
   </p:cSld>
+  <p:clrMapOvr>
+    <a:masterClrMapping/>
+  </p:clrMapOvr>
 </p:sldLayout>
 </file>
 
 <file path=ppt/slideLayouts/slideLayout17.xml><?xml version="1.0" encoding="utf-8"?>
-<p:sldLayout xmlns:a="http://schemas.openxmlformats.org/drawingml/2006/main" xmlns:p="http://schemas.openxmlformats.org/presentationml/2006/main" xmlns:r="http://schemas.openxmlformats.org/officeDocument/2006/relationships" xmlns:p14="http://schemas.microsoft.com/office/powerpoint/2010/main" xmlns:p15="http://schemas.microsoft.com/office/powerpoint/2012/main" xmlns:mc="http://schemas.openxmlformats.org/markup-compatibility/2006" type="titleOnly" preserve="1">
+<p:sldLayout xmlns:a="http://schemas.openxmlformats.org/drawingml/2006/main" xmlns:r="http://schemas.openxmlformats.org/officeDocument/2006/relationships" xmlns:p="http://schemas.openxmlformats.org/presentationml/2006/main" type="titleOnly" preserve="1">
   <p:cSld name="Title Only">
     <p:spTree>
       <p:nvGrpSpPr>
@@ -944,9 +1060,9 @@
           </a:prstGeom>
         </p:spPr>
         <p:txBody>
-          <a:bodyPr lIns="0" rIns="0" tIns="0" bIns="0" anchor="ctr"/>
-          <a:p>
-            <a:endParaRPr b="0" lang="en-US" sz="1800" spc="-1" strike="noStrike">
+          <a:bodyPr lIns="0" tIns="0" rIns="0" bIns="0" anchor="ctr"/>
+          <a:p>
+            <a:endParaRPr lang="en-US" sz="1800" b="0" strike="noStrike" spc="-1">
               <a:solidFill>
                 <a:srgbClr val="000000"/>
               </a:solidFill>
@@ -957,11 +1073,14 @@
       </p:sp>
     </p:spTree>
   </p:cSld>
+  <p:clrMapOvr>
+    <a:masterClrMapping/>
+  </p:clrMapOvr>
 </p:sldLayout>
 </file>
 
 <file path=ppt/slideLayouts/slideLayout18.xml><?xml version="1.0" encoding="utf-8"?>
-<p:sldLayout xmlns:a="http://schemas.openxmlformats.org/drawingml/2006/main" xmlns:p="http://schemas.openxmlformats.org/presentationml/2006/main" xmlns:r="http://schemas.openxmlformats.org/officeDocument/2006/relationships" xmlns:p14="http://schemas.microsoft.com/office/powerpoint/2010/main" xmlns:p15="http://schemas.microsoft.com/office/powerpoint/2012/main" xmlns:mc="http://schemas.openxmlformats.org/markup-compatibility/2006" type="objOnly" preserve="1">
+<p:sldLayout xmlns:a="http://schemas.openxmlformats.org/drawingml/2006/main" xmlns:r="http://schemas.openxmlformats.org/officeDocument/2006/relationships" xmlns:p="http://schemas.openxmlformats.org/presentationml/2006/main" type="objOnly" preserve="1">
   <p:cSld name="Centered Text">
     <p:spTree>
       <p:nvGrpSpPr>
@@ -997,22 +1116,25 @@
           </a:prstGeom>
         </p:spPr>
         <p:txBody>
-          <a:bodyPr lIns="0" rIns="0" tIns="0" bIns="0" anchor="ctr"/>
+          <a:bodyPr lIns="0" tIns="0" rIns="0" bIns="0" anchor="ctr"/>
           <a:p>
             <a:pPr algn="ctr"/>
-            <a:endParaRPr b="0" lang="en-IN" sz="3200" spc="-1" strike="noStrike">
-              <a:latin typeface="Arial"/>
+            <a:endParaRPr lang="en-IN" sz="3200" b="0" strike="noStrike" spc="-1">
+              <a:latin typeface="Arial" panose="020B0604020202020204"/>
             </a:endParaRPr>
           </a:p>
         </p:txBody>
       </p:sp>
     </p:spTree>
   </p:cSld>
+  <p:clrMapOvr>
+    <a:masterClrMapping/>
+  </p:clrMapOvr>
 </p:sldLayout>
 </file>
 
 <file path=ppt/slideLayouts/slideLayout19.xml><?xml version="1.0" encoding="utf-8"?>
-<p:sldLayout xmlns:a="http://schemas.openxmlformats.org/drawingml/2006/main" xmlns:p="http://schemas.openxmlformats.org/presentationml/2006/main" xmlns:r="http://schemas.openxmlformats.org/officeDocument/2006/relationships" xmlns:p14="http://schemas.microsoft.com/office/powerpoint/2010/main" xmlns:p15="http://schemas.microsoft.com/office/powerpoint/2012/main" xmlns:mc="http://schemas.openxmlformats.org/markup-compatibility/2006" type="twoObjAndObj" preserve="1">
+<p:sldLayout xmlns:a="http://schemas.openxmlformats.org/drawingml/2006/main" xmlns:r="http://schemas.openxmlformats.org/officeDocument/2006/relationships" xmlns:p="http://schemas.openxmlformats.org/presentationml/2006/main" type="twoObjAndObj" preserve="1">
   <p:cSld name="Title, 2 Content and Content">
     <p:spTree>
       <p:nvGrpSpPr>
@@ -1048,9 +1170,9 @@
           </a:prstGeom>
         </p:spPr>
         <p:txBody>
-          <a:bodyPr lIns="0" rIns="0" tIns="0" bIns="0" anchor="ctr"/>
-          <a:p>
-            <a:endParaRPr b="0" lang="en-US" sz="1800" spc="-1" strike="noStrike">
+          <a:bodyPr lIns="0" tIns="0" rIns="0" bIns="0" anchor="ctr"/>
+          <a:p>
+            <a:endParaRPr lang="en-US" sz="1800" b="0" strike="noStrike" spc="-1">
               <a:solidFill>
                 <a:srgbClr val="000000"/>
               </a:solidFill>
@@ -1079,11 +1201,11 @@
           </a:prstGeom>
         </p:spPr>
         <p:txBody>
-          <a:bodyPr lIns="0" rIns="0" tIns="0" bIns="0">
+          <a:bodyPr lIns="0" tIns="0" rIns="0" bIns="0">
             <a:normAutofit/>
           </a:bodyPr>
           <a:p>
-            <a:endParaRPr b="0" lang="en-US" sz="2400" spc="-1" strike="noStrike">
+            <a:endParaRPr lang="en-US" sz="2400" b="0" strike="noStrike" spc="-1">
               <a:solidFill>
                 <a:srgbClr val="000000"/>
               </a:solidFill>
@@ -1112,11 +1234,11 @@
           </a:prstGeom>
         </p:spPr>
         <p:txBody>
-          <a:bodyPr lIns="0" rIns="0" tIns="0" bIns="0">
+          <a:bodyPr lIns="0" tIns="0" rIns="0" bIns="0">
             <a:normAutofit/>
           </a:bodyPr>
           <a:p>
-            <a:endParaRPr b="0" lang="en-US" sz="2400" spc="-1" strike="noStrike">
+            <a:endParaRPr lang="en-US" sz="2400" b="0" strike="noStrike" spc="-1">
               <a:solidFill>
                 <a:srgbClr val="000000"/>
               </a:solidFill>
@@ -1145,11 +1267,11 @@
           </a:prstGeom>
         </p:spPr>
         <p:txBody>
-          <a:bodyPr lIns="0" rIns="0" tIns="0" bIns="0">
+          <a:bodyPr lIns="0" tIns="0" rIns="0" bIns="0">
             <a:normAutofit/>
           </a:bodyPr>
           <a:p>
-            <a:endParaRPr b="0" lang="en-US" sz="2400" spc="-1" strike="noStrike">
+            <a:endParaRPr lang="en-US" sz="2400" b="0" strike="noStrike" spc="-1">
               <a:solidFill>
                 <a:srgbClr val="000000"/>
               </a:solidFill>
@@ -1160,11 +1282,14 @@
       </p:sp>
     </p:spTree>
   </p:cSld>
+  <p:clrMapOvr>
+    <a:masterClrMapping/>
+  </p:clrMapOvr>
 </p:sldLayout>
 </file>
 
 <file path=ppt/slideLayouts/slideLayout2.xml><?xml version="1.0" encoding="utf-8"?>
-<p:sldLayout xmlns:a="http://schemas.openxmlformats.org/drawingml/2006/main" xmlns:p="http://schemas.openxmlformats.org/presentationml/2006/main" xmlns:r="http://schemas.openxmlformats.org/officeDocument/2006/relationships" xmlns:p14="http://schemas.microsoft.com/office/powerpoint/2010/main" xmlns:p15="http://schemas.microsoft.com/office/powerpoint/2012/main" xmlns:mc="http://schemas.openxmlformats.org/markup-compatibility/2006" type="tx" preserve="1">
+<p:sldLayout xmlns:a="http://schemas.openxmlformats.org/drawingml/2006/main" xmlns:r="http://schemas.openxmlformats.org/officeDocument/2006/relationships" xmlns:p="http://schemas.openxmlformats.org/presentationml/2006/main" type="tx" preserve="1">
   <p:cSld name="Title Slide">
     <p:spTree>
       <p:nvGrpSpPr>
@@ -1200,9 +1325,9 @@
           </a:prstGeom>
         </p:spPr>
         <p:txBody>
-          <a:bodyPr lIns="0" rIns="0" tIns="0" bIns="0" anchor="ctr"/>
-          <a:p>
-            <a:endParaRPr b="0" lang="en-US" sz="1800" spc="-1" strike="noStrike">
+          <a:bodyPr lIns="0" tIns="0" rIns="0" bIns="0" anchor="ctr"/>
+          <a:p>
+            <a:endParaRPr lang="en-US" sz="1800" b="0" strike="noStrike" spc="-1">
               <a:solidFill>
                 <a:srgbClr val="000000"/>
               </a:solidFill>
@@ -1231,22 +1356,25 @@
           </a:prstGeom>
         </p:spPr>
         <p:txBody>
-          <a:bodyPr lIns="0" rIns="0" tIns="0" bIns="0" anchor="ctr"/>
+          <a:bodyPr lIns="0" tIns="0" rIns="0" bIns="0" anchor="ctr"/>
           <a:p>
             <a:pPr algn="ctr"/>
-            <a:endParaRPr b="0" lang="en-IN" sz="3200" spc="-1" strike="noStrike">
-              <a:latin typeface="Arial"/>
+            <a:endParaRPr lang="en-IN" sz="3200" b="0" strike="noStrike" spc="-1">
+              <a:latin typeface="Arial" panose="020B0604020202020204"/>
             </a:endParaRPr>
           </a:p>
         </p:txBody>
       </p:sp>
     </p:spTree>
   </p:cSld>
+  <p:clrMapOvr>
+    <a:masterClrMapping/>
+  </p:clrMapOvr>
 </p:sldLayout>
 </file>
 
 <file path=ppt/slideLayouts/slideLayout20.xml><?xml version="1.0" encoding="utf-8"?>
-<p:sldLayout xmlns:a="http://schemas.openxmlformats.org/drawingml/2006/main" xmlns:p="http://schemas.openxmlformats.org/presentationml/2006/main" xmlns:r="http://schemas.openxmlformats.org/officeDocument/2006/relationships" xmlns:p14="http://schemas.microsoft.com/office/powerpoint/2010/main" xmlns:p15="http://schemas.microsoft.com/office/powerpoint/2012/main" xmlns:mc="http://schemas.openxmlformats.org/markup-compatibility/2006" type="objAndTwoObj" preserve="1">
+<p:sldLayout xmlns:a="http://schemas.openxmlformats.org/drawingml/2006/main" xmlns:r="http://schemas.openxmlformats.org/officeDocument/2006/relationships" xmlns:p="http://schemas.openxmlformats.org/presentationml/2006/main" type="objAndTwoObj" preserve="1">
   <p:cSld name="Title Content and 2 Content">
     <p:spTree>
       <p:nvGrpSpPr>
@@ -1282,9 +1410,9 @@
           </a:prstGeom>
         </p:spPr>
         <p:txBody>
-          <a:bodyPr lIns="0" rIns="0" tIns="0" bIns="0" anchor="ctr"/>
-          <a:p>
-            <a:endParaRPr b="0" lang="en-US" sz="1800" spc="-1" strike="noStrike">
+          <a:bodyPr lIns="0" tIns="0" rIns="0" bIns="0" anchor="ctr"/>
+          <a:p>
+            <a:endParaRPr lang="en-US" sz="1800" b="0" strike="noStrike" spc="-1">
               <a:solidFill>
                 <a:srgbClr val="000000"/>
               </a:solidFill>
@@ -1313,11 +1441,11 @@
           </a:prstGeom>
         </p:spPr>
         <p:txBody>
-          <a:bodyPr lIns="0" rIns="0" tIns="0" bIns="0">
+          <a:bodyPr lIns="0" tIns="0" rIns="0" bIns="0">
             <a:normAutofit/>
           </a:bodyPr>
           <a:p>
-            <a:endParaRPr b="0" lang="en-US" sz="2400" spc="-1" strike="noStrike">
+            <a:endParaRPr lang="en-US" sz="2400" b="0" strike="noStrike" spc="-1">
               <a:solidFill>
                 <a:srgbClr val="000000"/>
               </a:solidFill>
@@ -1346,11 +1474,11 @@
           </a:prstGeom>
         </p:spPr>
         <p:txBody>
-          <a:bodyPr lIns="0" rIns="0" tIns="0" bIns="0">
+          <a:bodyPr lIns="0" tIns="0" rIns="0" bIns="0">
             <a:normAutofit/>
           </a:bodyPr>
           <a:p>
-            <a:endParaRPr b="0" lang="en-US" sz="2400" spc="-1" strike="noStrike">
+            <a:endParaRPr lang="en-US" sz="2400" b="0" strike="noStrike" spc="-1">
               <a:solidFill>
                 <a:srgbClr val="000000"/>
               </a:solidFill>
@@ -1379,11 +1507,11 @@
           </a:prstGeom>
         </p:spPr>
         <p:txBody>
-          <a:bodyPr lIns="0" rIns="0" tIns="0" bIns="0">
+          <a:bodyPr lIns="0" tIns="0" rIns="0" bIns="0">
             <a:normAutofit/>
           </a:bodyPr>
           <a:p>
-            <a:endParaRPr b="0" lang="en-US" sz="2400" spc="-1" strike="noStrike">
+            <a:endParaRPr lang="en-US" sz="2400" b="0" strike="noStrike" spc="-1">
               <a:solidFill>
                 <a:srgbClr val="000000"/>
               </a:solidFill>
@@ -1394,11 +1522,14 @@
       </p:sp>
     </p:spTree>
   </p:cSld>
+  <p:clrMapOvr>
+    <a:masterClrMapping/>
+  </p:clrMapOvr>
 </p:sldLayout>
 </file>
 
 <file path=ppt/slideLayouts/slideLayout21.xml><?xml version="1.0" encoding="utf-8"?>
-<p:sldLayout xmlns:a="http://schemas.openxmlformats.org/drawingml/2006/main" xmlns:p="http://schemas.openxmlformats.org/presentationml/2006/main" xmlns:r="http://schemas.openxmlformats.org/officeDocument/2006/relationships" xmlns:p14="http://schemas.microsoft.com/office/powerpoint/2010/main" xmlns:p15="http://schemas.microsoft.com/office/powerpoint/2012/main" xmlns:mc="http://schemas.openxmlformats.org/markup-compatibility/2006" type="twoObjOverTx" preserve="1">
+<p:sldLayout xmlns:a="http://schemas.openxmlformats.org/drawingml/2006/main" xmlns:r="http://schemas.openxmlformats.org/officeDocument/2006/relationships" xmlns:p="http://schemas.openxmlformats.org/presentationml/2006/main" type="twoObjOverTx" preserve="1">
   <p:cSld name="Title, 2 Content over Content">
     <p:spTree>
       <p:nvGrpSpPr>
@@ -1434,9 +1565,9 @@
           </a:prstGeom>
         </p:spPr>
         <p:txBody>
-          <a:bodyPr lIns="0" rIns="0" tIns="0" bIns="0" anchor="ctr"/>
-          <a:p>
-            <a:endParaRPr b="0" lang="en-US" sz="1800" spc="-1" strike="noStrike">
+          <a:bodyPr lIns="0" tIns="0" rIns="0" bIns="0" anchor="ctr"/>
+          <a:p>
+            <a:endParaRPr lang="en-US" sz="1800" b="0" strike="noStrike" spc="-1">
               <a:solidFill>
                 <a:srgbClr val="000000"/>
               </a:solidFill>
@@ -1465,11 +1596,11 @@
           </a:prstGeom>
         </p:spPr>
         <p:txBody>
-          <a:bodyPr lIns="0" rIns="0" tIns="0" bIns="0">
+          <a:bodyPr lIns="0" tIns="0" rIns="0" bIns="0">
             <a:normAutofit/>
           </a:bodyPr>
           <a:p>
-            <a:endParaRPr b="0" lang="en-US" sz="2400" spc="-1" strike="noStrike">
+            <a:endParaRPr lang="en-US" sz="2400" b="0" strike="noStrike" spc="-1">
               <a:solidFill>
                 <a:srgbClr val="000000"/>
               </a:solidFill>
@@ -1498,11 +1629,11 @@
           </a:prstGeom>
         </p:spPr>
         <p:txBody>
-          <a:bodyPr lIns="0" rIns="0" tIns="0" bIns="0">
+          <a:bodyPr lIns="0" tIns="0" rIns="0" bIns="0">
             <a:normAutofit/>
           </a:bodyPr>
           <a:p>
-            <a:endParaRPr b="0" lang="en-US" sz="2400" spc="-1" strike="noStrike">
+            <a:endParaRPr lang="en-US" sz="2400" b="0" strike="noStrike" spc="-1">
               <a:solidFill>
                 <a:srgbClr val="000000"/>
               </a:solidFill>
@@ -1531,11 +1662,11 @@
           </a:prstGeom>
         </p:spPr>
         <p:txBody>
-          <a:bodyPr lIns="0" rIns="0" tIns="0" bIns="0">
+          <a:bodyPr lIns="0" tIns="0" rIns="0" bIns="0">
             <a:normAutofit/>
           </a:bodyPr>
           <a:p>
-            <a:endParaRPr b="0" lang="en-US" sz="2400" spc="-1" strike="noStrike">
+            <a:endParaRPr lang="en-US" sz="2400" b="0" strike="noStrike" spc="-1">
               <a:solidFill>
                 <a:srgbClr val="000000"/>
               </a:solidFill>
@@ -1546,11 +1677,14 @@
       </p:sp>
     </p:spTree>
   </p:cSld>
+  <p:clrMapOvr>
+    <a:masterClrMapping/>
+  </p:clrMapOvr>
 </p:sldLayout>
 </file>
 
 <file path=ppt/slideLayouts/slideLayout22.xml><?xml version="1.0" encoding="utf-8"?>
-<p:sldLayout xmlns:a="http://schemas.openxmlformats.org/drawingml/2006/main" xmlns:p="http://schemas.openxmlformats.org/presentationml/2006/main" xmlns:r="http://schemas.openxmlformats.org/officeDocument/2006/relationships" xmlns:p14="http://schemas.microsoft.com/office/powerpoint/2010/main" xmlns:p15="http://schemas.microsoft.com/office/powerpoint/2012/main" xmlns:mc="http://schemas.openxmlformats.org/markup-compatibility/2006" type="objOverTx" preserve="1">
+<p:sldLayout xmlns:a="http://schemas.openxmlformats.org/drawingml/2006/main" xmlns:r="http://schemas.openxmlformats.org/officeDocument/2006/relationships" xmlns:p="http://schemas.openxmlformats.org/presentationml/2006/main" type="objOverTx" preserve="1">
   <p:cSld name="Title, Content over Content">
     <p:spTree>
       <p:nvGrpSpPr>
@@ -1586,9 +1720,9 @@
           </a:prstGeom>
         </p:spPr>
         <p:txBody>
-          <a:bodyPr lIns="0" rIns="0" tIns="0" bIns="0" anchor="ctr"/>
-          <a:p>
-            <a:endParaRPr b="0" lang="en-US" sz="1800" spc="-1" strike="noStrike">
+          <a:bodyPr lIns="0" tIns="0" rIns="0" bIns="0" anchor="ctr"/>
+          <a:p>
+            <a:endParaRPr lang="en-US" sz="1800" b="0" strike="noStrike" spc="-1">
               <a:solidFill>
                 <a:srgbClr val="000000"/>
               </a:solidFill>
@@ -1617,11 +1751,11 @@
           </a:prstGeom>
         </p:spPr>
         <p:txBody>
-          <a:bodyPr lIns="0" rIns="0" tIns="0" bIns="0">
+          <a:bodyPr lIns="0" tIns="0" rIns="0" bIns="0">
             <a:normAutofit/>
           </a:bodyPr>
           <a:p>
-            <a:endParaRPr b="0" lang="en-US" sz="2400" spc="-1" strike="noStrike">
+            <a:endParaRPr lang="en-US" sz="2400" b="0" strike="noStrike" spc="-1">
               <a:solidFill>
                 <a:srgbClr val="000000"/>
               </a:solidFill>
@@ -1650,11 +1784,11 @@
           </a:prstGeom>
         </p:spPr>
         <p:txBody>
-          <a:bodyPr lIns="0" rIns="0" tIns="0" bIns="0">
+          <a:bodyPr lIns="0" tIns="0" rIns="0" bIns="0">
             <a:normAutofit/>
           </a:bodyPr>
           <a:p>
-            <a:endParaRPr b="0" lang="en-US" sz="2400" spc="-1" strike="noStrike">
+            <a:endParaRPr lang="en-US" sz="2400" b="0" strike="noStrike" spc="-1">
               <a:solidFill>
                 <a:srgbClr val="000000"/>
               </a:solidFill>
@@ -1665,11 +1799,14 @@
       </p:sp>
     </p:spTree>
   </p:cSld>
+  <p:clrMapOvr>
+    <a:masterClrMapping/>
+  </p:clrMapOvr>
 </p:sldLayout>
 </file>
 
 <file path=ppt/slideLayouts/slideLayout23.xml><?xml version="1.0" encoding="utf-8"?>
-<p:sldLayout xmlns:a="http://schemas.openxmlformats.org/drawingml/2006/main" xmlns:p="http://schemas.openxmlformats.org/presentationml/2006/main" xmlns:r="http://schemas.openxmlformats.org/officeDocument/2006/relationships" xmlns:p14="http://schemas.microsoft.com/office/powerpoint/2010/main" xmlns:p15="http://schemas.microsoft.com/office/powerpoint/2012/main" xmlns:mc="http://schemas.openxmlformats.org/markup-compatibility/2006" type="fourObj" preserve="1">
+<p:sldLayout xmlns:a="http://schemas.openxmlformats.org/drawingml/2006/main" xmlns:r="http://schemas.openxmlformats.org/officeDocument/2006/relationships" xmlns:p="http://schemas.openxmlformats.org/presentationml/2006/main" type="fourObj" preserve="1">
   <p:cSld name="Title, 4 Content">
     <p:spTree>
       <p:nvGrpSpPr>
@@ -1705,9 +1842,9 @@
           </a:prstGeom>
         </p:spPr>
         <p:txBody>
-          <a:bodyPr lIns="0" rIns="0" tIns="0" bIns="0" anchor="ctr"/>
-          <a:p>
-            <a:endParaRPr b="0" lang="en-US" sz="1800" spc="-1" strike="noStrike">
+          <a:bodyPr lIns="0" tIns="0" rIns="0" bIns="0" anchor="ctr"/>
+          <a:p>
+            <a:endParaRPr lang="en-US" sz="1800" b="0" strike="noStrike" spc="-1">
               <a:solidFill>
                 <a:srgbClr val="000000"/>
               </a:solidFill>
@@ -1736,11 +1873,11 @@
           </a:prstGeom>
         </p:spPr>
         <p:txBody>
-          <a:bodyPr lIns="0" rIns="0" tIns="0" bIns="0">
+          <a:bodyPr lIns="0" tIns="0" rIns="0" bIns="0">
             <a:normAutofit/>
           </a:bodyPr>
           <a:p>
-            <a:endParaRPr b="0" lang="en-US" sz="2400" spc="-1" strike="noStrike">
+            <a:endParaRPr lang="en-US" sz="2400" b="0" strike="noStrike" spc="-1">
               <a:solidFill>
                 <a:srgbClr val="000000"/>
               </a:solidFill>
@@ -1769,11 +1906,11 @@
           </a:prstGeom>
         </p:spPr>
         <p:txBody>
-          <a:bodyPr lIns="0" rIns="0" tIns="0" bIns="0">
+          <a:bodyPr lIns="0" tIns="0" rIns="0" bIns="0">
             <a:normAutofit/>
           </a:bodyPr>
           <a:p>
-            <a:endParaRPr b="0" lang="en-US" sz="2400" spc="-1" strike="noStrike">
+            <a:endParaRPr lang="en-US" sz="2400" b="0" strike="noStrike" spc="-1">
               <a:solidFill>
                 <a:srgbClr val="000000"/>
               </a:solidFill>
@@ -1802,11 +1939,11 @@
           </a:prstGeom>
         </p:spPr>
         <p:txBody>
-          <a:bodyPr lIns="0" rIns="0" tIns="0" bIns="0">
+          <a:bodyPr lIns="0" tIns="0" rIns="0" bIns="0">
             <a:normAutofit/>
           </a:bodyPr>
           <a:p>
-            <a:endParaRPr b="0" lang="en-US" sz="2400" spc="-1" strike="noStrike">
+            <a:endParaRPr lang="en-US" sz="2400" b="0" strike="noStrike" spc="-1">
               <a:solidFill>
                 <a:srgbClr val="000000"/>
               </a:solidFill>
@@ -1835,11 +1972,11 @@
           </a:prstGeom>
         </p:spPr>
         <p:txBody>
-          <a:bodyPr lIns="0" rIns="0" tIns="0" bIns="0">
+          <a:bodyPr lIns="0" tIns="0" rIns="0" bIns="0">
             <a:normAutofit/>
           </a:bodyPr>
           <a:p>
-            <a:endParaRPr b="0" lang="en-US" sz="2400" spc="-1" strike="noStrike">
+            <a:endParaRPr lang="en-US" sz="2400" b="0" strike="noStrike" spc="-1">
               <a:solidFill>
                 <a:srgbClr val="000000"/>
               </a:solidFill>
@@ -1850,11 +1987,14 @@
       </p:sp>
     </p:spTree>
   </p:cSld>
+  <p:clrMapOvr>
+    <a:masterClrMapping/>
+  </p:clrMapOvr>
 </p:sldLayout>
 </file>
 
 <file path=ppt/slideLayouts/slideLayout24.xml><?xml version="1.0" encoding="utf-8"?>
-<p:sldLayout xmlns:a="http://schemas.openxmlformats.org/drawingml/2006/main" xmlns:p="http://schemas.openxmlformats.org/presentationml/2006/main" xmlns:r="http://schemas.openxmlformats.org/officeDocument/2006/relationships" xmlns:p14="http://schemas.microsoft.com/office/powerpoint/2010/main" xmlns:p15="http://schemas.microsoft.com/office/powerpoint/2012/main" xmlns:mc="http://schemas.openxmlformats.org/markup-compatibility/2006" type="blank" preserve="1">
+<p:sldLayout xmlns:a="http://schemas.openxmlformats.org/drawingml/2006/main" xmlns:r="http://schemas.openxmlformats.org/officeDocument/2006/relationships" xmlns:p="http://schemas.openxmlformats.org/presentationml/2006/main" type="blank" preserve="1">
   <p:cSld name="Title, 6 Content">
     <p:spTree>
       <p:nvGrpSpPr>
@@ -1890,9 +2030,9 @@
           </a:prstGeom>
         </p:spPr>
         <p:txBody>
-          <a:bodyPr lIns="0" rIns="0" tIns="0" bIns="0" anchor="ctr"/>
-          <a:p>
-            <a:endParaRPr b="0" lang="en-US" sz="1800" spc="-1" strike="noStrike">
+          <a:bodyPr lIns="0" tIns="0" rIns="0" bIns="0" anchor="ctr"/>
+          <a:p>
+            <a:endParaRPr lang="en-US" sz="1800" b="0" strike="noStrike" spc="-1">
               <a:solidFill>
                 <a:srgbClr val="000000"/>
               </a:solidFill>
@@ -1921,11 +2061,11 @@
           </a:prstGeom>
         </p:spPr>
         <p:txBody>
-          <a:bodyPr lIns="0" rIns="0" tIns="0" bIns="0">
+          <a:bodyPr lIns="0" tIns="0" rIns="0" bIns="0">
             <a:normAutofit/>
           </a:bodyPr>
           <a:p>
-            <a:endParaRPr b="0" lang="en-US" sz="2400" spc="-1" strike="noStrike">
+            <a:endParaRPr lang="en-US" sz="2400" b="0" strike="noStrike" spc="-1">
               <a:solidFill>
                 <a:srgbClr val="000000"/>
               </a:solidFill>
@@ -1954,11 +2094,11 @@
           </a:prstGeom>
         </p:spPr>
         <p:txBody>
-          <a:bodyPr lIns="0" rIns="0" tIns="0" bIns="0">
+          <a:bodyPr lIns="0" tIns="0" rIns="0" bIns="0">
             <a:normAutofit/>
           </a:bodyPr>
           <a:p>
-            <a:endParaRPr b="0" lang="en-US" sz="2400" spc="-1" strike="noStrike">
+            <a:endParaRPr lang="en-US" sz="2400" b="0" strike="noStrike" spc="-1">
               <a:solidFill>
                 <a:srgbClr val="000000"/>
               </a:solidFill>
@@ -1987,11 +2127,11 @@
           </a:prstGeom>
         </p:spPr>
         <p:txBody>
-          <a:bodyPr lIns="0" rIns="0" tIns="0" bIns="0">
+          <a:bodyPr lIns="0" tIns="0" rIns="0" bIns="0">
             <a:normAutofit/>
           </a:bodyPr>
           <a:p>
-            <a:endParaRPr b="0" lang="en-US" sz="2400" spc="-1" strike="noStrike">
+            <a:endParaRPr lang="en-US" sz="2400" b="0" strike="noStrike" spc="-1">
               <a:solidFill>
                 <a:srgbClr val="000000"/>
               </a:solidFill>
@@ -2020,11 +2160,11 @@
           </a:prstGeom>
         </p:spPr>
         <p:txBody>
-          <a:bodyPr lIns="0" rIns="0" tIns="0" bIns="0">
+          <a:bodyPr lIns="0" tIns="0" rIns="0" bIns="0">
             <a:normAutofit/>
           </a:bodyPr>
           <a:p>
-            <a:endParaRPr b="0" lang="en-US" sz="2400" spc="-1" strike="noStrike">
+            <a:endParaRPr lang="en-US" sz="2400" b="0" strike="noStrike" spc="-1">
               <a:solidFill>
                 <a:srgbClr val="000000"/>
               </a:solidFill>
@@ -2053,11 +2193,11 @@
           </a:prstGeom>
         </p:spPr>
         <p:txBody>
-          <a:bodyPr lIns="0" rIns="0" tIns="0" bIns="0">
+          <a:bodyPr lIns="0" tIns="0" rIns="0" bIns="0">
             <a:normAutofit/>
           </a:bodyPr>
           <a:p>
-            <a:endParaRPr b="0" lang="en-US" sz="2400" spc="-1" strike="noStrike">
+            <a:endParaRPr lang="en-US" sz="2400" b="0" strike="noStrike" spc="-1">
               <a:solidFill>
                 <a:srgbClr val="000000"/>
               </a:solidFill>
@@ -2086,11 +2226,11 @@
           </a:prstGeom>
         </p:spPr>
         <p:txBody>
-          <a:bodyPr lIns="0" rIns="0" tIns="0" bIns="0">
+          <a:bodyPr lIns="0" tIns="0" rIns="0" bIns="0">
             <a:normAutofit/>
           </a:bodyPr>
           <a:p>
-            <a:endParaRPr b="0" lang="en-US" sz="2400" spc="-1" strike="noStrike">
+            <a:endParaRPr lang="en-US" sz="2400" b="0" strike="noStrike" spc="-1">
               <a:solidFill>
                 <a:srgbClr val="000000"/>
               </a:solidFill>
@@ -2101,11 +2241,14 @@
       </p:sp>
     </p:spTree>
   </p:cSld>
+  <p:clrMapOvr>
+    <a:masterClrMapping/>
+  </p:clrMapOvr>
 </p:sldLayout>
 </file>
 
 <file path=ppt/slideLayouts/slideLayout3.xml><?xml version="1.0" encoding="utf-8"?>
-<p:sldLayout xmlns:a="http://schemas.openxmlformats.org/drawingml/2006/main" xmlns:p="http://schemas.openxmlformats.org/presentationml/2006/main" xmlns:r="http://schemas.openxmlformats.org/officeDocument/2006/relationships" xmlns:p14="http://schemas.microsoft.com/office/powerpoint/2010/main" xmlns:p15="http://schemas.microsoft.com/office/powerpoint/2012/main" xmlns:mc="http://schemas.openxmlformats.org/markup-compatibility/2006" type="obj" preserve="1">
+<p:sldLayout xmlns:a="http://schemas.openxmlformats.org/drawingml/2006/main" xmlns:r="http://schemas.openxmlformats.org/officeDocument/2006/relationships" xmlns:p="http://schemas.openxmlformats.org/presentationml/2006/main" type="obj" preserve="1">
   <p:cSld name="Title, Content">
     <p:spTree>
       <p:nvGrpSpPr>
@@ -2141,9 +2284,9 @@
           </a:prstGeom>
         </p:spPr>
         <p:txBody>
-          <a:bodyPr lIns="0" rIns="0" tIns="0" bIns="0" anchor="ctr"/>
-          <a:p>
-            <a:endParaRPr b="0" lang="en-US" sz="1800" spc="-1" strike="noStrike">
+          <a:bodyPr lIns="0" tIns="0" rIns="0" bIns="0" anchor="ctr"/>
+          <a:p>
+            <a:endParaRPr lang="en-US" sz="1800" b="0" strike="noStrike" spc="-1">
               <a:solidFill>
                 <a:srgbClr val="000000"/>
               </a:solidFill>
@@ -2172,11 +2315,11 @@
           </a:prstGeom>
         </p:spPr>
         <p:txBody>
-          <a:bodyPr lIns="0" rIns="0" tIns="0" bIns="0">
+          <a:bodyPr lIns="0" tIns="0" rIns="0" bIns="0">
             <a:normAutofit/>
           </a:bodyPr>
           <a:p>
-            <a:endParaRPr b="0" lang="en-US" sz="2400" spc="-1" strike="noStrike">
+            <a:endParaRPr lang="en-US" sz="2400" b="0" strike="noStrike" spc="-1">
               <a:solidFill>
                 <a:srgbClr val="000000"/>
               </a:solidFill>
@@ -2187,11 +2330,14 @@
       </p:sp>
     </p:spTree>
   </p:cSld>
+  <p:clrMapOvr>
+    <a:masterClrMapping/>
+  </p:clrMapOvr>
 </p:sldLayout>
 </file>
 
 <file path=ppt/slideLayouts/slideLayout4.xml><?xml version="1.0" encoding="utf-8"?>
-<p:sldLayout xmlns:a="http://schemas.openxmlformats.org/drawingml/2006/main" xmlns:p="http://schemas.openxmlformats.org/presentationml/2006/main" xmlns:r="http://schemas.openxmlformats.org/officeDocument/2006/relationships" xmlns:p14="http://schemas.microsoft.com/office/powerpoint/2010/main" xmlns:p15="http://schemas.microsoft.com/office/powerpoint/2012/main" xmlns:mc="http://schemas.openxmlformats.org/markup-compatibility/2006" type="twoObj" preserve="1">
+<p:sldLayout xmlns:a="http://schemas.openxmlformats.org/drawingml/2006/main" xmlns:r="http://schemas.openxmlformats.org/officeDocument/2006/relationships" xmlns:p="http://schemas.openxmlformats.org/presentationml/2006/main" type="twoObj" preserve="1">
   <p:cSld name="Title, 2 Content">
     <p:spTree>
       <p:nvGrpSpPr>
@@ -2227,9 +2373,9 @@
           </a:prstGeom>
         </p:spPr>
         <p:txBody>
-          <a:bodyPr lIns="0" rIns="0" tIns="0" bIns="0" anchor="ctr"/>
-          <a:p>
-            <a:endParaRPr b="0" lang="en-US" sz="1800" spc="-1" strike="noStrike">
+          <a:bodyPr lIns="0" tIns="0" rIns="0" bIns="0" anchor="ctr"/>
+          <a:p>
+            <a:endParaRPr lang="en-US" sz="1800" b="0" strike="noStrike" spc="-1">
               <a:solidFill>
                 <a:srgbClr val="000000"/>
               </a:solidFill>
@@ -2258,11 +2404,11 @@
           </a:prstGeom>
         </p:spPr>
         <p:txBody>
-          <a:bodyPr lIns="0" rIns="0" tIns="0" bIns="0">
+          <a:bodyPr lIns="0" tIns="0" rIns="0" bIns="0">
             <a:normAutofit/>
           </a:bodyPr>
           <a:p>
-            <a:endParaRPr b="0" lang="en-US" sz="2400" spc="-1" strike="noStrike">
+            <a:endParaRPr lang="en-US" sz="2400" b="0" strike="noStrike" spc="-1">
               <a:solidFill>
                 <a:srgbClr val="000000"/>
               </a:solidFill>
@@ -2291,11 +2437,11 @@
           </a:prstGeom>
         </p:spPr>
         <p:txBody>
-          <a:bodyPr lIns="0" rIns="0" tIns="0" bIns="0">
+          <a:bodyPr lIns="0" tIns="0" rIns="0" bIns="0">
             <a:normAutofit/>
           </a:bodyPr>
           <a:p>
-            <a:endParaRPr b="0" lang="en-US" sz="2400" spc="-1" strike="noStrike">
+            <a:endParaRPr lang="en-US" sz="2400" b="0" strike="noStrike" spc="-1">
               <a:solidFill>
                 <a:srgbClr val="000000"/>
               </a:solidFill>
@@ -2306,11 +2452,14 @@
       </p:sp>
     </p:spTree>
   </p:cSld>
+  <p:clrMapOvr>
+    <a:masterClrMapping/>
+  </p:clrMapOvr>
 </p:sldLayout>
 </file>
 
 <file path=ppt/slideLayouts/slideLayout5.xml><?xml version="1.0" encoding="utf-8"?>
-<p:sldLayout xmlns:a="http://schemas.openxmlformats.org/drawingml/2006/main" xmlns:p="http://schemas.openxmlformats.org/presentationml/2006/main" xmlns:r="http://schemas.openxmlformats.org/officeDocument/2006/relationships" xmlns:p14="http://schemas.microsoft.com/office/powerpoint/2010/main" xmlns:p15="http://schemas.microsoft.com/office/powerpoint/2012/main" xmlns:mc="http://schemas.openxmlformats.org/markup-compatibility/2006" type="titleOnly" preserve="1">
+<p:sldLayout xmlns:a="http://schemas.openxmlformats.org/drawingml/2006/main" xmlns:r="http://schemas.openxmlformats.org/officeDocument/2006/relationships" xmlns:p="http://schemas.openxmlformats.org/presentationml/2006/main" type="titleOnly" preserve="1">
   <p:cSld name="Title Only">
     <p:spTree>
       <p:nvGrpSpPr>
@@ -2346,9 +2495,9 @@
           </a:prstGeom>
         </p:spPr>
         <p:txBody>
-          <a:bodyPr lIns="0" rIns="0" tIns="0" bIns="0" anchor="ctr"/>
-          <a:p>
-            <a:endParaRPr b="0" lang="en-US" sz="1800" spc="-1" strike="noStrike">
+          <a:bodyPr lIns="0" tIns="0" rIns="0" bIns="0" anchor="ctr"/>
+          <a:p>
+            <a:endParaRPr lang="en-US" sz="1800" b="0" strike="noStrike" spc="-1">
               <a:solidFill>
                 <a:srgbClr val="000000"/>
               </a:solidFill>
@@ -2359,11 +2508,14 @@
       </p:sp>
     </p:spTree>
   </p:cSld>
+  <p:clrMapOvr>
+    <a:masterClrMapping/>
+  </p:clrMapOvr>
 </p:sldLayout>
 </file>
 
 <file path=ppt/slideLayouts/slideLayout6.xml><?xml version="1.0" encoding="utf-8"?>
-<p:sldLayout xmlns:a="http://schemas.openxmlformats.org/drawingml/2006/main" xmlns:p="http://schemas.openxmlformats.org/presentationml/2006/main" xmlns:r="http://schemas.openxmlformats.org/officeDocument/2006/relationships" xmlns:p14="http://schemas.microsoft.com/office/powerpoint/2010/main" xmlns:p15="http://schemas.microsoft.com/office/powerpoint/2012/main" xmlns:mc="http://schemas.openxmlformats.org/markup-compatibility/2006" type="objOnly" preserve="1">
+<p:sldLayout xmlns:a="http://schemas.openxmlformats.org/drawingml/2006/main" xmlns:r="http://schemas.openxmlformats.org/officeDocument/2006/relationships" xmlns:p="http://schemas.openxmlformats.org/presentationml/2006/main" type="objOnly" preserve="1">
   <p:cSld name="Centered Text">
     <p:spTree>
       <p:nvGrpSpPr>
@@ -2399,22 +2551,25 @@
           </a:prstGeom>
         </p:spPr>
         <p:txBody>
-          <a:bodyPr lIns="0" rIns="0" tIns="0" bIns="0" anchor="ctr"/>
+          <a:bodyPr lIns="0" tIns="0" rIns="0" bIns="0" anchor="ctr"/>
           <a:p>
             <a:pPr algn="ctr"/>
-            <a:endParaRPr b="0" lang="en-IN" sz="3200" spc="-1" strike="noStrike">
-              <a:latin typeface="Arial"/>
+            <a:endParaRPr lang="en-IN" sz="3200" b="0" strike="noStrike" spc="-1">
+              <a:latin typeface="Arial" panose="020B0604020202020204"/>
             </a:endParaRPr>
           </a:p>
         </p:txBody>
       </p:sp>
     </p:spTree>
   </p:cSld>
+  <p:clrMapOvr>
+    <a:masterClrMapping/>
+  </p:clrMapOvr>
 </p:sldLayout>
 </file>
 
 <file path=ppt/slideLayouts/slideLayout7.xml><?xml version="1.0" encoding="utf-8"?>
-<p:sldLayout xmlns:a="http://schemas.openxmlformats.org/drawingml/2006/main" xmlns:p="http://schemas.openxmlformats.org/presentationml/2006/main" xmlns:r="http://schemas.openxmlformats.org/officeDocument/2006/relationships" xmlns:p14="http://schemas.microsoft.com/office/powerpoint/2010/main" xmlns:p15="http://schemas.microsoft.com/office/powerpoint/2012/main" xmlns:mc="http://schemas.openxmlformats.org/markup-compatibility/2006" type="twoObjAndObj" preserve="1">
+<p:sldLayout xmlns:a="http://schemas.openxmlformats.org/drawingml/2006/main" xmlns:r="http://schemas.openxmlformats.org/officeDocument/2006/relationships" xmlns:p="http://schemas.openxmlformats.org/presentationml/2006/main" type="twoObjAndObj" preserve="1">
   <p:cSld name="Title, 2 Content and Content">
     <p:spTree>
       <p:nvGrpSpPr>
@@ -2450,9 +2605,9 @@
           </a:prstGeom>
         </p:spPr>
         <p:txBody>
-          <a:bodyPr lIns="0" rIns="0" tIns="0" bIns="0" anchor="ctr"/>
-          <a:p>
-            <a:endParaRPr b="0" lang="en-US" sz="1800" spc="-1" strike="noStrike">
+          <a:bodyPr lIns="0" tIns="0" rIns="0" bIns="0" anchor="ctr"/>
+          <a:p>
+            <a:endParaRPr lang="en-US" sz="1800" b="0" strike="noStrike" spc="-1">
               <a:solidFill>
                 <a:srgbClr val="000000"/>
               </a:solidFill>
@@ -2481,11 +2636,11 @@
           </a:prstGeom>
         </p:spPr>
         <p:txBody>
-          <a:bodyPr lIns="0" rIns="0" tIns="0" bIns="0">
+          <a:bodyPr lIns="0" tIns="0" rIns="0" bIns="0">
             <a:normAutofit/>
           </a:bodyPr>
           <a:p>
-            <a:endParaRPr b="0" lang="en-US" sz="2400" spc="-1" strike="noStrike">
+            <a:endParaRPr lang="en-US" sz="2400" b="0" strike="noStrike" spc="-1">
               <a:solidFill>
                 <a:srgbClr val="000000"/>
               </a:solidFill>
@@ -2514,11 +2669,11 @@
           </a:prstGeom>
         </p:spPr>
         <p:txBody>
-          <a:bodyPr lIns="0" rIns="0" tIns="0" bIns="0">
+          <a:bodyPr lIns="0" tIns="0" rIns="0" bIns="0">
             <a:normAutofit/>
           </a:bodyPr>
           <a:p>
-            <a:endParaRPr b="0" lang="en-US" sz="2400" spc="-1" strike="noStrike">
+            <a:endParaRPr lang="en-US" sz="2400" b="0" strike="noStrike" spc="-1">
               <a:solidFill>
                 <a:srgbClr val="000000"/>
               </a:solidFill>
@@ -2547,11 +2702,11 @@
           </a:prstGeom>
         </p:spPr>
         <p:txBody>
-          <a:bodyPr lIns="0" rIns="0" tIns="0" bIns="0">
+          <a:bodyPr lIns="0" tIns="0" rIns="0" bIns="0">
             <a:normAutofit/>
           </a:bodyPr>
           <a:p>
-            <a:endParaRPr b="0" lang="en-US" sz="2400" spc="-1" strike="noStrike">
+            <a:endParaRPr lang="en-US" sz="2400" b="0" strike="noStrike" spc="-1">
               <a:solidFill>
                 <a:srgbClr val="000000"/>
               </a:solidFill>
@@ -2562,11 +2717,14 @@
       </p:sp>
     </p:spTree>
   </p:cSld>
+  <p:clrMapOvr>
+    <a:masterClrMapping/>
+  </p:clrMapOvr>
 </p:sldLayout>
 </file>
 
 <file path=ppt/slideLayouts/slideLayout8.xml><?xml version="1.0" encoding="utf-8"?>
-<p:sldLayout xmlns:a="http://schemas.openxmlformats.org/drawingml/2006/main" xmlns:p="http://schemas.openxmlformats.org/presentationml/2006/main" xmlns:r="http://schemas.openxmlformats.org/officeDocument/2006/relationships" xmlns:p14="http://schemas.microsoft.com/office/powerpoint/2010/main" xmlns:p15="http://schemas.microsoft.com/office/powerpoint/2012/main" xmlns:mc="http://schemas.openxmlformats.org/markup-compatibility/2006" type="objAndTwoObj" preserve="1">
+<p:sldLayout xmlns:a="http://schemas.openxmlformats.org/drawingml/2006/main" xmlns:r="http://schemas.openxmlformats.org/officeDocument/2006/relationships" xmlns:p="http://schemas.openxmlformats.org/presentationml/2006/main" type="objAndTwoObj" preserve="1">
   <p:cSld name="Title Content and 2 Content">
     <p:spTree>
       <p:nvGrpSpPr>
@@ -2602,9 +2760,9 @@
           </a:prstGeom>
         </p:spPr>
         <p:txBody>
-          <a:bodyPr lIns="0" rIns="0" tIns="0" bIns="0" anchor="ctr"/>
-          <a:p>
-            <a:endParaRPr b="0" lang="en-US" sz="1800" spc="-1" strike="noStrike">
+          <a:bodyPr lIns="0" tIns="0" rIns="0" bIns="0" anchor="ctr"/>
+          <a:p>
+            <a:endParaRPr lang="en-US" sz="1800" b="0" strike="noStrike" spc="-1">
               <a:solidFill>
                 <a:srgbClr val="000000"/>
               </a:solidFill>
@@ -2633,11 +2791,11 @@
           </a:prstGeom>
         </p:spPr>
         <p:txBody>
-          <a:bodyPr lIns="0" rIns="0" tIns="0" bIns="0">
+          <a:bodyPr lIns="0" tIns="0" rIns="0" bIns="0">
             <a:normAutofit/>
           </a:bodyPr>
           <a:p>
-            <a:endParaRPr b="0" lang="en-US" sz="2400" spc="-1" strike="noStrike">
+            <a:endParaRPr lang="en-US" sz="2400" b="0" strike="noStrike" spc="-1">
               <a:solidFill>
                 <a:srgbClr val="000000"/>
               </a:solidFill>
@@ -2666,11 +2824,11 @@
           </a:prstGeom>
         </p:spPr>
         <p:txBody>
-          <a:bodyPr lIns="0" rIns="0" tIns="0" bIns="0">
+          <a:bodyPr lIns="0" tIns="0" rIns="0" bIns="0">
             <a:normAutofit/>
           </a:bodyPr>
           <a:p>
-            <a:endParaRPr b="0" lang="en-US" sz="2400" spc="-1" strike="noStrike">
+            <a:endParaRPr lang="en-US" sz="2400" b="0" strike="noStrike" spc="-1">
               <a:solidFill>
                 <a:srgbClr val="000000"/>
               </a:solidFill>
@@ -2699,11 +2857,11 @@
           </a:prstGeom>
         </p:spPr>
         <p:txBody>
-          <a:bodyPr lIns="0" rIns="0" tIns="0" bIns="0">
+          <a:bodyPr lIns="0" tIns="0" rIns="0" bIns="0">
             <a:normAutofit/>
           </a:bodyPr>
           <a:p>
-            <a:endParaRPr b="0" lang="en-US" sz="2400" spc="-1" strike="noStrike">
+            <a:endParaRPr lang="en-US" sz="2400" b="0" strike="noStrike" spc="-1">
               <a:solidFill>
                 <a:srgbClr val="000000"/>
               </a:solidFill>
@@ -2714,11 +2872,14 @@
       </p:sp>
     </p:spTree>
   </p:cSld>
+  <p:clrMapOvr>
+    <a:masterClrMapping/>
+  </p:clrMapOvr>
 </p:sldLayout>
 </file>
 
 <file path=ppt/slideLayouts/slideLayout9.xml><?xml version="1.0" encoding="utf-8"?>
-<p:sldLayout xmlns:a="http://schemas.openxmlformats.org/drawingml/2006/main" xmlns:p="http://schemas.openxmlformats.org/presentationml/2006/main" xmlns:r="http://schemas.openxmlformats.org/officeDocument/2006/relationships" xmlns:p14="http://schemas.microsoft.com/office/powerpoint/2010/main" xmlns:p15="http://schemas.microsoft.com/office/powerpoint/2012/main" xmlns:mc="http://schemas.openxmlformats.org/markup-compatibility/2006" type="twoObjOverTx" preserve="1">
+<p:sldLayout xmlns:a="http://schemas.openxmlformats.org/drawingml/2006/main" xmlns:r="http://schemas.openxmlformats.org/officeDocument/2006/relationships" xmlns:p="http://schemas.openxmlformats.org/presentationml/2006/main" type="twoObjOverTx" preserve="1">
   <p:cSld name="Title, 2 Content over Content">
     <p:spTree>
       <p:nvGrpSpPr>
@@ -2754,9 +2915,9 @@
           </a:prstGeom>
         </p:spPr>
         <p:txBody>
-          <a:bodyPr lIns="0" rIns="0" tIns="0" bIns="0" anchor="ctr"/>
-          <a:p>
-            <a:endParaRPr b="0" lang="en-US" sz="1800" spc="-1" strike="noStrike">
+          <a:bodyPr lIns="0" tIns="0" rIns="0" bIns="0" anchor="ctr"/>
+          <a:p>
+            <a:endParaRPr lang="en-US" sz="1800" b="0" strike="noStrike" spc="-1">
               <a:solidFill>
                 <a:srgbClr val="000000"/>
               </a:solidFill>
@@ -2785,11 +2946,11 @@
           </a:prstGeom>
         </p:spPr>
         <p:txBody>
-          <a:bodyPr lIns="0" rIns="0" tIns="0" bIns="0">
+          <a:bodyPr lIns="0" tIns="0" rIns="0" bIns="0">
             <a:normAutofit/>
           </a:bodyPr>
           <a:p>
-            <a:endParaRPr b="0" lang="en-US" sz="2400" spc="-1" strike="noStrike">
+            <a:endParaRPr lang="en-US" sz="2400" b="0" strike="noStrike" spc="-1">
               <a:solidFill>
                 <a:srgbClr val="000000"/>
               </a:solidFill>
@@ -2818,11 +2979,11 @@
           </a:prstGeom>
         </p:spPr>
         <p:txBody>
-          <a:bodyPr lIns="0" rIns="0" tIns="0" bIns="0">
+          <a:bodyPr lIns="0" tIns="0" rIns="0" bIns="0">
             <a:normAutofit/>
           </a:bodyPr>
           <a:p>
-            <a:endParaRPr b="0" lang="en-US" sz="2400" spc="-1" strike="noStrike">
+            <a:endParaRPr lang="en-US" sz="2400" b="0" strike="noStrike" spc="-1">
               <a:solidFill>
                 <a:srgbClr val="000000"/>
               </a:solidFill>
@@ -2851,11 +3012,11 @@
           </a:prstGeom>
         </p:spPr>
         <p:txBody>
-          <a:bodyPr lIns="0" rIns="0" tIns="0" bIns="0">
+          <a:bodyPr lIns="0" tIns="0" rIns="0" bIns="0">
             <a:normAutofit/>
           </a:bodyPr>
           <a:p>
-            <a:endParaRPr b="0" lang="en-US" sz="2400" spc="-1" strike="noStrike">
+            <a:endParaRPr lang="en-US" sz="2400" b="0" strike="noStrike" spc="-1">
               <a:solidFill>
                 <a:srgbClr val="000000"/>
               </a:solidFill>
@@ -2866,17 +3027,21 @@
       </p:sp>
     </p:spTree>
   </p:cSld>
+  <p:clrMapOvr>
+    <a:masterClrMapping/>
+  </p:clrMapOvr>
 </p:sldLayout>
 </file>
 
 <file path=ppt/slideMasters/slideMaster1.xml><?xml version="1.0" encoding="utf-8"?>
-<p:sldMaster xmlns:a="http://schemas.openxmlformats.org/drawingml/2006/main" xmlns:p="http://schemas.openxmlformats.org/presentationml/2006/main" xmlns:r="http://schemas.openxmlformats.org/officeDocument/2006/relationships" xmlns:p14="http://schemas.microsoft.com/office/powerpoint/2010/main" xmlns:p15="http://schemas.microsoft.com/office/powerpoint/2012/main" xmlns:mc="http://schemas.openxmlformats.org/markup-compatibility/2006">
+<p:sldMaster xmlns:a="http://schemas.openxmlformats.org/drawingml/2006/main" xmlns:r="http://schemas.openxmlformats.org/officeDocument/2006/relationships" xmlns:p="http://schemas.openxmlformats.org/presentationml/2006/main">
   <p:cSld>
     <p:bg>
       <p:bgPr>
         <a:solidFill>
-          <a:srgbClr val="ffffff"/>
+          <a:srgbClr val="FFFFFF"/>
         </a:solidFill>
+        <a:effectLst/>
       </p:bgPr>
     </p:bg>
     <p:spTree>
@@ -2918,15 +3083,21 @@
           </a:ln>
         </p:spPr>
         <p:style>
-          <a:lnRef idx="0"/>
-          <a:fillRef idx="0"/>
-          <a:effectRef idx="0"/>
+          <a:lnRef idx="0">
+            <a:srgbClr val="FFFFFF"/>
+          </a:lnRef>
+          <a:fillRef idx="0">
+            <a:srgbClr val="FFFFFF"/>
+          </a:fillRef>
+          <a:effectRef idx="0">
+            <a:srgbClr val="FFFFFF"/>
+          </a:effectRef>
           <a:fontRef idx="minor"/>
         </p:style>
       </p:sp>
       <p:sp>
         <p:nvSpPr>
-          <p:cNvPr id="1" name="Line 2"/>
+          <p:cNvPr id="2" name="Line 2"/>
           <p:cNvSpPr/>
           <p:nvPr/>
         </p:nvSpPr>
@@ -2948,15 +3119,21 @@
           </a:ln>
         </p:spPr>
         <p:style>
-          <a:lnRef idx="0"/>
-          <a:fillRef idx="0"/>
-          <a:effectRef idx="0"/>
+          <a:lnRef idx="0">
+            <a:srgbClr val="FFFFFF"/>
+          </a:lnRef>
+          <a:fillRef idx="0">
+            <a:srgbClr val="FFFFFF"/>
+          </a:fillRef>
+          <a:effectRef idx="0">
+            <a:srgbClr val="FFFFFF"/>
+          </a:effectRef>
           <a:fontRef idx="minor"/>
         </p:style>
       </p:sp>
       <p:sp>
         <p:nvSpPr>
-          <p:cNvPr id="2" name="Line 3"/>
+          <p:cNvPr id="3" name="Line 3"/>
           <p:cNvSpPr/>
           <p:nvPr/>
         </p:nvSpPr>
@@ -2976,15 +3153,21 @@
           </a:ln>
         </p:spPr>
         <p:style>
-          <a:lnRef idx="0"/>
-          <a:fillRef idx="0"/>
-          <a:effectRef idx="0"/>
+          <a:lnRef idx="0">
+            <a:srgbClr val="FFFFFF"/>
+          </a:lnRef>
+          <a:fillRef idx="0">
+            <a:srgbClr val="FFFFFF"/>
+          </a:fillRef>
+          <a:effectRef idx="0">
+            <a:srgbClr val="FFFFFF"/>
+          </a:effectRef>
           <a:fontRef idx="minor"/>
         </p:style>
       </p:sp>
       <p:sp>
         <p:nvSpPr>
-          <p:cNvPr id="3" name="CustomShape 4" hidden="1"/>
+          <p:cNvPr id="4" name="CustomShape 4" hidden="1"/>
           <p:cNvSpPr/>
           <p:nvPr/>
         </p:nvSpPr>
@@ -3006,7 +3189,7 @@
             <a:noFill/>
           </a:ln>
           <a:effectLst>
-            <a:outerShdw blurRad="50800" dir="5400000" dist="25000" rotWithShape="0">
+            <a:outerShdw blurRad="50800" dist="25000" dir="5400000" rotWithShape="0">
               <a:srgbClr val="000000">
                 <a:alpha val="40000"/>
               </a:srgbClr>
@@ -3028,7 +3211,7 @@
       </p:sp>
       <p:sp>
         <p:nvSpPr>
-          <p:cNvPr id="4" name="Line 5"/>
+          <p:cNvPr id="5" name="Line 5"/>
           <p:cNvSpPr/>
           <p:nvPr/>
         </p:nvSpPr>
@@ -3048,15 +3231,21 @@
           </a:ln>
         </p:spPr>
         <p:style>
-          <a:lnRef idx="0"/>
-          <a:fillRef idx="0"/>
-          <a:effectRef idx="0"/>
+          <a:lnRef idx="0">
+            <a:srgbClr val="FFFFFF"/>
+          </a:lnRef>
+          <a:fillRef idx="0">
+            <a:srgbClr val="FFFFFF"/>
+          </a:fillRef>
+          <a:effectRef idx="0">
+            <a:srgbClr val="FFFFFF"/>
+          </a:effectRef>
           <a:fontRef idx="minor"/>
         </p:style>
       </p:sp>
       <p:sp>
         <p:nvSpPr>
-          <p:cNvPr id="5" name="CustomShape 6" hidden="1"/>
+          <p:cNvPr id="6" name="CustomShape 6" hidden="1"/>
           <p:cNvSpPr/>
           <p:nvPr/>
         </p:nvSpPr>
@@ -3072,7 +3261,7 @@
             <a:noFill/>
           </a:ln>
           <a:effectLst>
-            <a:outerShdw blurRad="50800" dir="5400000" dist="25000" rotWithShape="0">
+            <a:outerShdw blurRad="50800" dist="25000" dir="5400000" rotWithShape="0">
               <a:srgbClr val="000000">
                 <a:alpha val="40000"/>
               </a:srgbClr>
@@ -3094,7 +3283,7 @@
       </p:sp>
       <p:sp>
         <p:nvSpPr>
-          <p:cNvPr id="6" name="PlaceHolder 7"/>
+          <p:cNvPr id="7" name="PlaceHolder 7"/>
           <p:cNvSpPr>
             <a:spLocks noGrp="1"/>
           </p:cNvSpPr>
@@ -3112,7 +3301,7 @@
           </a:prstGeom>
         </p:spPr>
         <p:txBody>
-          <a:bodyPr lIns="90000" rIns="90000" tIns="45000" bIns="45000" anchor="b"/>
+          <a:bodyPr lIns="90000" tIns="45000" rIns="90000" bIns="45000" anchor="b"/>
           <a:p>
             <a:pPr>
               <a:lnSpc>
@@ -3120,15 +3309,15 @@
               </a:lnSpc>
             </a:pPr>
             <a:r>
-              <a:rPr b="1" lang="en-US" sz="3000" spc="-1" strike="noStrike" cap="small">
+              <a:rPr lang="en-US" sz="3000" b="1" strike="noStrike" cap="small" spc="-1">
                 <a:solidFill>
-                  <a:srgbClr val="575f6d"/>
+                  <a:srgbClr val="575F6D"/>
                 </a:solidFill>
                 <a:latin typeface="Century Schoolbook"/>
               </a:rPr>
               <a:t>Click to edit Master title style</a:t>
             </a:r>
-            <a:endParaRPr b="0" lang="en-US" sz="3000" spc="-1" strike="noStrike">
+            <a:endParaRPr lang="en-US" sz="3000" b="0" strike="noStrike" spc="-1">
               <a:solidFill>
                 <a:srgbClr val="000000"/>
               </a:solidFill>
@@ -3139,7 +3328,7 @@
       </p:sp>
       <p:sp>
         <p:nvSpPr>
-          <p:cNvPr id="7" name="PlaceHolder 8"/>
+          <p:cNvPr id="8" name="PlaceHolder 8"/>
           <p:cNvSpPr>
             <a:spLocks noGrp="1"/>
           </p:cNvSpPr>
@@ -3157,7 +3346,7 @@
           </a:prstGeom>
         </p:spPr>
         <p:txBody>
-          <a:bodyPr lIns="90000" rIns="90000" tIns="45000" bIns="45000" anchor="ctr"/>
+          <a:bodyPr lIns="90000" tIns="45000" rIns="90000" bIns="45000" anchor="ctr"/>
           <a:p>
             <a:pPr algn="r">
               <a:lnSpc>
@@ -3165,23 +3354,22 @@
               </a:lnSpc>
             </a:pPr>
             <a:fld id="{2685B4CC-AC36-47D9-A84B-07ED213D0BC0}" type="datetime">
-              <a:rPr b="0" lang="en-IN" sz="1200" spc="-1" strike="noStrike">
+              <a:rPr lang="en-IN" sz="1200" b="0" strike="noStrike" spc="-1">
                 <a:solidFill>
-                  <a:srgbClr val="575f6d"/>
+                  <a:srgbClr val="575F6D"/>
                 </a:solidFill>
                 <a:latin typeface="Century Schoolbook"/>
               </a:rPr>
-              <a:t>29/01/19</a:t>
             </a:fld>
-            <a:endParaRPr b="0" lang="en-IN" sz="1200" spc="-1" strike="noStrike">
-              <a:latin typeface="Times New Roman"/>
+            <a:endParaRPr lang="en-IN" sz="1200" b="0" strike="noStrike" spc="-1">
+              <a:latin typeface="Times New Roman" panose="02020603050405020304"/>
             </a:endParaRPr>
           </a:p>
         </p:txBody>
       </p:sp>
       <p:sp>
         <p:nvSpPr>
-          <p:cNvPr id="8" name="PlaceHolder 9"/>
+          <p:cNvPr id="9" name="PlaceHolder 9"/>
           <p:cNvSpPr>
             <a:spLocks noGrp="1"/>
           </p:cNvSpPr>
@@ -3199,17 +3387,17 @@
           </a:prstGeom>
         </p:spPr>
         <p:txBody>
-          <a:bodyPr lIns="90000" rIns="90000" tIns="45000" bIns="45000" anchor="ctr"/>
-          <a:p>
-            <a:endParaRPr b="0" lang="en-IN" sz="2400" spc="-1" strike="noStrike">
-              <a:latin typeface="Times New Roman"/>
+          <a:bodyPr lIns="90000" tIns="45000" rIns="90000" bIns="45000" anchor="ctr"/>
+          <a:p>
+            <a:endParaRPr lang="en-IN" sz="2400" b="0" strike="noStrike" spc="-1">
+              <a:latin typeface="Times New Roman" panose="02020603050405020304"/>
             </a:endParaRPr>
           </a:p>
         </p:txBody>
       </p:sp>
       <p:sp>
         <p:nvSpPr>
-          <p:cNvPr id="9" name="CustomShape 10"/>
+          <p:cNvPr id="10" name="CustomShape 10"/>
           <p:cNvSpPr/>
           <p:nvPr/>
         </p:nvSpPr>
@@ -3231,7 +3419,7 @@
             <a:noFill/>
           </a:ln>
           <a:effectLst>
-            <a:outerShdw blurRad="50800" dir="5400000" dist="25000" rotWithShape="0">
+            <a:outerShdw blurRad="50800" dist="25000" dir="5400000" rotWithShape="0">
               <a:srgbClr val="000000">
                 <a:alpha val="40000"/>
               </a:srgbClr>
@@ -3253,7 +3441,7 @@
       </p:sp>
       <p:sp>
         <p:nvSpPr>
-          <p:cNvPr id="10" name="CustomShape 11"/>
+          <p:cNvPr id="11" name="CustomShape 11"/>
           <p:cNvSpPr/>
           <p:nvPr/>
         </p:nvSpPr>
@@ -3275,7 +3463,7 @@
             <a:noFill/>
           </a:ln>
           <a:effectLst>
-            <a:outerShdw blurRad="50800" dir="5400000" dist="25000" rotWithShape="0">
+            <a:outerShdw blurRad="50800" dist="25000" dir="5400000" rotWithShape="0">
               <a:srgbClr val="000000">
                 <a:alpha val="40000"/>
               </a:srgbClr>
@@ -3297,7 +3485,7 @@
       </p:sp>
       <p:sp>
         <p:nvSpPr>
-          <p:cNvPr id="11" name="CustomShape 12"/>
+          <p:cNvPr id="12" name="CustomShape 12"/>
           <p:cNvSpPr/>
           <p:nvPr/>
         </p:nvSpPr>
@@ -3319,7 +3507,7 @@
             <a:noFill/>
           </a:ln>
           <a:effectLst>
-            <a:outerShdw blurRad="50800" dir="5400000" dist="25000" rotWithShape="0">
+            <a:outerShdw blurRad="50800" dist="25000" dir="5400000" rotWithShape="0">
               <a:srgbClr val="000000">
                 <a:alpha val="40000"/>
               </a:srgbClr>
@@ -3341,7 +3529,7 @@
       </p:sp>
       <p:sp>
         <p:nvSpPr>
-          <p:cNvPr id="12" name="CustomShape 13"/>
+          <p:cNvPr id="13" name="CustomShape 13"/>
           <p:cNvSpPr/>
           <p:nvPr/>
         </p:nvSpPr>
@@ -3363,7 +3551,7 @@
             <a:noFill/>
           </a:ln>
           <a:effectLst>
-            <a:outerShdw blurRad="50800" dir="5400000" dist="25000" rotWithShape="0">
+            <a:outerShdw blurRad="50800" dist="25000" dir="5400000" rotWithShape="0">
               <a:srgbClr val="000000">
                 <a:alpha val="40000"/>
               </a:srgbClr>
@@ -3385,7 +3573,7 @@
       </p:sp>
       <p:sp>
         <p:nvSpPr>
-          <p:cNvPr id="13" name="Line 14"/>
+          <p:cNvPr id="14" name="Line 14"/>
           <p:cNvSpPr/>
           <p:nvPr/>
         </p:nvSpPr>
@@ -3408,15 +3596,21 @@
           </a:ln>
         </p:spPr>
         <p:style>
-          <a:lnRef idx="0"/>
-          <a:fillRef idx="0"/>
-          <a:effectRef idx="0"/>
+          <a:lnRef idx="0">
+            <a:srgbClr val="FFFFFF"/>
+          </a:lnRef>
+          <a:fillRef idx="0">
+            <a:srgbClr val="FFFFFF"/>
+          </a:fillRef>
+          <a:effectRef idx="0">
+            <a:srgbClr val="FFFFFF"/>
+          </a:effectRef>
           <a:fontRef idx="minor"/>
         </p:style>
       </p:sp>
       <p:sp>
         <p:nvSpPr>
-          <p:cNvPr id="14" name="Line 15"/>
+          <p:cNvPr id="15" name="Line 15"/>
           <p:cNvSpPr/>
           <p:nvPr/>
         </p:nvSpPr>
@@ -3439,15 +3633,21 @@
           </a:ln>
         </p:spPr>
         <p:style>
-          <a:lnRef idx="0"/>
-          <a:fillRef idx="0"/>
-          <a:effectRef idx="0"/>
+          <a:lnRef idx="0">
+            <a:srgbClr val="FFFFFF"/>
+          </a:lnRef>
+          <a:fillRef idx="0">
+            <a:srgbClr val="FFFFFF"/>
+          </a:fillRef>
+          <a:effectRef idx="0">
+            <a:srgbClr val="FFFFFF"/>
+          </a:effectRef>
           <a:fontRef idx="minor"/>
         </p:style>
       </p:sp>
       <p:sp>
         <p:nvSpPr>
-          <p:cNvPr id="15" name="Line 16"/>
+          <p:cNvPr id="16" name="Line 16"/>
           <p:cNvSpPr/>
           <p:nvPr/>
         </p:nvSpPr>
@@ -3469,15 +3669,21 @@
           </a:ln>
         </p:spPr>
         <p:style>
-          <a:lnRef idx="0"/>
-          <a:fillRef idx="0"/>
-          <a:effectRef idx="0"/>
+          <a:lnRef idx="0">
+            <a:srgbClr val="FFFFFF"/>
+          </a:lnRef>
+          <a:fillRef idx="0">
+            <a:srgbClr val="FFFFFF"/>
+          </a:fillRef>
+          <a:effectRef idx="0">
+            <a:srgbClr val="FFFFFF"/>
+          </a:effectRef>
           <a:fontRef idx="minor"/>
         </p:style>
       </p:sp>
       <p:sp>
         <p:nvSpPr>
-          <p:cNvPr id="16" name="Line 17"/>
+          <p:cNvPr id="17" name="Line 17"/>
           <p:cNvSpPr/>
           <p:nvPr/>
         </p:nvSpPr>
@@ -3500,15 +3706,21 @@
           </a:ln>
         </p:spPr>
         <p:style>
-          <a:lnRef idx="0"/>
-          <a:fillRef idx="0"/>
-          <a:effectRef idx="0"/>
+          <a:lnRef idx="0">
+            <a:srgbClr val="FFFFFF"/>
+          </a:lnRef>
+          <a:fillRef idx="0">
+            <a:srgbClr val="FFFFFF"/>
+          </a:fillRef>
+          <a:effectRef idx="0">
+            <a:srgbClr val="FFFFFF"/>
+          </a:effectRef>
           <a:fontRef idx="minor"/>
         </p:style>
       </p:sp>
       <p:sp>
         <p:nvSpPr>
-          <p:cNvPr id="17" name="Line 18"/>
+          <p:cNvPr id="18" name="Line 18"/>
           <p:cNvSpPr/>
           <p:nvPr/>
         </p:nvSpPr>
@@ -3530,15 +3742,21 @@
           </a:ln>
         </p:spPr>
         <p:style>
-          <a:lnRef idx="0"/>
-          <a:fillRef idx="0"/>
-          <a:effectRef idx="0"/>
+          <a:lnRef idx="0">
+            <a:srgbClr val="FFFFFF"/>
+          </a:lnRef>
+          <a:fillRef idx="0">
+            <a:srgbClr val="FFFFFF"/>
+          </a:fillRef>
+          <a:effectRef idx="0">
+            <a:srgbClr val="FFFFFF"/>
+          </a:effectRef>
           <a:fontRef idx="minor"/>
         </p:style>
       </p:sp>
       <p:sp>
         <p:nvSpPr>
-          <p:cNvPr id="18" name="Line 19"/>
+          <p:cNvPr id="19" name="Line 19"/>
           <p:cNvSpPr/>
           <p:nvPr/>
         </p:nvSpPr>
@@ -3560,15 +3778,21 @@
           </a:ln>
         </p:spPr>
         <p:style>
-          <a:lnRef idx="0"/>
-          <a:fillRef idx="0"/>
-          <a:effectRef idx="0"/>
+          <a:lnRef idx="0">
+            <a:srgbClr val="FFFFFF"/>
+          </a:lnRef>
+          <a:fillRef idx="0">
+            <a:srgbClr val="FFFFFF"/>
+          </a:fillRef>
+          <a:effectRef idx="0">
+            <a:srgbClr val="FFFFFF"/>
+          </a:effectRef>
           <a:fontRef idx="minor"/>
         </p:style>
       </p:sp>
       <p:sp>
         <p:nvSpPr>
-          <p:cNvPr id="19" name="CustomShape 20"/>
+          <p:cNvPr id="20" name="CustomShape 20"/>
           <p:cNvSpPr/>
           <p:nvPr/>
         </p:nvSpPr>
@@ -3590,7 +3814,7 @@
             <a:noFill/>
           </a:ln>
           <a:effectLst>
-            <a:outerShdw blurRad="50800" dir="5400000" dist="25000" rotWithShape="0">
+            <a:outerShdw blurRad="50800" dist="25000" dir="5400000" rotWithShape="0">
               <a:srgbClr val="000000">
                 <a:alpha val="40000"/>
               </a:srgbClr>
@@ -3612,7 +3836,7 @@
       </p:sp>
       <p:sp>
         <p:nvSpPr>
-          <p:cNvPr id="20" name="CustomShape 21"/>
+          <p:cNvPr id="21" name="CustomShape 21"/>
           <p:cNvSpPr/>
           <p:nvPr/>
         </p:nvSpPr>
@@ -3631,7 +3855,7 @@
             <a:noFill/>
           </a:ln>
           <a:effectLst>
-            <a:outerShdw blurRad="50800" dir="5400000" dist="25000" rotWithShape="0">
+            <a:outerShdw blurRad="50800" dist="25000" dir="5400000" rotWithShape="0">
               <a:srgbClr val="000000">
                 <a:alpha val="40000"/>
               </a:srgbClr>
@@ -3653,7 +3877,7 @@
       </p:sp>
       <p:sp>
         <p:nvSpPr>
-          <p:cNvPr id="21" name="CustomShape 22"/>
+          <p:cNvPr id="22" name="CustomShape 22"/>
           <p:cNvSpPr/>
           <p:nvPr/>
         </p:nvSpPr>
@@ -3669,7 +3893,7 @@
             <a:noFill/>
           </a:ln>
           <a:effectLst>
-            <a:outerShdw blurRad="50800" dir="5400000" dist="25000" rotWithShape="0">
+            <a:outerShdw blurRad="50800" dist="25000" dir="5400000" rotWithShape="0">
               <a:srgbClr val="000000">
                 <a:alpha val="40000"/>
               </a:srgbClr>
@@ -3691,7 +3915,7 @@
       </p:sp>
       <p:sp>
         <p:nvSpPr>
-          <p:cNvPr id="22" name="CustomShape 23"/>
+          <p:cNvPr id="23" name="CustomShape 23"/>
           <p:cNvSpPr/>
           <p:nvPr/>
         </p:nvSpPr>
@@ -3707,7 +3931,7 @@
             <a:noFill/>
           </a:ln>
           <a:effectLst>
-            <a:outerShdw blurRad="50800" dir="5400000" dist="25000" rotWithShape="0">
+            <a:outerShdw blurRad="50800" dist="25000" dir="5400000" rotWithShape="0">
               <a:srgbClr val="000000">
                 <a:alpha val="40000"/>
               </a:srgbClr>
@@ -3729,7 +3953,7 @@
       </p:sp>
       <p:sp>
         <p:nvSpPr>
-          <p:cNvPr id="23" name="CustomShape 24"/>
+          <p:cNvPr id="24" name="CustomShape 24"/>
           <p:cNvSpPr/>
           <p:nvPr/>
         </p:nvSpPr>
@@ -3745,7 +3969,7 @@
             <a:noFill/>
           </a:ln>
           <a:effectLst>
-            <a:outerShdw blurRad="50800" dir="5400000" dist="25000" rotWithShape="0">
+            <a:outerShdw blurRad="50800" dist="25000" dir="5400000" rotWithShape="0">
               <a:srgbClr val="000000">
                 <a:alpha val="40000"/>
               </a:srgbClr>
@@ -3767,7 +3991,7 @@
       </p:sp>
       <p:sp>
         <p:nvSpPr>
-          <p:cNvPr id="24" name="CustomShape 25"/>
+          <p:cNvPr id="25" name="CustomShape 25"/>
           <p:cNvSpPr/>
           <p:nvPr/>
         </p:nvSpPr>
@@ -3783,7 +4007,7 @@
             <a:noFill/>
           </a:ln>
           <a:effectLst>
-            <a:outerShdw blurRad="50800" dir="5400000" dist="25000" rotWithShape="0">
+            <a:outerShdw blurRad="50800" dist="25000" dir="5400000" rotWithShape="0">
               <a:srgbClr val="000000">
                 <a:alpha val="40000"/>
               </a:srgbClr>
@@ -3805,7 +4029,7 @@
       </p:sp>
       <p:sp>
         <p:nvSpPr>
-          <p:cNvPr id="25" name="PlaceHolder 26"/>
+          <p:cNvPr id="26" name="PlaceHolder 26"/>
           <p:cNvSpPr>
             <a:spLocks noGrp="1"/>
           </p:cNvSpPr>
@@ -3823,7 +4047,7 @@
           </a:prstGeom>
         </p:spPr>
         <p:txBody>
-          <a:bodyPr lIns="90000" rIns="90000" tIns="45000" bIns="45000" anchor="ctr"/>
+          <a:bodyPr lIns="90000" tIns="45000" rIns="90000" bIns="45000" anchor="ctr"/>
           <a:p>
             <a:pPr algn="ctr">
               <a:lnSpc>
@@ -3831,23 +4055,22 @@
               </a:lnSpc>
             </a:pPr>
             <a:fld id="{CDFB9D3A-8A8B-4AD3-8785-E20F41D36852}" type="slidenum">
-              <a:rPr b="1" lang="en-IN" sz="1400" spc="-1" strike="noStrike">
+              <a:rPr lang="en-IN" sz="1400" b="1" strike="noStrike" spc="-1">
                 <a:solidFill>
-                  <a:srgbClr val="ffffff"/>
+                  <a:srgbClr val="FFFFFF"/>
                 </a:solidFill>
                 <a:latin typeface="Century Schoolbook"/>
               </a:rPr>
-              <a:t>&lt;number&gt;</a:t>
             </a:fld>
-            <a:endParaRPr b="0" lang="en-IN" sz="1400" spc="-1" strike="noStrike">
-              <a:latin typeface="Times New Roman"/>
+            <a:endParaRPr lang="en-IN" sz="1400" b="0" strike="noStrike" spc="-1">
+              <a:latin typeface="Times New Roman" panose="02020603050405020304"/>
             </a:endParaRPr>
           </a:p>
         </p:txBody>
       </p:sp>
       <p:sp>
         <p:nvSpPr>
-          <p:cNvPr id="26" name="PlaceHolder 27"/>
+          <p:cNvPr id="27" name="PlaceHolder 27"/>
           <p:cNvSpPr>
             <a:spLocks noGrp="1"/>
           </p:cNvSpPr>
@@ -3865,23 +4088,23 @@
           </a:prstGeom>
         </p:spPr>
         <p:txBody>
-          <a:bodyPr lIns="0" rIns="0" tIns="0" bIns="0">
+          <a:bodyPr lIns="0" tIns="0" rIns="0" bIns="0">
             <a:normAutofit/>
           </a:bodyPr>
           <a:p>
-            <a:pPr marL="432000" indent="-324000">
+            <a:pPr marL="431800" indent="-323850">
               <a:spcBef>
-                <a:spcPts val="1417"/>
+                <a:spcPts val="1415"/>
               </a:spcBef>
               <a:buClr>
                 <a:srgbClr val="000000"/>
               </a:buClr>
               <a:buSzPct val="45000"/>
-              <a:buFont typeface="Wingdings" charset="2"/>
+              <a:buFont typeface="Wingdings" panose="05000000000000000000" pitchFamily="2" charset="2"/>
               <a:buChar char=""/>
             </a:pPr>
             <a:r>
-              <a:rPr b="0" lang="en-US" sz="2400" spc="-1" strike="noStrike">
+              <a:rPr lang="en-US" sz="2400" b="0" strike="noStrike" spc="-1">
                 <a:solidFill>
                   <a:srgbClr val="000000"/>
                 </a:solidFill>
@@ -3889,27 +4112,27 @@
               </a:rPr>
               <a:t>Click to edit the outline text format</a:t>
             </a:r>
-            <a:endParaRPr b="0" lang="en-US" sz="2400" spc="-1" strike="noStrike">
-              <a:solidFill>
-                <a:srgbClr val="000000"/>
-              </a:solidFill>
-              <a:latin typeface="Century Schoolbook"/>
-            </a:endParaRPr>
-          </a:p>
-          <a:p>
-            <a:pPr lvl="1" marL="864000" indent="-324000">
+            <a:endParaRPr lang="en-US" sz="2400" b="0" strike="noStrike" spc="-1">
+              <a:solidFill>
+                <a:srgbClr val="000000"/>
+              </a:solidFill>
+              <a:latin typeface="Century Schoolbook"/>
+            </a:endParaRPr>
+          </a:p>
+          <a:p>
+            <a:pPr marL="864235" lvl="1" indent="-323850">
               <a:spcBef>
-                <a:spcPts val="1134"/>
+                <a:spcPts val="1135"/>
               </a:spcBef>
               <a:buClr>
                 <a:srgbClr val="000000"/>
               </a:buClr>
               <a:buSzPct val="75000"/>
-              <a:buFont typeface="Symbol" charset="2"/>
+              <a:buFont typeface="Symbol" panose="05050102010706020507" charset="2"/>
               <a:buChar char=""/>
             </a:pPr>
             <a:r>
-              <a:rPr b="0" lang="en-US" sz="1800" spc="-1" strike="noStrike">
+              <a:rPr lang="en-US" sz="1800" b="0" strike="noStrike" spc="-1">
                 <a:solidFill>
                   <a:srgbClr val="000000"/>
                 </a:solidFill>
@@ -3917,15 +4140,15 @@
               </a:rPr>
               <a:t>Second Outline Level</a:t>
             </a:r>
-            <a:endParaRPr b="0" lang="en-US" sz="1800" spc="-1" strike="noStrike">
-              <a:solidFill>
-                <a:srgbClr val="000000"/>
-              </a:solidFill>
-              <a:latin typeface="Century Schoolbook"/>
-            </a:endParaRPr>
-          </a:p>
-          <a:p>
-            <a:pPr lvl="2" marL="1296000" indent="-288000">
+            <a:endParaRPr lang="en-US" sz="1800" b="0" strike="noStrike" spc="-1">
+              <a:solidFill>
+                <a:srgbClr val="000000"/>
+              </a:solidFill>
+              <a:latin typeface="Century Schoolbook"/>
+            </a:endParaRPr>
+          </a:p>
+          <a:p>
+            <a:pPr marL="1296035" lvl="2" indent="-288290">
               <a:spcBef>
                 <a:spcPts val="850"/>
               </a:spcBef>
@@ -3933,11 +4156,11 @@
                 <a:srgbClr val="000000"/>
               </a:buClr>
               <a:buSzPct val="45000"/>
-              <a:buFont typeface="Wingdings" charset="2"/>
+              <a:buFont typeface="Wingdings" panose="05000000000000000000" pitchFamily="2" charset="2"/>
               <a:buChar char=""/>
             </a:pPr>
             <a:r>
-              <a:rPr b="0" lang="en-US" sz="1800" spc="-1" strike="noStrike">
+              <a:rPr lang="en-US" sz="1800" b="0" strike="noStrike" spc="-1">
                 <a:solidFill>
                   <a:srgbClr val="000000"/>
                 </a:solidFill>
@@ -3945,27 +4168,27 @@
               </a:rPr>
               <a:t>Third Outline Level</a:t>
             </a:r>
-            <a:endParaRPr b="0" lang="en-US" sz="1800" spc="-1" strike="noStrike">
-              <a:solidFill>
-                <a:srgbClr val="000000"/>
-              </a:solidFill>
-              <a:latin typeface="Century Schoolbook"/>
-            </a:endParaRPr>
-          </a:p>
-          <a:p>
-            <a:pPr lvl="3" marL="1728000" indent="-216000">
+            <a:endParaRPr lang="en-US" sz="1800" b="0" strike="noStrike" spc="-1">
+              <a:solidFill>
+                <a:srgbClr val="000000"/>
+              </a:solidFill>
+              <a:latin typeface="Century Schoolbook"/>
+            </a:endParaRPr>
+          </a:p>
+          <a:p>
+            <a:pPr marL="1727835" lvl="3" indent="-215900">
               <a:spcBef>
-                <a:spcPts val="567"/>
+                <a:spcPts val="565"/>
               </a:spcBef>
               <a:buClr>
                 <a:srgbClr val="000000"/>
               </a:buClr>
               <a:buSzPct val="75000"/>
-              <a:buFont typeface="Symbol" charset="2"/>
+              <a:buFont typeface="Symbol" panose="05050102010706020507" charset="2"/>
               <a:buChar char=""/>
             </a:pPr>
             <a:r>
-              <a:rPr b="0" lang="en-US" sz="1600" spc="-1" strike="noStrike">
+              <a:rPr lang="en-US" sz="1600" b="0" strike="noStrike" spc="-1">
                 <a:solidFill>
                   <a:srgbClr val="000000"/>
                 </a:solidFill>
@@ -3973,27 +4196,27 @@
               </a:rPr>
               <a:t>Fourth Outline Level</a:t>
             </a:r>
-            <a:endParaRPr b="0" lang="en-US" sz="1600" spc="-1" strike="noStrike">
-              <a:solidFill>
-                <a:srgbClr val="000000"/>
-              </a:solidFill>
-              <a:latin typeface="Century Schoolbook"/>
-            </a:endParaRPr>
-          </a:p>
-          <a:p>
-            <a:pPr lvl="4" marL="2160000" indent="-216000">
+            <a:endParaRPr lang="en-US" sz="1600" b="0" strike="noStrike" spc="-1">
+              <a:solidFill>
+                <a:srgbClr val="000000"/>
+              </a:solidFill>
+              <a:latin typeface="Century Schoolbook"/>
+            </a:endParaRPr>
+          </a:p>
+          <a:p>
+            <a:pPr marL="2160270" lvl="4" indent="-215900">
               <a:spcBef>
-                <a:spcPts val="283"/>
+                <a:spcPts val="285"/>
               </a:spcBef>
               <a:buClr>
                 <a:srgbClr val="000000"/>
               </a:buClr>
               <a:buSzPct val="45000"/>
-              <a:buFont typeface="Wingdings" charset="2"/>
+              <a:buFont typeface="Wingdings" panose="05000000000000000000" pitchFamily="2" charset="2"/>
               <a:buChar char=""/>
             </a:pPr>
             <a:r>
-              <a:rPr b="0" lang="en-US" sz="2000" spc="-1" strike="noStrike">
+              <a:rPr lang="en-US" sz="2000" b="0" strike="noStrike" spc="-1">
                 <a:solidFill>
                   <a:srgbClr val="000000"/>
                 </a:solidFill>
@@ -4001,27 +4224,27 @@
               </a:rPr>
               <a:t>Fifth Outline Level</a:t>
             </a:r>
-            <a:endParaRPr b="0" lang="en-US" sz="2000" spc="-1" strike="noStrike">
-              <a:solidFill>
-                <a:srgbClr val="000000"/>
-              </a:solidFill>
-              <a:latin typeface="Century Schoolbook"/>
-            </a:endParaRPr>
-          </a:p>
-          <a:p>
-            <a:pPr lvl="5" marL="2592000" indent="-216000">
+            <a:endParaRPr lang="en-US" sz="2000" b="0" strike="noStrike" spc="-1">
+              <a:solidFill>
+                <a:srgbClr val="000000"/>
+              </a:solidFill>
+              <a:latin typeface="Century Schoolbook"/>
+            </a:endParaRPr>
+          </a:p>
+          <a:p>
+            <a:pPr marL="2592070" lvl="5" indent="-215900">
               <a:spcBef>
-                <a:spcPts val="283"/>
+                <a:spcPts val="285"/>
               </a:spcBef>
               <a:buClr>
                 <a:srgbClr val="000000"/>
               </a:buClr>
               <a:buSzPct val="45000"/>
-              <a:buFont typeface="Wingdings" charset="2"/>
+              <a:buFont typeface="Wingdings" panose="05000000000000000000" pitchFamily="2" charset="2"/>
               <a:buChar char=""/>
             </a:pPr>
             <a:r>
-              <a:rPr b="0" lang="en-US" sz="2000" spc="-1" strike="noStrike">
+              <a:rPr lang="en-US" sz="2000" b="0" strike="noStrike" spc="-1">
                 <a:solidFill>
                   <a:srgbClr val="000000"/>
                 </a:solidFill>
@@ -4029,27 +4252,27 @@
               </a:rPr>
               <a:t>Sixth Outline Level</a:t>
             </a:r>
-            <a:endParaRPr b="0" lang="en-US" sz="2000" spc="-1" strike="noStrike">
-              <a:solidFill>
-                <a:srgbClr val="000000"/>
-              </a:solidFill>
-              <a:latin typeface="Century Schoolbook"/>
-            </a:endParaRPr>
-          </a:p>
-          <a:p>
-            <a:pPr lvl="6" marL="3024000" indent="-216000">
+            <a:endParaRPr lang="en-US" sz="2000" b="0" strike="noStrike" spc="-1">
+              <a:solidFill>
+                <a:srgbClr val="000000"/>
+              </a:solidFill>
+              <a:latin typeface="Century Schoolbook"/>
+            </a:endParaRPr>
+          </a:p>
+          <a:p>
+            <a:pPr marL="3023870" lvl="6" indent="-215900">
               <a:spcBef>
-                <a:spcPts val="283"/>
+                <a:spcPts val="285"/>
               </a:spcBef>
               <a:buClr>
                 <a:srgbClr val="000000"/>
               </a:buClr>
               <a:buSzPct val="45000"/>
-              <a:buFont typeface="Wingdings" charset="2"/>
+              <a:buFont typeface="Wingdings" panose="05000000000000000000" pitchFamily="2" charset="2"/>
               <a:buChar char=""/>
             </a:pPr>
             <a:r>
-              <a:rPr b="0" lang="en-US" sz="2000" spc="-1" strike="noStrike">
+              <a:rPr lang="en-US" sz="2000" b="0" strike="noStrike" spc="-1">
                 <a:solidFill>
                   <a:srgbClr val="000000"/>
                 </a:solidFill>
@@ -4057,7 +4280,7 @@
               </a:rPr>
               <a:t>Seventh Outline Level</a:t>
             </a:r>
-            <a:endParaRPr b="0" lang="en-US" sz="2000" spc="-1" strike="noStrike">
+            <a:endParaRPr lang="en-US" sz="2000" b="0" strike="noStrike" spc="-1">
               <a:solidFill>
                 <a:srgbClr val="000000"/>
               </a:solidFill>
@@ -4068,32 +4291,38 @@
       </p:sp>
     </p:spTree>
   </p:cSld>
-  <p:clrMap bg1="lt1" bg2="lt2" tx1="dk1" tx2="dk2" accent1="accent1" accent2="accent2" accent3="accent3" accent4="accent4" accent5="accent5" accent6="accent6" hlink="hlink" folHlink="folHlink"/>
+  <p:clrMap bg1="lt1" tx1="dk1" bg2="lt2" tx2="dk2" accent1="accent1" accent2="accent2" accent3="accent3" accent4="accent4" accent5="accent5" accent6="accent6" hlink="hlink" folHlink="folHlink"/>
   <p:sldLayoutIdLst>
-    <p:sldLayoutId id="2147483649" r:id="rId2"/>
-    <p:sldLayoutId id="2147483650" r:id="rId3"/>
-    <p:sldLayoutId id="2147483651" r:id="rId4"/>
-    <p:sldLayoutId id="2147483652" r:id="rId5"/>
-    <p:sldLayoutId id="2147483653" r:id="rId6"/>
-    <p:sldLayoutId id="2147483654" r:id="rId7"/>
-    <p:sldLayoutId id="2147483655" r:id="rId8"/>
-    <p:sldLayoutId id="2147483656" r:id="rId9"/>
-    <p:sldLayoutId id="2147483657" r:id="rId10"/>
-    <p:sldLayoutId id="2147483658" r:id="rId11"/>
-    <p:sldLayoutId id="2147483659" r:id="rId12"/>
-    <p:sldLayoutId id="2147483660" r:id="rId13"/>
+    <p:sldLayoutId id="2147483649" r:id="rId1"/>
+    <p:sldLayoutId id="2147483650" r:id="rId2"/>
+    <p:sldLayoutId id="2147483651" r:id="rId3"/>
+    <p:sldLayoutId id="2147483652" r:id="rId4"/>
+    <p:sldLayoutId id="2147483653" r:id="rId5"/>
+    <p:sldLayoutId id="2147483654" r:id="rId6"/>
+    <p:sldLayoutId id="2147483655" r:id="rId7"/>
+    <p:sldLayoutId id="2147483656" r:id="rId8"/>
+    <p:sldLayoutId id="2147483657" r:id="rId9"/>
+    <p:sldLayoutId id="2147483658" r:id="rId10"/>
+    <p:sldLayoutId id="2147483659" r:id="rId11"/>
+    <p:sldLayoutId id="2147483660" r:id="rId12"/>
   </p:sldLayoutIdLst>
+  <p:txStyles>
+    <p:titleStyle/>
+    <p:bodyStyle/>
+    <p:otherStyle/>
+  </p:txStyles>
 </p:sldMaster>
 </file>
 
 <file path=ppt/slideMasters/slideMaster2.xml><?xml version="1.0" encoding="utf-8"?>
-<p:sldMaster xmlns:a="http://schemas.openxmlformats.org/drawingml/2006/main" xmlns:p="http://schemas.openxmlformats.org/presentationml/2006/main" xmlns:r="http://schemas.openxmlformats.org/officeDocument/2006/relationships" xmlns:p14="http://schemas.microsoft.com/office/powerpoint/2010/main" xmlns:p15="http://schemas.microsoft.com/office/powerpoint/2012/main" xmlns:mc="http://schemas.openxmlformats.org/markup-compatibility/2006">
+<p:sldMaster xmlns:a="http://schemas.openxmlformats.org/drawingml/2006/main" xmlns:r="http://schemas.openxmlformats.org/officeDocument/2006/relationships" xmlns:p="http://schemas.openxmlformats.org/presentationml/2006/main">
   <p:cSld>
     <p:bg>
       <p:bgPr>
         <a:solidFill>
-          <a:srgbClr val="ffffff"/>
+          <a:srgbClr val="FFFFFF"/>
         </a:solidFill>
+        <a:effectLst/>
       </p:bgPr>
     </p:bg>
     <p:spTree>
@@ -4135,9 +4364,15 @@
           </a:ln>
         </p:spPr>
         <p:style>
-          <a:lnRef idx="0"/>
-          <a:fillRef idx="0"/>
-          <a:effectRef idx="0"/>
+          <a:lnRef idx="0">
+            <a:srgbClr val="FFFFFF"/>
+          </a:lnRef>
+          <a:fillRef idx="0">
+            <a:srgbClr val="FFFFFF"/>
+          </a:fillRef>
+          <a:effectRef idx="0">
+            <a:srgbClr val="FFFFFF"/>
+          </a:effectRef>
           <a:fontRef idx="minor"/>
         </p:style>
       </p:sp>
@@ -4165,9 +4400,15 @@
           </a:ln>
         </p:spPr>
         <p:style>
-          <a:lnRef idx="0"/>
-          <a:fillRef idx="0"/>
-          <a:effectRef idx="0"/>
+          <a:lnRef idx="0">
+            <a:srgbClr val="FFFFFF"/>
+          </a:lnRef>
+          <a:fillRef idx="0">
+            <a:srgbClr val="FFFFFF"/>
+          </a:fillRef>
+          <a:effectRef idx="0">
+            <a:srgbClr val="FFFFFF"/>
+          </a:effectRef>
           <a:fontRef idx="minor"/>
         </p:style>
       </p:sp>
@@ -4193,9 +4434,15 @@
           </a:ln>
         </p:spPr>
         <p:style>
-          <a:lnRef idx="0"/>
-          <a:fillRef idx="0"/>
-          <a:effectRef idx="0"/>
+          <a:lnRef idx="0">
+            <a:srgbClr val="FFFFFF"/>
+          </a:lnRef>
+          <a:fillRef idx="0">
+            <a:srgbClr val="FFFFFF"/>
+          </a:fillRef>
+          <a:effectRef idx="0">
+            <a:srgbClr val="FFFFFF"/>
+          </a:effectRef>
           <a:fontRef idx="minor"/>
         </p:style>
       </p:sp>
@@ -4223,7 +4470,7 @@
             <a:noFill/>
           </a:ln>
           <a:effectLst>
-            <a:outerShdw blurRad="50800" dir="5400000" dist="25000" rotWithShape="0">
+            <a:outerShdw blurRad="50800" dist="25000" dir="5400000" rotWithShape="0">
               <a:srgbClr val="000000">
                 <a:alpha val="40000"/>
               </a:srgbClr>
@@ -4265,9 +4512,15 @@
           </a:ln>
         </p:spPr>
         <p:style>
-          <a:lnRef idx="0"/>
-          <a:fillRef idx="0"/>
-          <a:effectRef idx="0"/>
+          <a:lnRef idx="0">
+            <a:srgbClr val="FFFFFF"/>
+          </a:lnRef>
+          <a:fillRef idx="0">
+            <a:srgbClr val="FFFFFF"/>
+          </a:fillRef>
+          <a:effectRef idx="0">
+            <a:srgbClr val="FFFFFF"/>
+          </a:effectRef>
           <a:fontRef idx="minor"/>
         </p:style>
       </p:sp>
@@ -4289,7 +4542,7 @@
             <a:noFill/>
           </a:ln>
           <a:effectLst>
-            <a:outerShdw blurRad="50800" dir="5400000" dist="25000" rotWithShape="0">
+            <a:outerShdw blurRad="50800" dist="25000" dir="5400000" rotWithShape="0">
               <a:srgbClr val="000000">
                 <a:alpha val="40000"/>
               </a:srgbClr>
@@ -4329,7 +4582,7 @@
           </a:prstGeom>
         </p:spPr>
         <p:txBody>
-          <a:bodyPr lIns="90000" rIns="90000" tIns="45000" bIns="45000" anchor="b"/>
+          <a:bodyPr lIns="90000" tIns="45000" rIns="90000" bIns="45000" anchor="b"/>
           <a:p>
             <a:pPr>
               <a:lnSpc>
@@ -4337,15 +4590,15 @@
               </a:lnSpc>
             </a:pPr>
             <a:r>
-              <a:rPr b="0" lang="en-US" sz="3000" spc="-1" strike="noStrike" cap="small">
+              <a:rPr lang="en-US" sz="3000" b="0" strike="noStrike" cap="small" spc="-1">
                 <a:solidFill>
-                  <a:srgbClr val="575f6d"/>
+                  <a:srgbClr val="575F6D"/>
                 </a:solidFill>
                 <a:latin typeface="Century Schoolbook"/>
               </a:rPr>
               <a:t>Click to edit Master title style</a:t>
             </a:r>
-            <a:endParaRPr b="0" lang="en-US" sz="3000" spc="-1" strike="noStrike">
+            <a:endParaRPr lang="en-US" sz="3000" b="0" strike="noStrike" spc="-1">
               <a:solidFill>
                 <a:srgbClr val="000000"/>
               </a:solidFill>
@@ -4374,24 +4627,24 @@
           </a:prstGeom>
         </p:spPr>
         <p:txBody>
-          <a:bodyPr lIns="90000" rIns="90000" tIns="45000" bIns="45000"/>
-          <a:p>
-            <a:pPr marL="274320" indent="-273960">
+          <a:bodyPr lIns="90000" tIns="45000" rIns="90000" bIns="45000"/>
+          <a:p>
+            <a:pPr marL="274320" indent="-273685">
               <a:lnSpc>
                 <a:spcPct val="100000"/>
               </a:lnSpc>
               <a:spcBef>
-                <a:spcPts val="601"/>
+                <a:spcPts val="600"/>
               </a:spcBef>
               <a:buClr>
-                <a:srgbClr val="fe8637"/>
+                <a:srgbClr val="FE8637"/>
               </a:buClr>
               <a:buSzPct val="70000"/>
-              <a:buFont typeface="Wingdings" charset="2"/>
+              <a:buFont typeface="Wingdings" panose="05000000000000000000" pitchFamily="2" charset="2"/>
               <a:buChar char=""/>
             </a:pPr>
             <a:r>
-              <a:rPr b="0" lang="en-US" sz="2400" spc="-1" strike="noStrike">
+              <a:rPr lang="en-US" sz="2400" b="0" strike="noStrike" spc="-1">
                 <a:solidFill>
                   <a:srgbClr val="000000"/>
                 </a:solidFill>
@@ -4399,15 +4652,15 @@
               </a:rPr>
               <a:t>Click to edit Master text styles</a:t>
             </a:r>
-            <a:endParaRPr b="0" lang="en-US" sz="2400" spc="-1" strike="noStrike">
-              <a:solidFill>
-                <a:srgbClr val="000000"/>
-              </a:solidFill>
-              <a:latin typeface="Century Schoolbook"/>
-            </a:endParaRPr>
-          </a:p>
-          <a:p>
-            <a:pPr lvl="1" marL="640080" indent="-273960">
+            <a:endParaRPr lang="en-US" sz="2400" b="0" strike="noStrike" spc="-1">
+              <a:solidFill>
+                <a:srgbClr val="000000"/>
+              </a:solidFill>
+              <a:latin typeface="Century Schoolbook"/>
+            </a:endParaRPr>
+          </a:p>
+          <a:p>
+            <a:pPr marL="640080" lvl="1" indent="-273685">
               <a:lnSpc>
                 <a:spcPct val="100000"/>
               </a:lnSpc>
@@ -4415,14 +4668,14 @@
                 <a:spcPts val="420"/>
               </a:spcBef>
               <a:buClr>
-                <a:srgbClr val="fe8637"/>
+                <a:srgbClr val="FE8637"/>
               </a:buClr>
               <a:buSzPct val="80000"/>
-              <a:buFont typeface="Wingdings 2" charset="2"/>
+              <a:buFont typeface="Wingdings 2" panose="05020102010507070707" charset="2"/>
               <a:buChar char=""/>
             </a:pPr>
             <a:r>
-              <a:rPr b="0" lang="en-US" sz="2100" spc="-1" strike="noStrike">
+              <a:rPr lang="en-US" sz="2100" b="0" strike="noStrike" spc="-1">
                 <a:solidFill>
                   <a:srgbClr val="000000"/>
                 </a:solidFill>
@@ -4430,15 +4683,15 @@
               </a:rPr>
               <a:t>Second level</a:t>
             </a:r>
-            <a:endParaRPr b="0" lang="en-US" sz="2100" spc="-1" strike="noStrike">
-              <a:solidFill>
-                <a:srgbClr val="000000"/>
-              </a:solidFill>
-              <a:latin typeface="Century Schoolbook"/>
-            </a:endParaRPr>
-          </a:p>
-          <a:p>
-            <a:pPr lvl="2" marL="914400" indent="-182520">
+            <a:endParaRPr lang="en-US" sz="2100" b="0" strike="noStrike" spc="-1">
+              <a:solidFill>
+                <a:srgbClr val="000000"/>
+              </a:solidFill>
+              <a:latin typeface="Century Schoolbook"/>
+            </a:endParaRPr>
+          </a:p>
+          <a:p>
+            <a:pPr marL="914400" lvl="2" indent="-182245">
               <a:lnSpc>
                 <a:spcPct val="100000"/>
               </a:lnSpc>
@@ -4446,14 +4699,14 @@
                 <a:spcPts val="360"/>
               </a:spcBef>
               <a:buClr>
-                <a:srgbClr val="e07630"/>
+                <a:srgbClr val="E07630"/>
               </a:buClr>
               <a:buSzPct val="60000"/>
-              <a:buFont typeface="Wingdings" charset="2"/>
+              <a:buFont typeface="Wingdings" panose="05000000000000000000" pitchFamily="2" charset="2"/>
               <a:buChar char=""/>
             </a:pPr>
             <a:r>
-              <a:rPr b="0" lang="en-US" sz="1800" spc="-1" strike="noStrike">
+              <a:rPr lang="en-US" sz="1800" b="0" strike="noStrike" spc="-1">
                 <a:solidFill>
                   <a:srgbClr val="000000"/>
                 </a:solidFill>
@@ -4461,15 +4714,15 @@
               </a:rPr>
               <a:t>Third level</a:t>
             </a:r>
-            <a:endParaRPr b="0" lang="en-US" sz="1800" spc="-1" strike="noStrike">
-              <a:solidFill>
-                <a:srgbClr val="000000"/>
-              </a:solidFill>
-              <a:latin typeface="Century Schoolbook"/>
-            </a:endParaRPr>
-          </a:p>
-          <a:p>
-            <a:pPr lvl="3" marL="1188720" indent="-182520">
+            <a:endParaRPr lang="en-US" sz="1800" b="0" strike="noStrike" spc="-1">
+              <a:solidFill>
+                <a:srgbClr val="000000"/>
+              </a:solidFill>
+              <a:latin typeface="Century Schoolbook"/>
+            </a:endParaRPr>
+          </a:p>
+          <a:p>
+            <a:pPr marL="1188720" lvl="3" indent="-182245">
               <a:lnSpc>
                 <a:spcPct val="100000"/>
               </a:lnSpc>
@@ -4477,14 +4730,14 @@
                 <a:spcPts val="360"/>
               </a:spcBef>
               <a:buClr>
-                <a:srgbClr val="fec2ae"/>
+                <a:srgbClr val="FEC2AE"/>
               </a:buClr>
               <a:buSzPct val="60000"/>
-              <a:buFont typeface="Wingdings" charset="2"/>
+              <a:buFont typeface="Wingdings" panose="05000000000000000000" pitchFamily="2" charset="2"/>
               <a:buChar char=""/>
             </a:pPr>
             <a:r>
-              <a:rPr b="0" lang="en-US" sz="1800" spc="-1" strike="noStrike">
+              <a:rPr lang="en-US" sz="1800" b="0" strike="noStrike" spc="-1">
                 <a:solidFill>
                   <a:srgbClr val="000000"/>
                 </a:solidFill>
@@ -4492,15 +4745,15 @@
               </a:rPr>
               <a:t>Fourth level</a:t>
             </a:r>
-            <a:endParaRPr b="0" lang="en-US" sz="1800" spc="-1" strike="noStrike">
-              <a:solidFill>
-                <a:srgbClr val="000000"/>
-              </a:solidFill>
-              <a:latin typeface="Century Schoolbook"/>
-            </a:endParaRPr>
-          </a:p>
-          <a:p>
-            <a:pPr lvl="4" marL="1463040" indent="-182520">
+            <a:endParaRPr lang="en-US" sz="1800" b="0" strike="noStrike" spc="-1">
+              <a:solidFill>
+                <a:srgbClr val="000000"/>
+              </a:solidFill>
+              <a:latin typeface="Century Schoolbook"/>
+            </a:endParaRPr>
+          </a:p>
+          <a:p>
+            <a:pPr marL="1463040" lvl="4" indent="-182245">
               <a:lnSpc>
                 <a:spcPct val="100000"/>
               </a:lnSpc>
@@ -4508,14 +4761,14 @@
                 <a:spcPts val="320"/>
               </a:spcBef>
               <a:buClr>
-                <a:srgbClr val="bcc9e9"/>
+                <a:srgbClr val="BCC9E9"/>
               </a:buClr>
               <a:buSzPct val="68000"/>
-              <a:buFont typeface="Wingdings 2" charset="2"/>
+              <a:buFont typeface="Wingdings 2" panose="05020102010507070707" charset="2"/>
               <a:buChar char=""/>
             </a:pPr>
             <a:r>
-              <a:rPr b="0" lang="en-US" sz="1600" spc="-1" strike="noStrike">
+              <a:rPr lang="en-US" sz="1600" b="0" strike="noStrike" spc="-1">
                 <a:solidFill>
                   <a:srgbClr val="000000"/>
                 </a:solidFill>
@@ -4523,7 +4776,7 @@
               </a:rPr>
               <a:t>Fifth level</a:t>
             </a:r>
-            <a:endParaRPr b="0" lang="en-US" sz="1600" spc="-1" strike="noStrike">
+            <a:endParaRPr lang="en-US" sz="1600" b="0" strike="noStrike" spc="-1">
               <a:solidFill>
                 <a:srgbClr val="000000"/>
               </a:solidFill>
@@ -4552,7 +4805,7 @@
           </a:prstGeom>
         </p:spPr>
         <p:txBody>
-          <a:bodyPr lIns="90000" rIns="90000" tIns="45000" bIns="45000" anchor="ctr"/>
+          <a:bodyPr lIns="90000" tIns="45000" rIns="90000" bIns="45000" anchor="ctr"/>
           <a:p>
             <a:pPr algn="r">
               <a:lnSpc>
@@ -4560,16 +4813,15 @@
               </a:lnSpc>
             </a:pPr>
             <a:fld id="{C01C3EB5-E1DF-4203-AD75-9368181D5E58}" type="datetime">
-              <a:rPr b="0" lang="en-IN" sz="1200" spc="-1" strike="noStrike">
+              <a:rPr lang="en-IN" sz="1200" b="0" strike="noStrike" spc="-1">
                 <a:solidFill>
-                  <a:srgbClr val="575f6d"/>
+                  <a:srgbClr val="575F6D"/>
                 </a:solidFill>
                 <a:latin typeface="Century Schoolbook"/>
               </a:rPr>
-              <a:t>29/01/19</a:t>
             </a:fld>
-            <a:endParaRPr b="0" lang="en-IN" sz="1200" spc="-1" strike="noStrike">
-              <a:latin typeface="Times New Roman"/>
+            <a:endParaRPr lang="en-IN" sz="1200" b="0" strike="noStrike" spc="-1">
+              <a:latin typeface="Times New Roman" panose="02020603050405020304"/>
             </a:endParaRPr>
           </a:p>
         </p:txBody>
@@ -4594,7 +4846,7 @@
           </a:prstGeom>
         </p:spPr>
         <p:txBody>
-          <a:bodyPr lIns="90000" rIns="90000" tIns="45000" bIns="45000" anchor="ctr"/>
+          <a:bodyPr lIns="90000" tIns="45000" rIns="90000" bIns="45000" anchor="ctr"/>
           <a:p>
             <a:pPr algn="ctr">
               <a:lnSpc>
@@ -4602,16 +4854,15 @@
               </a:lnSpc>
             </a:pPr>
             <a:fld id="{F34CA7BA-EB84-4890-821C-38864CA72219}" type="slidenum">
-              <a:rPr b="1" lang="en-IN" sz="1400" spc="-1" strike="noStrike">
+              <a:rPr lang="en-IN" sz="1400" b="1" strike="noStrike" spc="-1">
                 <a:solidFill>
-                  <a:srgbClr val="ffffff"/>
+                  <a:srgbClr val="FFFFFF"/>
                 </a:solidFill>
                 <a:latin typeface="Century Schoolbook"/>
               </a:rPr>
-              <a:t>1</a:t>
             </a:fld>
-            <a:endParaRPr b="0" lang="en-IN" sz="1400" spc="-1" strike="noStrike">
-              <a:latin typeface="Times New Roman"/>
+            <a:endParaRPr lang="en-IN" sz="1400" b="0" strike="noStrike" spc="-1">
+              <a:latin typeface="Times New Roman" panose="02020603050405020304"/>
             </a:endParaRPr>
           </a:p>
         </p:txBody>
@@ -4636,36 +4887,41 @@
           </a:prstGeom>
         </p:spPr>
         <p:txBody>
-          <a:bodyPr lIns="90000" rIns="90000" tIns="45000" bIns="45000" anchor="ctr"/>
-          <a:p>
-            <a:endParaRPr b="0" lang="en-IN" sz="2400" spc="-1" strike="noStrike">
-              <a:latin typeface="Times New Roman"/>
+          <a:bodyPr lIns="90000" tIns="45000" rIns="90000" bIns="45000" anchor="ctr"/>
+          <a:p>
+            <a:endParaRPr lang="en-IN" sz="2400" b="0" strike="noStrike" spc="-1">
+              <a:latin typeface="Times New Roman" panose="02020603050405020304"/>
             </a:endParaRPr>
           </a:p>
         </p:txBody>
       </p:sp>
     </p:spTree>
   </p:cSld>
-  <p:clrMap bg1="lt1" bg2="lt2" tx1="dk1" tx2="dk2" accent1="accent1" accent2="accent2" accent3="accent3" accent4="accent4" accent5="accent5" accent6="accent6" hlink="hlink" folHlink="folHlink"/>
+  <p:clrMap bg1="lt1" tx1="dk1" bg2="lt2" tx2="dk2" accent1="accent1" accent2="accent2" accent3="accent3" accent4="accent4" accent5="accent5" accent6="accent6" hlink="hlink" folHlink="folHlink"/>
   <p:sldLayoutIdLst>
-    <p:sldLayoutId id="2147483662" r:id="rId2"/>
-    <p:sldLayoutId id="2147483663" r:id="rId3"/>
-    <p:sldLayoutId id="2147483664" r:id="rId4"/>
-    <p:sldLayoutId id="2147483665" r:id="rId5"/>
-    <p:sldLayoutId id="2147483666" r:id="rId6"/>
-    <p:sldLayoutId id="2147483667" r:id="rId7"/>
-    <p:sldLayoutId id="2147483668" r:id="rId8"/>
-    <p:sldLayoutId id="2147483669" r:id="rId9"/>
-    <p:sldLayoutId id="2147483670" r:id="rId10"/>
-    <p:sldLayoutId id="2147483671" r:id="rId11"/>
-    <p:sldLayoutId id="2147483672" r:id="rId12"/>
-    <p:sldLayoutId id="2147483673" r:id="rId13"/>
+    <p:sldLayoutId id="2147483662" r:id="rId1"/>
+    <p:sldLayoutId id="2147483663" r:id="rId2"/>
+    <p:sldLayoutId id="2147483664" r:id="rId3"/>
+    <p:sldLayoutId id="2147483665" r:id="rId4"/>
+    <p:sldLayoutId id="2147483666" r:id="rId5"/>
+    <p:sldLayoutId id="2147483667" r:id="rId6"/>
+    <p:sldLayoutId id="2147483668" r:id="rId7"/>
+    <p:sldLayoutId id="2147483669" r:id="rId8"/>
+    <p:sldLayoutId id="2147483670" r:id="rId9"/>
+    <p:sldLayoutId id="2147483671" r:id="rId10"/>
+    <p:sldLayoutId id="2147483672" r:id="rId11"/>
+    <p:sldLayoutId id="2147483673" r:id="rId12"/>
   </p:sldLayoutIdLst>
+  <p:txStyles>
+    <p:titleStyle/>
+    <p:bodyStyle/>
+    <p:otherStyle/>
+  </p:txStyles>
 </p:sldMaster>
 </file>
 
 <file path=ppt/slides/slide1.xml><?xml version="1.0" encoding="utf-8"?>
-<p:sld xmlns:a="http://schemas.openxmlformats.org/drawingml/2006/main" xmlns:p="http://schemas.openxmlformats.org/presentationml/2006/main" xmlns:r="http://schemas.openxmlformats.org/officeDocument/2006/relationships" xmlns:p14="http://schemas.microsoft.com/office/powerpoint/2010/main" xmlns:p15="http://schemas.microsoft.com/office/powerpoint/2012/main" xmlns:mc="http://schemas.openxmlformats.org/markup-compatibility/2006">
+<p:sld xmlns:a="http://schemas.openxmlformats.org/drawingml/2006/main" xmlns:r="http://schemas.openxmlformats.org/officeDocument/2006/relationships" xmlns:p="http://schemas.openxmlformats.org/presentationml/2006/main">
   <p:cSld>
     <p:spTree>
       <p:nvGrpSpPr>
@@ -4701,7 +4957,7 @@
           </a:ln>
         </p:spPr>
         <p:txBody>
-          <a:bodyPr lIns="90000" rIns="90000" tIns="45000" bIns="45000" anchor="b"/>
+          <a:bodyPr lIns="90000" tIns="45000" rIns="90000" bIns="45000" anchor="b"/>
           <a:p>
             <a:pPr>
               <a:lnSpc>
@@ -4709,15 +4965,15 @@
               </a:lnSpc>
             </a:pPr>
             <a:r>
-              <a:rPr b="1" lang="en-US" sz="9600" spc="-1" strike="noStrike" cap="small">
+              <a:rPr lang="en-US" sz="9600" b="1" strike="noStrike" cap="small" spc="-1">
                 <a:solidFill>
-                  <a:srgbClr val="575f6d"/>
+                  <a:srgbClr val="575F6D"/>
                 </a:solidFill>
                 <a:latin typeface="comic"/>
               </a:rPr>
               <a:t>POVERTY IN INDIA</a:t>
             </a:r>
-            <a:endParaRPr b="0" lang="en-US" sz="9600" spc="-1" strike="noStrike">
+            <a:endParaRPr lang="en-US" sz="9600" b="0" strike="noStrike" spc="-1">
               <a:solidFill>
                 <a:srgbClr val="000000"/>
               </a:solidFill>
@@ -4728,13 +4984,15 @@
       </p:sp>
       <p:pic>
         <p:nvPicPr>
-          <p:cNvPr id="111" name="Picture 3" descr=""/>
+          <p:cNvPr id="111" name="Picture 3"/>
           <p:cNvPicPr/>
           <p:nvPr/>
         </p:nvPicPr>
         <p:blipFill>
           <a:blip r:embed="rId1"/>
-          <a:stretch/>
+          <a:stretch>
+            <a:fillRect/>
+          </a:stretch>
         </p:blipFill>
         <p:spPr>
           <a:xfrm rot="21145200">
@@ -4748,7 +5006,7 @@
             <a:noFill/>
           </a:ln>
           <a:effectLst>
-            <a:outerShdw algn="tl" blurRad="292100" dir="2700000" dist="139700" rotWithShape="0">
+            <a:outerShdw blurRad="292100" dist="139700" dir="2700000" algn="tl" rotWithShape="0">
               <a:srgbClr val="333333">
                 <a:alpha val="65000"/>
               </a:srgbClr>
@@ -4758,13 +5016,15 @@
       </p:pic>
       <p:pic>
         <p:nvPicPr>
-          <p:cNvPr id="112" name="Picture 6" descr=""/>
+          <p:cNvPr id="112" name="Picture 6"/>
           <p:cNvPicPr/>
           <p:nvPr/>
         </p:nvPicPr>
         <p:blipFill>
           <a:blip r:embed="rId2"/>
-          <a:stretch/>
+          <a:stretch>
+            <a:fillRect/>
+          </a:stretch>
         </p:blipFill>
         <p:spPr>
           <a:xfrm rot="1114800">
@@ -4778,39 +5038,22 @@
             <a:noFill/>
           </a:ln>
           <a:effectLst>
-            <a:reflection algn="bl" blurRad="12700" dir="5400000" dist="5000" endPos="28000" rotWithShape="0" stA="38000" sy="-100000"/>
+            <a:reflection blurRad="12700" stA="38000" endPos="28000" dist="5000" dir="5400000" sy="-100000" algn="bl" rotWithShape="0"/>
           </a:effectLst>
         </p:spPr>
       </p:pic>
     </p:spTree>
   </p:cSld>
+  <p:clrMapOvr>
+    <a:masterClrMapping/>
+  </p:clrMapOvr>
   <p:transition>
     <p:newsflash/>
   </p:transition>
   <p:timing>
     <p:tnLst>
       <p:par>
-        <p:cTn id="1" dur="indefinite" restart="never" nodeType="tmRoot">
-          <p:childTnLst>
-            <p:seq>
-              <p:cTn id="2" dur="indefinite" nodeType="mainSeq"/>
-              <p:prevCondLst>
-                <p:cond delay="0" evt="onPrev">
-                  <p:tgtEl>
-                    <p:sldTgt/>
-                  </p:tgtEl>
-                </p:cond>
-              </p:prevCondLst>
-              <p:nextCondLst>
-                <p:cond delay="0" evt="onNext">
-                  <p:tgtEl>
-                    <p:sldTgt/>
-                  </p:tgtEl>
-                </p:cond>
-              </p:nextCondLst>
-            </p:seq>
-          </p:childTnLst>
-        </p:cTn>
+        <p:cTn id="1" dur="indefinite" restart="never" nodeType="tmRoot"/>
       </p:par>
     </p:tnLst>
   </p:timing>
@@ -4818,7 +5061,7 @@
 </file>
 
 <file path=ppt/slides/slide2.xml><?xml version="1.0" encoding="utf-8"?>
-<p:sld xmlns:a="http://schemas.openxmlformats.org/drawingml/2006/main" xmlns:p="http://schemas.openxmlformats.org/presentationml/2006/main" xmlns:r="http://schemas.openxmlformats.org/officeDocument/2006/relationships" xmlns:p14="http://schemas.microsoft.com/office/powerpoint/2010/main" xmlns:p15="http://schemas.microsoft.com/office/powerpoint/2012/main" xmlns:mc="http://schemas.openxmlformats.org/markup-compatibility/2006">
+<p:sld xmlns:a="http://schemas.openxmlformats.org/drawingml/2006/main" xmlns:r="http://schemas.openxmlformats.org/officeDocument/2006/relationships" xmlns:p="http://schemas.openxmlformats.org/presentationml/2006/main">
   <p:cSld>
     <p:spTree>
       <p:nvGrpSpPr>
@@ -4854,7 +5097,7 @@
           </a:ln>
         </p:spPr>
         <p:txBody>
-          <a:bodyPr lIns="90000" rIns="90000" tIns="45000" bIns="45000" anchor="b"/>
+          <a:bodyPr lIns="90000" tIns="45000" rIns="90000" bIns="45000" anchor="b"/>
           <a:p>
             <a:pPr>
               <a:lnSpc>
@@ -4862,15 +5105,15 @@
               </a:lnSpc>
             </a:pPr>
             <a:r>
-              <a:rPr b="0" lang="en-US" sz="8000" spc="-1" strike="noStrike" cap="small">
+              <a:rPr lang="en-US" sz="8000" b="0" strike="noStrike" cap="small" spc="-1">
                 <a:solidFill>
-                  <a:srgbClr val="575f6d"/>
+                  <a:srgbClr val="575F6D"/>
                 </a:solidFill>
                 <a:latin typeface="comic"/>
               </a:rPr>
               <a:t>WHAT IS POVERTY???</a:t>
             </a:r>
-            <a:endParaRPr b="0" lang="en-US" sz="8000" spc="-1" strike="noStrike">
+            <a:endParaRPr lang="en-US" sz="8000" b="0" strike="noStrike" spc="-1">
               <a:solidFill>
                 <a:srgbClr val="000000"/>
               </a:solidFill>
@@ -4899,87 +5142,69 @@
           </a:ln>
         </p:spPr>
         <p:txBody>
-          <a:bodyPr lIns="90000" rIns="90000" tIns="45000" bIns="45000">
+          <a:bodyPr lIns="90000" tIns="45000" rIns="90000" bIns="45000">
             <a:normAutofit/>
           </a:bodyPr>
           <a:p>
-            <a:pPr marL="274320" indent="-273960">
+            <a:pPr marL="274320" indent="-273685">
               <a:lnSpc>
                 <a:spcPct val="100000"/>
               </a:lnSpc>
               <a:spcBef>
-                <a:spcPts val="601"/>
+                <a:spcPts val="600"/>
               </a:spcBef>
             </a:pPr>
             <a:r>
-              <a:rPr b="0" lang="en-US" sz="2800" spc="-1" strike="noStrike">
+              <a:rPr lang="en-US" sz="2800" b="0" strike="noStrike" spc="-1">
                 <a:solidFill>
                   <a:srgbClr val="000000"/>
                 </a:solidFill>
                 <a:latin typeface="Century Schoolbook"/>
               </a:rPr>
-              <a:t>   </a:t>
+              <a:t>   Poverty is about not having enough money to meet basic needs including food, clothing and shelter.  However, poverty is more, much more than just not having enough money.</a:t>
             </a:r>
+            <a:endParaRPr lang="en-US" sz="2800" b="0" strike="noStrike" spc="-1">
+              <a:solidFill>
+                <a:srgbClr val="000000"/>
+              </a:solidFill>
+              <a:latin typeface="Century Schoolbook"/>
+            </a:endParaRPr>
+          </a:p>
+          <a:p>
+            <a:pPr marL="274320" indent="-273685">
+              <a:lnSpc>
+                <a:spcPct val="100000"/>
+              </a:lnSpc>
+              <a:spcBef>
+                <a:spcPts val="600"/>
+              </a:spcBef>
+            </a:pPr>
             <a:r>
-              <a:rPr b="0" lang="en-US" sz="2800" spc="-1" strike="noStrike">
+              <a:rPr lang="en-US" sz="2800" b="0" strike="noStrike" spc="-1">
                 <a:solidFill>
                   <a:srgbClr val="000000"/>
                 </a:solidFill>
                 <a:latin typeface="Century Schoolbook"/>
               </a:rPr>
-              <a:t>Poverty is about not having enough money to meet basic needs including food, clothing and shelter.  However, poverty is more, much more than just not having enough money.</a:t>
+              <a:t>  Project by -Hemant and Ashish</a:t>
             </a:r>
-            <a:endParaRPr b="0" lang="en-US" sz="2800" spc="-1" strike="noStrike">
-              <a:solidFill>
-                <a:srgbClr val="000000"/>
-              </a:solidFill>
-              <a:latin typeface="Century Schoolbook"/>
-            </a:endParaRPr>
-          </a:p>
-          <a:p>
-            <a:pPr marL="274320" indent="-273960">
+            <a:endParaRPr lang="en-US" sz="2800" b="0" strike="noStrike" spc="-1">
+              <a:solidFill>
+                <a:srgbClr val="000000"/>
+              </a:solidFill>
+              <a:latin typeface="Century Schoolbook"/>
+            </a:endParaRPr>
+          </a:p>
+          <a:p>
+            <a:pPr marL="274320" indent="-273685">
               <a:lnSpc>
                 <a:spcPct val="100000"/>
               </a:lnSpc>
               <a:spcBef>
-                <a:spcPts val="601"/>
+                <a:spcPts val="600"/>
               </a:spcBef>
             </a:pPr>
-            <a:r>
-              <a:rPr b="0" lang="en-US" sz="2800" spc="-1" strike="noStrike">
-                <a:solidFill>
-                  <a:srgbClr val="000000"/>
-                </a:solidFill>
-                <a:latin typeface="Century Schoolbook"/>
-              </a:rPr>
-              <a:t>  </a:t>
-            </a:r>
-            <a:r>
-              <a:rPr b="0" lang="en-US" sz="2800" spc="-1" strike="noStrike">
-                <a:solidFill>
-                  <a:srgbClr val="000000"/>
-                </a:solidFill>
-                <a:latin typeface="Century Schoolbook"/>
-              </a:rPr>
-              <a:t>Project by -Hemant and Ashish</a:t>
-            </a:r>
-            <a:endParaRPr b="0" lang="en-US" sz="2800" spc="-1" strike="noStrike">
-              <a:solidFill>
-                <a:srgbClr val="000000"/>
-              </a:solidFill>
-              <a:latin typeface="Century Schoolbook"/>
-            </a:endParaRPr>
-          </a:p>
-          <a:p>
-            <a:pPr marL="274320" indent="-273960">
-              <a:lnSpc>
-                <a:spcPct val="100000"/>
-              </a:lnSpc>
-              <a:spcBef>
-                <a:spcPts val="601"/>
-              </a:spcBef>
-            </a:pPr>
-            <a:endParaRPr b="0" lang="en-US" sz="2800" spc="-1" strike="noStrike">
+            <a:endParaRPr lang="en-US" sz="2800" b="0" strike="noStrike" spc="-1">
               <a:solidFill>
                 <a:srgbClr val="000000"/>
               </a:solidFill>
@@ -4990,13 +5215,15 @@
       </p:sp>
       <p:pic>
         <p:nvPicPr>
-          <p:cNvPr id="115" name="Picture 2" descr=""/>
+          <p:cNvPr id="115" name="Picture 2"/>
           <p:cNvPicPr/>
           <p:nvPr/>
         </p:nvPicPr>
         <p:blipFill>
           <a:blip r:embed="rId1"/>
-          <a:stretch/>
+          <a:stretch>
+            <a:fillRect/>
+          </a:stretch>
         </p:blipFill>
         <p:spPr>
           <a:xfrm rot="970200">
@@ -5010,7 +5237,7 @@
             <a:noFill/>
           </a:ln>
           <a:effectLst>
-            <a:outerShdw algn="tl" blurRad="292100" dir="2700000" dist="139700" rotWithShape="0">
+            <a:outerShdw blurRad="292100" dist="139700" dir="2700000" algn="tl" rotWithShape="0">
               <a:srgbClr val="333333">
                 <a:alpha val="65000"/>
               </a:srgbClr>
@@ -5020,38 +5247,41 @@
       </p:pic>
     </p:spTree>
   </p:cSld>
+  <p:clrMapOvr>
+    <a:masterClrMapping/>
+  </p:clrMapOvr>
   <p:transition>
     <p:wedge/>
   </p:transition>
   <p:timing>
     <p:tnLst>
       <p:par>
-        <p:cTn id="3" dur="indefinite" restart="never" nodeType="tmRoot">
+        <p:cTn id="1" dur="indefinite" restart="never" nodeType="tmRoot">
           <p:childTnLst>
-            <p:seq>
-              <p:cTn id="4" dur="indefinite" nodeType="mainSeq">
+            <p:seq concurrent="1" nextAc="seek">
+              <p:cTn id="2" dur="indefinite" nodeType="mainSeq">
                 <p:childTnLst>
                   <p:par>
-                    <p:cTn id="5" fill="hold">
+                    <p:cTn id="3" fill="hold">
                       <p:stCondLst>
                         <p:cond delay="indefinite"/>
                       </p:stCondLst>
                       <p:childTnLst>
                         <p:par>
-                          <p:cTn id="6" fill="hold">
+                          <p:cTn id="4" fill="hold">
                             <p:stCondLst>
                               <p:cond delay="0"/>
                             </p:stCondLst>
                             <p:childTnLst>
                               <p:par>
-                                <p:cTn id="7" nodeType="clickEffect" fill="hold" presetClass="entr" presetID="6" presetSubtype="16">
+                                <p:cTn id="5" presetID="6" presetClass="entr" presetSubtype="16" fill="hold" nodeType="clickEffect">
                                   <p:stCondLst>
                                     <p:cond delay="0"/>
                                   </p:stCondLst>
                                   <p:childTnLst>
                                     <p:set>
                                       <p:cBhvr>
-                                        <p:cTn id="8" dur="1" fill="hold">
+                                        <p:cTn id="6" dur="1" fill="hold">
                                           <p:stCondLst>
                                             <p:cond delay="0"/>
                                           </p:stCondLst>
@@ -5067,9 +5297,9 @@
                                         <p:strVal val="visible"/>
                                       </p:to>
                                     </p:set>
-                                    <p:animEffect filter="circle(in)" transition="in">
+                                    <p:animEffect transition="in" filter="circle(in)">
                                       <p:cBhvr additive="repl">
-                                        <p:cTn id="9" dur="2000"/>
+                                        <p:cTn id="7" dur="2000"/>
                                         <p:tgtEl>
                                           <p:spTgt spid="113"/>
                                         </p:tgtEl>
@@ -5085,26 +5315,26 @@
                     </p:cTn>
                   </p:par>
                   <p:par>
-                    <p:cTn id="10" fill="hold">
+                    <p:cTn id="8" fill="hold">
                       <p:stCondLst>
                         <p:cond delay="indefinite"/>
                       </p:stCondLst>
                       <p:childTnLst>
                         <p:par>
-                          <p:cTn id="11" fill="hold">
+                          <p:cTn id="9" fill="hold">
                             <p:stCondLst>
                               <p:cond delay="0"/>
                             </p:stCondLst>
                             <p:childTnLst>
                               <p:par>
-                                <p:cTn id="12" nodeType="clickEffect" fill="hold" presetClass="entr" presetID="52">
+                                <p:cTn id="10" presetID="52" presetClass="entr" presetSubtype="0" fill="hold" nodeType="clickEffect">
                                   <p:stCondLst>
                                     <p:cond delay="0"/>
                                   </p:stCondLst>
                                   <p:childTnLst>
                                     <p:set>
                                       <p:cBhvr>
-                                        <p:cTn id="13" dur="1" fill="hold">
+                                        <p:cTn id="11" dur="1" fill="hold">
                                           <p:stCondLst>
                                             <p:cond delay="0"/>
                                           </p:stCondLst>
@@ -5126,7 +5356,7 @@
                                     </p:set>
                                     <p:animMotion path="M -0.46736 0.92887  C -0.37517 0.88508  -0.02552 0.75279  0.0908 0.66613  C  0.20747 0.57948  0.21649 0.50394  0.23177 0.40825  C 0.24705 0.31256  0.22118 0.15964   0.18264 0.09152  C 0.1441 0.02341  0.03802 0.0  0.0 0.0">
                                       <p:cBhvr>
-                                        <p:cTn id="14" dur="1000" fill="hold">
+                                        <p:cTn id="12" dur="1000" fill="hold">
                                           <p:stCondLst>
                                             <p:cond delay="0"/>
                                           </p:stCondLst>
@@ -5144,9 +5374,9 @@
                                         </p:attrNameLst>
                                       </p:cBhvr>
                                     </p:animMotion>
-                                    <p:animEffect filter="fade" transition="in">
+                                    <p:animEffect transition="in" filter="fade">
                                       <p:cBhvr additive="repl">
-                                        <p:cTn id="15" dur="1000"/>
+                                        <p:cTn id="13" dur="1000"/>
                                         <p:tgtEl>
                                           <p:spTgt spid="114">
                                             <p:txEl>
@@ -5166,26 +5396,26 @@
                     </p:cTn>
                   </p:par>
                   <p:par>
-                    <p:cTn id="16" fill="hold">
+                    <p:cTn id="14" fill="hold">
                       <p:stCondLst>
                         <p:cond delay="indefinite"/>
                       </p:stCondLst>
                       <p:childTnLst>
                         <p:par>
-                          <p:cTn id="17" fill="hold">
+                          <p:cTn id="15" fill="hold">
                             <p:stCondLst>
                               <p:cond delay="0"/>
                             </p:stCondLst>
                             <p:childTnLst>
                               <p:par>
-                                <p:cTn id="18" nodeType="clickEffect" fill="hold" presetClass="entr" presetID="18" presetSubtype="12">
+                                <p:cTn id="16" presetID="18" presetClass="entr" presetSubtype="12" fill="hold" nodeType="clickEffect">
                                   <p:stCondLst>
                                     <p:cond delay="0"/>
                                   </p:stCondLst>
                                   <p:childTnLst>
                                     <p:set>
                                       <p:cBhvr>
-                                        <p:cTn id="19" dur="1" fill="hold">
+                                        <p:cTn id="17" dur="1" fill="hold">
                                           <p:stCondLst>
                                             <p:cond delay="0"/>
                                           </p:stCondLst>
@@ -5201,9 +5431,9 @@
                                         <p:strVal val="visible"/>
                                       </p:to>
                                     </p:set>
-                                    <p:animEffect filter="strips(downLeft)" transition="in">
+                                    <p:animEffect transition="in" filter="strips(downLeft)">
                                       <p:cBhvr additive="repl">
-                                        <p:cTn id="20" dur="500"/>
+                                        <p:cTn id="18" dur="500"/>
                                         <p:tgtEl>
                                           <p:spTgt spid="115"/>
                                         </p:tgtEl>
@@ -5221,14 +5451,14 @@
                 </p:childTnLst>
               </p:cTn>
               <p:prevCondLst>
-                <p:cond delay="0" evt="onPrev">
+                <p:cond evt="onPrev" delay="0">
                   <p:tgtEl>
                     <p:sldTgt/>
                   </p:tgtEl>
                 </p:cond>
               </p:prevCondLst>
               <p:nextCondLst>
-                <p:cond delay="0" evt="onNext">
+                <p:cond evt="onNext" delay="0">
                   <p:tgtEl>
                     <p:sldTgt/>
                   </p:tgtEl>
@@ -5244,7 +5474,7 @@
 </file>
 
 <file path=ppt/slides/slide3.xml><?xml version="1.0" encoding="utf-8"?>
-<p:sld xmlns:a="http://schemas.openxmlformats.org/drawingml/2006/main" xmlns:p="http://schemas.openxmlformats.org/presentationml/2006/main" xmlns:r="http://schemas.openxmlformats.org/officeDocument/2006/relationships" xmlns:p14="http://schemas.microsoft.com/office/powerpoint/2010/main" xmlns:p15="http://schemas.microsoft.com/office/powerpoint/2012/main" xmlns:mc="http://schemas.openxmlformats.org/markup-compatibility/2006">
+<p:sld xmlns:a="http://schemas.openxmlformats.org/drawingml/2006/main" xmlns:r="http://schemas.openxmlformats.org/officeDocument/2006/relationships" xmlns:p="http://schemas.openxmlformats.org/presentationml/2006/main">
   <p:cSld>
     <p:spTree>
       <p:nvGrpSpPr>
@@ -5280,7 +5510,7 @@
           </a:ln>
         </p:spPr>
         <p:txBody>
-          <a:bodyPr lIns="90000" rIns="90000" tIns="45000" bIns="45000" anchor="b"/>
+          <a:bodyPr lIns="90000" tIns="45000" rIns="90000" bIns="45000" anchor="b"/>
           <a:p>
             <a:pPr>
               <a:lnSpc>
@@ -5288,15 +5518,15 @@
               </a:lnSpc>
             </a:pPr>
             <a:r>
-              <a:rPr b="0" lang="en-US" sz="8000" spc="-1" strike="noStrike" cap="small">
+              <a:rPr lang="en-US" sz="8000" b="0" strike="noStrike" cap="small" spc="-1">
                 <a:solidFill>
-                  <a:srgbClr val="575f6d"/>
+                  <a:srgbClr val="575F6D"/>
                 </a:solidFill>
                 <a:latin typeface="comic"/>
               </a:rPr>
               <a:t>POVERTY LINE </a:t>
             </a:r>
-            <a:endParaRPr b="0" lang="en-US" sz="8000" spc="-1" strike="noStrike">
+            <a:endParaRPr lang="en-US" sz="8000" b="0" strike="noStrike" spc="-1">
               <a:solidFill>
                 <a:srgbClr val="000000"/>
               </a:solidFill>
@@ -5307,13 +5537,15 @@
       </p:sp>
       <p:pic>
         <p:nvPicPr>
-          <p:cNvPr id="117" name="Picture 2" descr=""/>
+          <p:cNvPr id="117" name="Picture 2"/>
           <p:cNvPicPr/>
           <p:nvPr/>
         </p:nvPicPr>
         <p:blipFill>
           <a:blip r:embed="rId1"/>
-          <a:stretch/>
+          <a:stretch>
+            <a:fillRect/>
+          </a:stretch>
         </p:blipFill>
         <p:spPr>
           <a:xfrm>
@@ -5330,7 +5562,7 @@
             <a:miter/>
           </a:ln>
           <a:effectLst>
-            <a:outerShdw algn="tl" blurRad="50800" dir="2700000" dist="38100" rotWithShape="0">
+            <a:outerShdw blurRad="50800" dist="38100" dir="2700000" algn="tl" rotWithShape="0">
               <a:srgbClr val="000000">
                 <a:alpha val="43000"/>
               </a:srgbClr>
@@ -5340,38 +5572,41 @@
       </p:pic>
     </p:spTree>
   </p:cSld>
+  <p:clrMapOvr>
+    <a:masterClrMapping/>
+  </p:clrMapOvr>
   <p:transition>
     <p:wedge/>
   </p:transition>
   <p:timing>
     <p:tnLst>
       <p:par>
-        <p:cTn id="21" dur="indefinite" restart="never" nodeType="tmRoot">
+        <p:cTn id="1" dur="indefinite" restart="never" nodeType="tmRoot">
           <p:childTnLst>
-            <p:seq>
-              <p:cTn id="22" dur="indefinite" nodeType="mainSeq">
+            <p:seq concurrent="1" nextAc="seek">
+              <p:cTn id="2" dur="indefinite" nodeType="mainSeq">
                 <p:childTnLst>
                   <p:par>
-                    <p:cTn id="23" fill="hold">
+                    <p:cTn id="3" fill="hold">
                       <p:stCondLst>
                         <p:cond delay="indefinite"/>
                       </p:stCondLst>
                       <p:childTnLst>
                         <p:par>
-                          <p:cTn id="24" fill="hold">
+                          <p:cTn id="4" fill="hold">
                             <p:stCondLst>
                               <p:cond delay="0"/>
                             </p:stCondLst>
                             <p:childTnLst>
                               <p:par>
-                                <p:cTn id="25" nodeType="clickEffect" fill="hold" presetClass="entr" presetID="5" presetSubtype="10">
+                                <p:cTn id="5" presetID="5" presetClass="entr" presetSubtype="10" fill="hold" nodeType="clickEffect">
                                   <p:stCondLst>
                                     <p:cond delay="0"/>
                                   </p:stCondLst>
                                   <p:childTnLst>
                                     <p:set>
                                       <p:cBhvr>
-                                        <p:cTn id="26" dur="1" fill="hold">
+                                        <p:cTn id="6" dur="1" fill="hold">
                                           <p:stCondLst>
                                             <p:cond delay="0"/>
                                           </p:stCondLst>
@@ -5387,11 +5622,710 @@
                                         <p:strVal val="visible"/>
                                       </p:to>
                                     </p:set>
-                                    <p:animEffect filter="checkerboard(across)" transition="in">
+                                    <p:animEffect transition="in" filter="checkerboard(across)">
+                                      <p:cBhvr additive="repl">
+                                        <p:cTn id="7" dur="500"/>
+                                        <p:tgtEl>
+                                          <p:spTgt spid="116"/>
+                                        </p:tgtEl>
+                                      </p:cBhvr>
+                                    </p:animEffect>
+                                  </p:childTnLst>
+                                </p:cTn>
+                              </p:par>
+                            </p:childTnLst>
+                          </p:cTn>
+                        </p:par>
+                      </p:childTnLst>
+                    </p:cTn>
+                  </p:par>
+                  <p:par>
+                    <p:cTn id="8" fill="hold">
+                      <p:stCondLst>
+                        <p:cond delay="indefinite"/>
+                      </p:stCondLst>
+                      <p:childTnLst>
+                        <p:par>
+                          <p:cTn id="9" fill="hold">
+                            <p:stCondLst>
+                              <p:cond delay="0"/>
+                            </p:stCondLst>
+                            <p:childTnLst>
+                              <p:par>
+                                <p:cTn id="10" presetID="12" presetClass="entr" presetSubtype="4" fill="hold" nodeType="clickEffect">
+                                  <p:stCondLst>
+                                    <p:cond delay="0"/>
+                                  </p:stCondLst>
+                                  <p:childTnLst>
+                                    <p:set>
+                                      <p:cBhvr>
+                                        <p:cTn id="11" dur="1" fill="hold">
+                                          <p:stCondLst>
+                                            <p:cond delay="0"/>
+                                          </p:stCondLst>
+                                        </p:cTn>
+                                        <p:tgtEl>
+                                          <p:spTgt spid="117"/>
+                                        </p:tgtEl>
+                                        <p:attrNameLst>
+                                          <p:attrName>style.visibility</p:attrName>
+                                        </p:attrNameLst>
+                                      </p:cBhvr>
+                                      <p:to>
+                                        <p:strVal val="visible"/>
+                                      </p:to>
+                                    </p:set>
+                                    <p:animEffect transition="in" filter="slide(fromBottom)">
+                                      <p:cBhvr additive="repl">
+                                        <p:cTn id="12" dur="500"/>
+                                        <p:tgtEl>
+                                          <p:spTgt spid="117"/>
+                                        </p:tgtEl>
+                                      </p:cBhvr>
+                                    </p:animEffect>
+                                  </p:childTnLst>
+                                </p:cTn>
+                              </p:par>
+                            </p:childTnLst>
+                          </p:cTn>
+                        </p:par>
+                      </p:childTnLst>
+                    </p:cTn>
+                  </p:par>
+                </p:childTnLst>
+              </p:cTn>
+              <p:prevCondLst>
+                <p:cond evt="onPrev" delay="0">
+                  <p:tgtEl>
+                    <p:sldTgt/>
+                  </p:tgtEl>
+                </p:cond>
+              </p:prevCondLst>
+              <p:nextCondLst>
+                <p:cond evt="onNext" delay="0">
+                  <p:tgtEl>
+                    <p:sldTgt/>
+                  </p:tgtEl>
+                </p:cond>
+              </p:nextCondLst>
+            </p:seq>
+          </p:childTnLst>
+        </p:cTn>
+      </p:par>
+    </p:tnLst>
+  </p:timing>
+</p:sld>
+</file>
+
+<file path=ppt/slides/slide4.xml><?xml version="1.0" encoding="utf-8"?>
+<p:sld xmlns:a="http://schemas.openxmlformats.org/drawingml/2006/main" xmlns:r="http://schemas.openxmlformats.org/officeDocument/2006/relationships" xmlns:p="http://schemas.openxmlformats.org/presentationml/2006/main">
+  <p:cSld>
+    <p:spTree>
+      <p:nvGrpSpPr>
+        <p:cNvPr id="1" name=""/>
+        <p:cNvGrpSpPr/>
+        <p:nvPr/>
+      </p:nvGrpSpPr>
+      <p:grpSpPr>
+        <a:xfrm>
+          <a:off x="0" y="0"/>
+          <a:ext cx="0" cy="0"/>
+          <a:chOff x="0" y="0"/>
+          <a:chExt cx="0" cy="0"/>
+        </a:xfrm>
+      </p:grpSpPr>
+      <p:sp>
+        <p:nvSpPr>
+          <p:cNvPr id="118" name="TextShape 1"/>
+          <p:cNvSpPr txBox="1"/>
+          <p:nvPr/>
+        </p:nvSpPr>
+        <p:spPr>
+          <a:xfrm>
+            <a:off x="152280" y="304920"/>
+            <a:ext cx="7162560" cy="1706040"/>
+          </a:xfrm>
+          <a:prstGeom prst="rect">
+            <a:avLst/>
+          </a:prstGeom>
+          <a:noFill/>
+          <a:ln>
+            <a:noFill/>
+          </a:ln>
+        </p:spPr>
+        <p:txBody>
+          <a:bodyPr lIns="90000" tIns="45000" rIns="90000" bIns="45000" anchor="b"/>
+          <a:p>
+            <a:pPr>
+              <a:lnSpc>
+                <a:spcPct val="100000"/>
+              </a:lnSpc>
+            </a:pPr>
+            <a:r>
+              <a:rPr lang="en-US" sz="6600" b="0" strike="noStrike" cap="small" spc="-1">
+                <a:solidFill>
+                  <a:srgbClr val="575F6D"/>
+                </a:solidFill>
+                <a:latin typeface="comic"/>
+              </a:rPr>
+              <a:t>VULNERABLE GROUPS</a:t>
+            </a:r>
+            <a:endParaRPr lang="en-US" sz="6600" b="0" strike="noStrike" spc="-1">
+              <a:solidFill>
+                <a:srgbClr val="000000"/>
+              </a:solidFill>
+              <a:latin typeface="Century Schoolbook"/>
+            </a:endParaRPr>
+          </a:p>
+        </p:txBody>
+      </p:sp>
+      <p:sp>
+        <p:nvSpPr>
+          <p:cNvPr id="119" name="TextShape 2"/>
+          <p:cNvSpPr txBox="1"/>
+          <p:nvPr/>
+        </p:nvSpPr>
+        <p:spPr>
+          <a:xfrm>
+            <a:off x="152280" y="2286000"/>
+            <a:ext cx="3200040" cy="4114440"/>
+          </a:xfrm>
+          <a:prstGeom prst="rect">
+            <a:avLst/>
+          </a:prstGeom>
+          <a:noFill/>
+          <a:ln>
+            <a:noFill/>
+          </a:ln>
+        </p:spPr>
+        <p:txBody>
+          <a:bodyPr lIns="90000" tIns="45000" rIns="90000" bIns="45000"/>
+          <a:p>
+            <a:pPr marL="274320" indent="-273685">
+              <a:lnSpc>
+                <a:spcPct val="100000"/>
+              </a:lnSpc>
+              <a:spcBef>
+                <a:spcPts val="600"/>
+              </a:spcBef>
+              <a:buClr>
+                <a:srgbClr val="FE8637"/>
+              </a:buClr>
+              <a:buSzPct val="70000"/>
+              <a:buFont typeface="Wingdings" panose="05000000000000000000" pitchFamily="2" charset="2"/>
+              <a:buChar char=""/>
+            </a:pPr>
+            <a:r>
+              <a:rPr lang="en-US" sz="2400" b="0" strike="noStrike" spc="-1">
+                <a:solidFill>
+                  <a:srgbClr val="000000"/>
+                </a:solidFill>
+                <a:latin typeface="Century Schoolbook"/>
+              </a:rPr>
+              <a:t>Scheduled Tribes</a:t>
+            </a:r>
+            <a:endParaRPr lang="en-US" sz="2400" b="0" strike="noStrike" spc="-1">
+              <a:solidFill>
+                <a:srgbClr val="000000"/>
+              </a:solidFill>
+              <a:latin typeface="Century Schoolbook"/>
+            </a:endParaRPr>
+          </a:p>
+          <a:p>
+            <a:pPr marL="274320" indent="-273685">
+              <a:lnSpc>
+                <a:spcPct val="100000"/>
+              </a:lnSpc>
+              <a:spcBef>
+                <a:spcPts val="600"/>
+              </a:spcBef>
+              <a:buClr>
+                <a:srgbClr val="FE8637"/>
+              </a:buClr>
+              <a:buSzPct val="70000"/>
+              <a:buFont typeface="Wingdings" panose="05000000000000000000" pitchFamily="2" charset="2"/>
+              <a:buChar char=""/>
+            </a:pPr>
+            <a:r>
+              <a:rPr lang="en-US" sz="2400" b="0" strike="noStrike" spc="-1">
+                <a:solidFill>
+                  <a:srgbClr val="000000"/>
+                </a:solidFill>
+                <a:latin typeface="Century Schoolbook"/>
+              </a:rPr>
+              <a:t>Schedules Caste</a:t>
+            </a:r>
+            <a:endParaRPr lang="en-US" sz="2400" b="0" strike="noStrike" spc="-1">
+              <a:solidFill>
+                <a:srgbClr val="000000"/>
+              </a:solidFill>
+              <a:latin typeface="Century Schoolbook"/>
+            </a:endParaRPr>
+          </a:p>
+          <a:p>
+            <a:pPr marL="274320" indent="-273685">
+              <a:lnSpc>
+                <a:spcPct val="100000"/>
+              </a:lnSpc>
+              <a:spcBef>
+                <a:spcPts val="600"/>
+              </a:spcBef>
+              <a:buClr>
+                <a:srgbClr val="FE8637"/>
+              </a:buClr>
+              <a:buSzPct val="70000"/>
+              <a:buFont typeface="Wingdings" panose="05000000000000000000" pitchFamily="2" charset="2"/>
+              <a:buChar char=""/>
+            </a:pPr>
+            <a:r>
+              <a:rPr lang="en-US" sz="2400" b="0" strike="noStrike" spc="-1">
+                <a:solidFill>
+                  <a:srgbClr val="000000"/>
+                </a:solidFill>
+                <a:latin typeface="Century Schoolbook"/>
+              </a:rPr>
+              <a:t>Agricultural labour households</a:t>
+            </a:r>
+            <a:endParaRPr lang="en-US" sz="2400" b="0" strike="noStrike" spc="-1">
+              <a:solidFill>
+                <a:srgbClr val="000000"/>
+              </a:solidFill>
+              <a:latin typeface="Century Schoolbook"/>
+            </a:endParaRPr>
+          </a:p>
+          <a:p>
+            <a:pPr marL="274320" indent="-273685">
+              <a:lnSpc>
+                <a:spcPct val="100000"/>
+              </a:lnSpc>
+              <a:spcBef>
+                <a:spcPts val="600"/>
+              </a:spcBef>
+              <a:buClr>
+                <a:srgbClr val="FE8637"/>
+              </a:buClr>
+              <a:buSzPct val="70000"/>
+              <a:buFont typeface="Wingdings" panose="05000000000000000000" pitchFamily="2" charset="2"/>
+              <a:buChar char=""/>
+            </a:pPr>
+            <a:r>
+              <a:rPr lang="en-US" sz="2400" b="0" strike="noStrike" spc="-1">
+                <a:solidFill>
+                  <a:srgbClr val="000000"/>
+                </a:solidFill>
+                <a:latin typeface="Century Schoolbook"/>
+              </a:rPr>
+              <a:t> </a:t>
+            </a:r>
+            <a:endParaRPr lang="en-US" sz="2400" b="0" strike="noStrike" spc="-1">
+              <a:solidFill>
+                <a:srgbClr val="000000"/>
+              </a:solidFill>
+              <a:latin typeface="Century Schoolbook"/>
+            </a:endParaRPr>
+          </a:p>
+        </p:txBody>
+      </p:sp>
+      <p:sp>
+        <p:nvSpPr>
+          <p:cNvPr id="120" name="CustomShape 3"/>
+          <p:cNvSpPr/>
+          <p:nvPr/>
+        </p:nvSpPr>
+        <p:spPr>
+          <a:xfrm>
+            <a:off x="155520" y="-144360"/>
+            <a:ext cx="304560" cy="304560"/>
+          </a:xfrm>
+          <a:prstGeom prst="rect">
+            <a:avLst/>
+          </a:prstGeom>
+          <a:noFill/>
+          <a:ln>
+            <a:noFill/>
+          </a:ln>
+        </p:spPr>
+        <p:style>
+          <a:lnRef idx="0">
+            <a:srgbClr val="FFFFFF"/>
+          </a:lnRef>
+          <a:fillRef idx="0">
+            <a:srgbClr val="FFFFFF"/>
+          </a:fillRef>
+          <a:effectRef idx="0">
+            <a:srgbClr val="FFFFFF"/>
+          </a:effectRef>
+          <a:fontRef idx="minor"/>
+        </p:style>
+      </p:sp>
+      <p:sp>
+        <p:nvSpPr>
+          <p:cNvPr id="121" name="CustomShape 4"/>
+          <p:cNvSpPr/>
+          <p:nvPr/>
+        </p:nvSpPr>
+        <p:spPr>
+          <a:xfrm>
+            <a:off x="155520" y="-144360"/>
+            <a:ext cx="304560" cy="304560"/>
+          </a:xfrm>
+          <a:prstGeom prst="rect">
+            <a:avLst/>
+          </a:prstGeom>
+          <a:noFill/>
+          <a:ln>
+            <a:noFill/>
+          </a:ln>
+        </p:spPr>
+        <p:style>
+          <a:lnRef idx="0">
+            <a:srgbClr val="FFFFFF"/>
+          </a:lnRef>
+          <a:fillRef idx="0">
+            <a:srgbClr val="FFFFFF"/>
+          </a:fillRef>
+          <a:effectRef idx="0">
+            <a:srgbClr val="FFFFFF"/>
+          </a:effectRef>
+          <a:fontRef idx="minor"/>
+        </p:style>
+      </p:sp>
+      <p:pic>
+        <p:nvPicPr>
+          <p:cNvPr id="122" name="Picture 8"/>
+          <p:cNvPicPr/>
+          <p:nvPr/>
+        </p:nvPicPr>
+        <p:blipFill>
+          <a:blip r:embed="rId1"/>
+          <a:stretch>
+            <a:fillRect/>
+          </a:stretch>
+        </p:blipFill>
+        <p:spPr>
+          <a:xfrm>
+            <a:off x="3505320" y="1143000"/>
+            <a:ext cx="5181120" cy="5486040"/>
+          </a:xfrm>
+          <a:prstGeom prst="rect">
+            <a:avLst/>
+          </a:prstGeom>
+          <a:ln w="38160">
+            <a:solidFill>
+              <a:srgbClr val="000000"/>
+            </a:solidFill>
+            <a:miter/>
+          </a:ln>
+          <a:effectLst>
+            <a:outerShdw blurRad="50800" dist="38100" dir="2700000" algn="tl" rotWithShape="0">
+              <a:srgbClr val="000000">
+                <a:alpha val="43000"/>
+              </a:srgbClr>
+            </a:outerShdw>
+          </a:effectLst>
+        </p:spPr>
+      </p:pic>
+    </p:spTree>
+  </p:cSld>
+  <p:clrMapOvr>
+    <a:masterClrMapping/>
+  </p:clrMapOvr>
+  <p:transition>
+    <p:wedge/>
+  </p:transition>
+  <p:timing>
+    <p:tnLst>
+      <p:par>
+        <p:cTn id="1" dur="indefinite" restart="never" nodeType="tmRoot">
+          <p:childTnLst>
+            <p:seq concurrent="1" nextAc="seek">
+              <p:cTn id="2" dur="indefinite" nodeType="mainSeq">
+                <p:childTnLst>
+                  <p:par>
+                    <p:cTn id="3" fill="hold">
+                      <p:stCondLst>
+                        <p:cond delay="indefinite"/>
+                      </p:stCondLst>
+                      <p:childTnLst>
+                        <p:par>
+                          <p:cTn id="4" fill="hold">
+                            <p:stCondLst>
+                              <p:cond delay="0"/>
+                            </p:stCondLst>
+                            <p:childTnLst>
+                              <p:par>
+                                <p:cTn id="5" presetID="6" presetClass="entr" presetSubtype="16" fill="hold" nodeType="clickEffect">
+                                  <p:stCondLst>
+                                    <p:cond delay="0"/>
+                                  </p:stCondLst>
+                                  <p:childTnLst>
+                                    <p:set>
+                                      <p:cBhvr>
+                                        <p:cTn id="6" dur="1" fill="hold">
+                                          <p:stCondLst>
+                                            <p:cond delay="0"/>
+                                          </p:stCondLst>
+                                        </p:cTn>
+                                        <p:tgtEl>
+                                          <p:spTgt spid="118"/>
+                                        </p:tgtEl>
+                                        <p:attrNameLst>
+                                          <p:attrName>style.visibility</p:attrName>
+                                        </p:attrNameLst>
+                                      </p:cBhvr>
+                                      <p:to>
+                                        <p:strVal val="visible"/>
+                                      </p:to>
+                                    </p:set>
+                                    <p:animEffect transition="in" filter="circle(in)">
+                                      <p:cBhvr additive="repl">
+                                        <p:cTn id="7" dur="2000"/>
+                                        <p:tgtEl>
+                                          <p:spTgt spid="118"/>
+                                        </p:tgtEl>
+                                      </p:cBhvr>
+                                    </p:animEffect>
+                                  </p:childTnLst>
+                                </p:cTn>
+                              </p:par>
+                            </p:childTnLst>
+                          </p:cTn>
+                        </p:par>
+                      </p:childTnLst>
+                    </p:cTn>
+                  </p:par>
+                  <p:par>
+                    <p:cTn id="8" fill="hold">
+                      <p:stCondLst>
+                        <p:cond delay="indefinite"/>
+                      </p:stCondLst>
+                      <p:childTnLst>
+                        <p:par>
+                          <p:cTn id="9" fill="hold">
+                            <p:stCondLst>
+                              <p:cond delay="0"/>
+                            </p:stCondLst>
+                            <p:childTnLst>
+                              <p:par>
+                                <p:cTn id="10" presetID="5" presetClass="entr" presetSubtype="10" fill="hold" nodeType="clickEffect">
+                                  <p:stCondLst>
+                                    <p:cond delay="0"/>
+                                  </p:stCondLst>
+                                  <p:childTnLst>
+                                    <p:set>
+                                      <p:cBhvr>
+                                        <p:cTn id="11" dur="1" fill="hold">
+                                          <p:stCondLst>
+                                            <p:cond delay="0"/>
+                                          </p:stCondLst>
+                                        </p:cTn>
+                                        <p:tgtEl>
+                                          <p:spTgt spid="119">
+                                            <p:txEl>
+                                              <p:pRg st="0" end="0"/>
+                                            </p:txEl>
+                                          </p:spTgt>
+                                        </p:tgtEl>
+                                        <p:attrNameLst>
+                                          <p:attrName>style.visibility</p:attrName>
+                                        </p:attrNameLst>
+                                      </p:cBhvr>
+                                      <p:to>
+                                        <p:strVal val="visible"/>
+                                      </p:to>
+                                    </p:set>
+                                    <p:animEffect transition="in" filter="checkerboard(across)">
+                                      <p:cBhvr additive="repl">
+                                        <p:cTn id="12" dur="500"/>
+                                        <p:tgtEl>
+                                          <p:spTgt spid="119">
+                                            <p:txEl>
+                                              <p:pRg st="0" end="0"/>
+                                            </p:txEl>
+                                          </p:spTgt>
+                                        </p:tgtEl>
+                                      </p:cBhvr>
+                                    </p:animEffect>
+                                  </p:childTnLst>
+                                </p:cTn>
+                              </p:par>
+                            </p:childTnLst>
+                          </p:cTn>
+                        </p:par>
+                      </p:childTnLst>
+                    </p:cTn>
+                  </p:par>
+                  <p:par>
+                    <p:cTn id="13" fill="hold">
+                      <p:stCondLst>
+                        <p:cond delay="indefinite"/>
+                      </p:stCondLst>
+                      <p:childTnLst>
+                        <p:par>
+                          <p:cTn id="14" fill="hold">
+                            <p:stCondLst>
+                              <p:cond delay="0"/>
+                            </p:stCondLst>
+                            <p:childTnLst>
+                              <p:par>
+                                <p:cTn id="15" presetID="5" presetClass="entr" presetSubtype="10" fill="hold" nodeType="clickEffect">
+                                  <p:stCondLst>
+                                    <p:cond delay="0"/>
+                                  </p:stCondLst>
+                                  <p:childTnLst>
+                                    <p:set>
+                                      <p:cBhvr>
+                                        <p:cTn id="16" dur="1" fill="hold">
+                                          <p:stCondLst>
+                                            <p:cond delay="0"/>
+                                          </p:stCondLst>
+                                        </p:cTn>
+                                        <p:tgtEl>
+                                          <p:spTgt spid="119">
+                                            <p:txEl>
+                                              <p:pRg st="1" end="1"/>
+                                            </p:txEl>
+                                          </p:spTgt>
+                                        </p:tgtEl>
+                                        <p:attrNameLst>
+                                          <p:attrName>style.visibility</p:attrName>
+                                        </p:attrNameLst>
+                                      </p:cBhvr>
+                                      <p:to>
+                                        <p:strVal val="visible"/>
+                                      </p:to>
+                                    </p:set>
+                                    <p:animEffect transition="in" filter="checkerboard(across)">
+                                      <p:cBhvr additive="repl">
+                                        <p:cTn id="17" dur="500"/>
+                                        <p:tgtEl>
+                                          <p:spTgt spid="119">
+                                            <p:txEl>
+                                              <p:pRg st="1" end="1"/>
+                                            </p:txEl>
+                                          </p:spTgt>
+                                        </p:tgtEl>
+                                      </p:cBhvr>
+                                    </p:animEffect>
+                                  </p:childTnLst>
+                                </p:cTn>
+                              </p:par>
+                            </p:childTnLst>
+                          </p:cTn>
+                        </p:par>
+                      </p:childTnLst>
+                    </p:cTn>
+                  </p:par>
+                  <p:par>
+                    <p:cTn id="18" fill="hold">
+                      <p:stCondLst>
+                        <p:cond delay="indefinite"/>
+                      </p:stCondLst>
+                      <p:childTnLst>
+                        <p:par>
+                          <p:cTn id="19" fill="hold">
+                            <p:stCondLst>
+                              <p:cond delay="0"/>
+                            </p:stCondLst>
+                            <p:childTnLst>
+                              <p:par>
+                                <p:cTn id="20" presetID="5" presetClass="entr" presetSubtype="10" fill="hold" nodeType="clickEffect">
+                                  <p:stCondLst>
+                                    <p:cond delay="0"/>
+                                  </p:stCondLst>
+                                  <p:childTnLst>
+                                    <p:set>
+                                      <p:cBhvr>
+                                        <p:cTn id="21" dur="1" fill="hold">
+                                          <p:stCondLst>
+                                            <p:cond delay="0"/>
+                                          </p:stCondLst>
+                                        </p:cTn>
+                                        <p:tgtEl>
+                                          <p:spTgt spid="119">
+                                            <p:txEl>
+                                              <p:pRg st="2" end="2"/>
+                                            </p:txEl>
+                                          </p:spTgt>
+                                        </p:tgtEl>
+                                        <p:attrNameLst>
+                                          <p:attrName>style.visibility</p:attrName>
+                                        </p:attrNameLst>
+                                      </p:cBhvr>
+                                      <p:to>
+                                        <p:strVal val="visible"/>
+                                      </p:to>
+                                    </p:set>
+                                    <p:animEffect transition="in" filter="checkerboard(across)">
+                                      <p:cBhvr additive="repl">
+                                        <p:cTn id="22" dur="500"/>
+                                        <p:tgtEl>
+                                          <p:spTgt spid="119">
+                                            <p:txEl>
+                                              <p:pRg st="2" end="2"/>
+                                            </p:txEl>
+                                          </p:spTgt>
+                                        </p:tgtEl>
+                                      </p:cBhvr>
+                                    </p:animEffect>
+                                  </p:childTnLst>
+                                </p:cTn>
+                              </p:par>
+                            </p:childTnLst>
+                          </p:cTn>
+                        </p:par>
+                      </p:childTnLst>
+                    </p:cTn>
+                  </p:par>
+                  <p:par>
+                    <p:cTn id="23" fill="hold">
+                      <p:stCondLst>
+                        <p:cond delay="indefinite"/>
+                      </p:stCondLst>
+                      <p:childTnLst>
+                        <p:par>
+                          <p:cTn id="24" fill="hold">
+                            <p:stCondLst>
+                              <p:cond delay="0"/>
+                            </p:stCondLst>
+                            <p:childTnLst>
+                              <p:par>
+                                <p:cTn id="25" presetID="5" presetClass="entr" presetSubtype="10" fill="hold" nodeType="clickEffect">
+                                  <p:stCondLst>
+                                    <p:cond delay="0"/>
+                                  </p:stCondLst>
+                                  <p:childTnLst>
+                                    <p:set>
+                                      <p:cBhvr>
+                                        <p:cTn id="26" dur="1" fill="hold">
+                                          <p:stCondLst>
+                                            <p:cond delay="0"/>
+                                          </p:stCondLst>
+                                        </p:cTn>
+                                        <p:tgtEl>
+                                          <p:spTgt spid="119">
+                                            <p:txEl>
+                                              <p:pRg st="3" end="3"/>
+                                            </p:txEl>
+                                          </p:spTgt>
+                                        </p:tgtEl>
+                                        <p:attrNameLst>
+                                          <p:attrName>style.visibility</p:attrName>
+                                        </p:attrNameLst>
+                                      </p:cBhvr>
+                                      <p:to>
+                                        <p:strVal val="visible"/>
+                                      </p:to>
+                                    </p:set>
+                                    <p:animEffect transition="in" filter="checkerboard(across)">
                                       <p:cBhvr additive="repl">
                                         <p:cTn id="27" dur="500"/>
                                         <p:tgtEl>
-                                          <p:spTgt spid="116"/>
+                                          <p:spTgt spid="119">
+                                            <p:txEl>
+                                              <p:pRg st="3" end="3"/>
+                                            </p:txEl>
+                                          </p:spTgt>
                                         </p:tgtEl>
                                       </p:cBhvr>
                                     </p:animEffect>
@@ -5417,7 +6351,7 @@
                             </p:stCondLst>
                             <p:childTnLst>
                               <p:par>
-                                <p:cTn id="30" nodeType="clickEffect" fill="hold" presetClass="entr" presetID="12" presetSubtype="4">
+                                <p:cTn id="30" presetID="5" presetClass="entr" presetSubtype="10" fill="hold" nodeType="clickEffect">
                                   <p:stCondLst>
                                     <p:cond delay="0"/>
                                   </p:stCondLst>
@@ -5425,688 +6359,6 @@
                                     <p:set>
                                       <p:cBhvr>
                                         <p:cTn id="31" dur="1" fill="hold">
-                                          <p:stCondLst>
-                                            <p:cond delay="0"/>
-                                          </p:stCondLst>
-                                        </p:cTn>
-                                        <p:tgtEl>
-                                          <p:spTgt spid="117"/>
-                                        </p:tgtEl>
-                                        <p:attrNameLst>
-                                          <p:attrName>style.visibility</p:attrName>
-                                        </p:attrNameLst>
-                                      </p:cBhvr>
-                                      <p:to>
-                                        <p:strVal val="visible"/>
-                                      </p:to>
-                                    </p:set>
-                                    <p:animEffect filter="slide(fromBottom)" transition="in">
-                                      <p:cBhvr additive="repl">
-                                        <p:cTn id="32" dur="500"/>
-                                        <p:tgtEl>
-                                          <p:spTgt spid="117"/>
-                                        </p:tgtEl>
-                                      </p:cBhvr>
-                                    </p:animEffect>
-                                  </p:childTnLst>
-                                </p:cTn>
-                              </p:par>
-                            </p:childTnLst>
-                          </p:cTn>
-                        </p:par>
-                      </p:childTnLst>
-                    </p:cTn>
-                  </p:par>
-                </p:childTnLst>
-              </p:cTn>
-              <p:prevCondLst>
-                <p:cond delay="0" evt="onPrev">
-                  <p:tgtEl>
-                    <p:sldTgt/>
-                  </p:tgtEl>
-                </p:cond>
-              </p:prevCondLst>
-              <p:nextCondLst>
-                <p:cond delay="0" evt="onNext">
-                  <p:tgtEl>
-                    <p:sldTgt/>
-                  </p:tgtEl>
-                </p:cond>
-              </p:nextCondLst>
-            </p:seq>
-          </p:childTnLst>
-        </p:cTn>
-      </p:par>
-    </p:tnLst>
-  </p:timing>
-</p:sld>
-</file>
-
-<file path=ppt/slides/slide4.xml><?xml version="1.0" encoding="utf-8"?>
-<p:sld xmlns:a="http://schemas.openxmlformats.org/drawingml/2006/main" xmlns:p="http://schemas.openxmlformats.org/presentationml/2006/main" xmlns:r="http://schemas.openxmlformats.org/officeDocument/2006/relationships" xmlns:p14="http://schemas.microsoft.com/office/powerpoint/2010/main" xmlns:p15="http://schemas.microsoft.com/office/powerpoint/2012/main" xmlns:mc="http://schemas.openxmlformats.org/markup-compatibility/2006">
-  <p:cSld>
-    <p:spTree>
-      <p:nvGrpSpPr>
-        <p:cNvPr id="1" name=""/>
-        <p:cNvGrpSpPr/>
-        <p:nvPr/>
-      </p:nvGrpSpPr>
-      <p:grpSpPr>
-        <a:xfrm>
-          <a:off x="0" y="0"/>
-          <a:ext cx="0" cy="0"/>
-          <a:chOff x="0" y="0"/>
-          <a:chExt cx="0" cy="0"/>
-        </a:xfrm>
-      </p:grpSpPr>
-      <p:sp>
-        <p:nvSpPr>
-          <p:cNvPr id="118" name="TextShape 1"/>
-          <p:cNvSpPr txBox="1"/>
-          <p:nvPr/>
-        </p:nvSpPr>
-        <p:spPr>
-          <a:xfrm>
-            <a:off x="152280" y="304920"/>
-            <a:ext cx="7162560" cy="1706040"/>
-          </a:xfrm>
-          <a:prstGeom prst="rect">
-            <a:avLst/>
-          </a:prstGeom>
-          <a:noFill/>
-          <a:ln>
-            <a:noFill/>
-          </a:ln>
-        </p:spPr>
-        <p:txBody>
-          <a:bodyPr lIns="90000" rIns="90000" tIns="45000" bIns="45000" anchor="b"/>
-          <a:p>
-            <a:pPr>
-              <a:lnSpc>
-                <a:spcPct val="100000"/>
-              </a:lnSpc>
-            </a:pPr>
-            <a:r>
-              <a:rPr b="0" lang="en-US" sz="6600" spc="-1" strike="noStrike" cap="small">
-                <a:solidFill>
-                  <a:srgbClr val="575f6d"/>
-                </a:solidFill>
-                <a:latin typeface="comic"/>
-              </a:rPr>
-              <a:t>VULNERABLE GROUPS</a:t>
-            </a:r>
-            <a:endParaRPr b="0" lang="en-US" sz="6600" spc="-1" strike="noStrike">
-              <a:solidFill>
-                <a:srgbClr val="000000"/>
-              </a:solidFill>
-              <a:latin typeface="Century Schoolbook"/>
-            </a:endParaRPr>
-          </a:p>
-        </p:txBody>
-      </p:sp>
-      <p:sp>
-        <p:nvSpPr>
-          <p:cNvPr id="119" name="TextShape 2"/>
-          <p:cNvSpPr txBox="1"/>
-          <p:nvPr/>
-        </p:nvSpPr>
-        <p:spPr>
-          <a:xfrm>
-            <a:off x="152280" y="2286000"/>
-            <a:ext cx="3200040" cy="4114440"/>
-          </a:xfrm>
-          <a:prstGeom prst="rect">
-            <a:avLst/>
-          </a:prstGeom>
-          <a:noFill/>
-          <a:ln>
-            <a:noFill/>
-          </a:ln>
-        </p:spPr>
-        <p:txBody>
-          <a:bodyPr lIns="90000" rIns="90000" tIns="45000" bIns="45000"/>
-          <a:p>
-            <a:pPr marL="274320" indent="-273960">
-              <a:lnSpc>
-                <a:spcPct val="100000"/>
-              </a:lnSpc>
-              <a:spcBef>
-                <a:spcPts val="601"/>
-              </a:spcBef>
-              <a:buClr>
-                <a:srgbClr val="fe8637"/>
-              </a:buClr>
-              <a:buSzPct val="70000"/>
-              <a:buFont typeface="Wingdings" charset="2"/>
-              <a:buChar char=""/>
-            </a:pPr>
-            <a:r>
-              <a:rPr b="0" lang="en-US" sz="2400" spc="-1" strike="noStrike">
-                <a:solidFill>
-                  <a:srgbClr val="000000"/>
-                </a:solidFill>
-                <a:latin typeface="Century Schoolbook"/>
-              </a:rPr>
-              <a:t>Scheduled Tribes</a:t>
-            </a:r>
-            <a:endParaRPr b="0" lang="en-US" sz="2400" spc="-1" strike="noStrike">
-              <a:solidFill>
-                <a:srgbClr val="000000"/>
-              </a:solidFill>
-              <a:latin typeface="Century Schoolbook"/>
-            </a:endParaRPr>
-          </a:p>
-          <a:p>
-            <a:pPr marL="274320" indent="-273960">
-              <a:lnSpc>
-                <a:spcPct val="100000"/>
-              </a:lnSpc>
-              <a:spcBef>
-                <a:spcPts val="601"/>
-              </a:spcBef>
-              <a:buClr>
-                <a:srgbClr val="fe8637"/>
-              </a:buClr>
-              <a:buSzPct val="70000"/>
-              <a:buFont typeface="Wingdings" charset="2"/>
-              <a:buChar char=""/>
-            </a:pPr>
-            <a:r>
-              <a:rPr b="0" lang="en-US" sz="2400" spc="-1" strike="noStrike">
-                <a:solidFill>
-                  <a:srgbClr val="000000"/>
-                </a:solidFill>
-                <a:latin typeface="Century Schoolbook"/>
-              </a:rPr>
-              <a:t>Schedules Caste</a:t>
-            </a:r>
-            <a:endParaRPr b="0" lang="en-US" sz="2400" spc="-1" strike="noStrike">
-              <a:solidFill>
-                <a:srgbClr val="000000"/>
-              </a:solidFill>
-              <a:latin typeface="Century Schoolbook"/>
-            </a:endParaRPr>
-          </a:p>
-          <a:p>
-            <a:pPr marL="274320" indent="-273960">
-              <a:lnSpc>
-                <a:spcPct val="100000"/>
-              </a:lnSpc>
-              <a:spcBef>
-                <a:spcPts val="601"/>
-              </a:spcBef>
-              <a:buClr>
-                <a:srgbClr val="fe8637"/>
-              </a:buClr>
-              <a:buSzPct val="70000"/>
-              <a:buFont typeface="Wingdings" charset="2"/>
-              <a:buChar char=""/>
-            </a:pPr>
-            <a:r>
-              <a:rPr b="0" lang="en-US" sz="2400" spc="-1" strike="noStrike">
-                <a:solidFill>
-                  <a:srgbClr val="000000"/>
-                </a:solidFill>
-                <a:latin typeface="Century Schoolbook"/>
-              </a:rPr>
-              <a:t>Agricultural labour households</a:t>
-            </a:r>
-            <a:endParaRPr b="0" lang="en-US" sz="2400" spc="-1" strike="noStrike">
-              <a:solidFill>
-                <a:srgbClr val="000000"/>
-              </a:solidFill>
-              <a:latin typeface="Century Schoolbook"/>
-            </a:endParaRPr>
-          </a:p>
-          <a:p>
-            <a:pPr marL="274320" indent="-273960">
-              <a:lnSpc>
-                <a:spcPct val="100000"/>
-              </a:lnSpc>
-              <a:spcBef>
-                <a:spcPts val="601"/>
-              </a:spcBef>
-              <a:buClr>
-                <a:srgbClr val="fe8637"/>
-              </a:buClr>
-              <a:buSzPct val="70000"/>
-              <a:buFont typeface="Wingdings" charset="2"/>
-              <a:buChar char=""/>
-            </a:pPr>
-            <a:r>
-              <a:rPr b="0" lang="en-US" sz="2400" spc="-1" strike="noStrike">
-                <a:solidFill>
-                  <a:srgbClr val="000000"/>
-                </a:solidFill>
-                <a:latin typeface="Century Schoolbook"/>
-              </a:rPr>
-              <a:t> </a:t>
-            </a:r>
-            <a:endParaRPr b="0" lang="en-US" sz="2400" spc="-1" strike="noStrike">
-              <a:solidFill>
-                <a:srgbClr val="000000"/>
-              </a:solidFill>
-              <a:latin typeface="Century Schoolbook"/>
-            </a:endParaRPr>
-          </a:p>
-        </p:txBody>
-      </p:sp>
-      <p:sp>
-        <p:nvSpPr>
-          <p:cNvPr id="120" name="CustomShape 3"/>
-          <p:cNvSpPr/>
-          <p:nvPr/>
-        </p:nvSpPr>
-        <p:spPr>
-          <a:xfrm>
-            <a:off x="155520" y="-144360"/>
-            <a:ext cx="304560" cy="304560"/>
-          </a:xfrm>
-          <a:prstGeom prst="rect">
-            <a:avLst/>
-          </a:prstGeom>
-          <a:noFill/>
-          <a:ln>
-            <a:noFill/>
-          </a:ln>
-        </p:spPr>
-        <p:style>
-          <a:lnRef idx="0"/>
-          <a:fillRef idx="0"/>
-          <a:effectRef idx="0"/>
-          <a:fontRef idx="minor"/>
-        </p:style>
-      </p:sp>
-      <p:sp>
-        <p:nvSpPr>
-          <p:cNvPr id="121" name="CustomShape 4"/>
-          <p:cNvSpPr/>
-          <p:nvPr/>
-        </p:nvSpPr>
-        <p:spPr>
-          <a:xfrm>
-            <a:off x="155520" y="-144360"/>
-            <a:ext cx="304560" cy="304560"/>
-          </a:xfrm>
-          <a:prstGeom prst="rect">
-            <a:avLst/>
-          </a:prstGeom>
-          <a:noFill/>
-          <a:ln>
-            <a:noFill/>
-          </a:ln>
-        </p:spPr>
-        <p:style>
-          <a:lnRef idx="0"/>
-          <a:fillRef idx="0"/>
-          <a:effectRef idx="0"/>
-          <a:fontRef idx="minor"/>
-        </p:style>
-      </p:sp>
-      <p:pic>
-        <p:nvPicPr>
-          <p:cNvPr id="122" name="Picture 8" descr=""/>
-          <p:cNvPicPr/>
-          <p:nvPr/>
-        </p:nvPicPr>
-        <p:blipFill>
-          <a:blip r:embed="rId1"/>
-          <a:stretch/>
-        </p:blipFill>
-        <p:spPr>
-          <a:xfrm>
-            <a:off x="3505320" y="1143000"/>
-            <a:ext cx="5181120" cy="5486040"/>
-          </a:xfrm>
-          <a:prstGeom prst="rect">
-            <a:avLst/>
-          </a:prstGeom>
-          <a:ln w="38160">
-            <a:solidFill>
-              <a:srgbClr val="000000"/>
-            </a:solidFill>
-            <a:miter/>
-          </a:ln>
-          <a:effectLst>
-            <a:outerShdw algn="tl" blurRad="50800" dir="2700000" dist="38100" rotWithShape="0">
-              <a:srgbClr val="000000">
-                <a:alpha val="43000"/>
-              </a:srgbClr>
-            </a:outerShdw>
-          </a:effectLst>
-        </p:spPr>
-      </p:pic>
-    </p:spTree>
-  </p:cSld>
-  <p:transition>
-    <p:wedge/>
-  </p:transition>
-  <p:timing>
-    <p:tnLst>
-      <p:par>
-        <p:cTn id="33" dur="indefinite" restart="never" nodeType="tmRoot">
-          <p:childTnLst>
-            <p:seq>
-              <p:cTn id="34" dur="indefinite" nodeType="mainSeq">
-                <p:childTnLst>
-                  <p:par>
-                    <p:cTn id="35" fill="hold">
-                      <p:stCondLst>
-                        <p:cond delay="indefinite"/>
-                      </p:stCondLst>
-                      <p:childTnLst>
-                        <p:par>
-                          <p:cTn id="36" fill="hold">
-                            <p:stCondLst>
-                              <p:cond delay="0"/>
-                            </p:stCondLst>
-                            <p:childTnLst>
-                              <p:par>
-                                <p:cTn id="37" nodeType="clickEffect" fill="hold" presetClass="entr" presetID="6" presetSubtype="16">
-                                  <p:stCondLst>
-                                    <p:cond delay="0"/>
-                                  </p:stCondLst>
-                                  <p:childTnLst>
-                                    <p:set>
-                                      <p:cBhvr>
-                                        <p:cTn id="38" dur="1" fill="hold">
-                                          <p:stCondLst>
-                                            <p:cond delay="0"/>
-                                          </p:stCondLst>
-                                        </p:cTn>
-                                        <p:tgtEl>
-                                          <p:spTgt spid="118"/>
-                                        </p:tgtEl>
-                                        <p:attrNameLst>
-                                          <p:attrName>style.visibility</p:attrName>
-                                        </p:attrNameLst>
-                                      </p:cBhvr>
-                                      <p:to>
-                                        <p:strVal val="visible"/>
-                                      </p:to>
-                                    </p:set>
-                                    <p:animEffect filter="circle(in)" transition="in">
-                                      <p:cBhvr additive="repl">
-                                        <p:cTn id="39" dur="2000"/>
-                                        <p:tgtEl>
-                                          <p:spTgt spid="118"/>
-                                        </p:tgtEl>
-                                      </p:cBhvr>
-                                    </p:animEffect>
-                                  </p:childTnLst>
-                                </p:cTn>
-                              </p:par>
-                            </p:childTnLst>
-                          </p:cTn>
-                        </p:par>
-                      </p:childTnLst>
-                    </p:cTn>
-                  </p:par>
-                  <p:par>
-                    <p:cTn id="40" fill="hold">
-                      <p:stCondLst>
-                        <p:cond delay="indefinite"/>
-                      </p:stCondLst>
-                      <p:childTnLst>
-                        <p:par>
-                          <p:cTn id="41" fill="hold">
-                            <p:stCondLst>
-                              <p:cond delay="0"/>
-                            </p:stCondLst>
-                            <p:childTnLst>
-                              <p:par>
-                                <p:cTn id="42" nodeType="clickEffect" fill="hold" presetClass="entr" presetID="5" presetSubtype="10">
-                                  <p:stCondLst>
-                                    <p:cond delay="0"/>
-                                  </p:stCondLst>
-                                  <p:childTnLst>
-                                    <p:set>
-                                      <p:cBhvr>
-                                        <p:cTn id="43" dur="1" fill="hold">
-                                          <p:stCondLst>
-                                            <p:cond delay="0"/>
-                                          </p:stCondLst>
-                                        </p:cTn>
-                                        <p:tgtEl>
-                                          <p:spTgt spid="119">
-                                            <p:txEl>
-                                              <p:pRg st="0" end="0"/>
-                                            </p:txEl>
-                                          </p:spTgt>
-                                        </p:tgtEl>
-                                        <p:attrNameLst>
-                                          <p:attrName>style.visibility</p:attrName>
-                                        </p:attrNameLst>
-                                      </p:cBhvr>
-                                      <p:to>
-                                        <p:strVal val="visible"/>
-                                      </p:to>
-                                    </p:set>
-                                    <p:animEffect filter="checkerboard(across)" transition="in">
-                                      <p:cBhvr additive="repl">
-                                        <p:cTn id="44" dur="500"/>
-                                        <p:tgtEl>
-                                          <p:spTgt spid="119">
-                                            <p:txEl>
-                                              <p:pRg st="0" end="0"/>
-                                            </p:txEl>
-                                          </p:spTgt>
-                                        </p:tgtEl>
-                                      </p:cBhvr>
-                                    </p:animEffect>
-                                  </p:childTnLst>
-                                </p:cTn>
-                              </p:par>
-                            </p:childTnLst>
-                          </p:cTn>
-                        </p:par>
-                      </p:childTnLst>
-                    </p:cTn>
-                  </p:par>
-                  <p:par>
-                    <p:cTn id="45" fill="hold">
-                      <p:stCondLst>
-                        <p:cond delay="indefinite"/>
-                      </p:stCondLst>
-                      <p:childTnLst>
-                        <p:par>
-                          <p:cTn id="46" fill="hold">
-                            <p:stCondLst>
-                              <p:cond delay="0"/>
-                            </p:stCondLst>
-                            <p:childTnLst>
-                              <p:par>
-                                <p:cTn id="47" nodeType="clickEffect" fill="hold" presetClass="entr" presetID="5" presetSubtype="10">
-                                  <p:stCondLst>
-                                    <p:cond delay="0"/>
-                                  </p:stCondLst>
-                                  <p:childTnLst>
-                                    <p:set>
-                                      <p:cBhvr>
-                                        <p:cTn id="48" dur="1" fill="hold">
-                                          <p:stCondLst>
-                                            <p:cond delay="0"/>
-                                          </p:stCondLst>
-                                        </p:cTn>
-                                        <p:tgtEl>
-                                          <p:spTgt spid="119">
-                                            <p:txEl>
-                                              <p:pRg st="1" end="1"/>
-                                            </p:txEl>
-                                          </p:spTgt>
-                                        </p:tgtEl>
-                                        <p:attrNameLst>
-                                          <p:attrName>style.visibility</p:attrName>
-                                        </p:attrNameLst>
-                                      </p:cBhvr>
-                                      <p:to>
-                                        <p:strVal val="visible"/>
-                                      </p:to>
-                                    </p:set>
-                                    <p:animEffect filter="checkerboard(across)" transition="in">
-                                      <p:cBhvr additive="repl">
-                                        <p:cTn id="49" dur="500"/>
-                                        <p:tgtEl>
-                                          <p:spTgt spid="119">
-                                            <p:txEl>
-                                              <p:pRg st="1" end="1"/>
-                                            </p:txEl>
-                                          </p:spTgt>
-                                        </p:tgtEl>
-                                      </p:cBhvr>
-                                    </p:animEffect>
-                                  </p:childTnLst>
-                                </p:cTn>
-                              </p:par>
-                            </p:childTnLst>
-                          </p:cTn>
-                        </p:par>
-                      </p:childTnLst>
-                    </p:cTn>
-                  </p:par>
-                  <p:par>
-                    <p:cTn id="50" fill="hold">
-                      <p:stCondLst>
-                        <p:cond delay="indefinite"/>
-                      </p:stCondLst>
-                      <p:childTnLst>
-                        <p:par>
-                          <p:cTn id="51" fill="hold">
-                            <p:stCondLst>
-                              <p:cond delay="0"/>
-                            </p:stCondLst>
-                            <p:childTnLst>
-                              <p:par>
-                                <p:cTn id="52" nodeType="clickEffect" fill="hold" presetClass="entr" presetID="5" presetSubtype="10">
-                                  <p:stCondLst>
-                                    <p:cond delay="0"/>
-                                  </p:stCondLst>
-                                  <p:childTnLst>
-                                    <p:set>
-                                      <p:cBhvr>
-                                        <p:cTn id="53" dur="1" fill="hold">
-                                          <p:stCondLst>
-                                            <p:cond delay="0"/>
-                                          </p:stCondLst>
-                                        </p:cTn>
-                                        <p:tgtEl>
-                                          <p:spTgt spid="119">
-                                            <p:txEl>
-                                              <p:pRg st="2" end="2"/>
-                                            </p:txEl>
-                                          </p:spTgt>
-                                        </p:tgtEl>
-                                        <p:attrNameLst>
-                                          <p:attrName>style.visibility</p:attrName>
-                                        </p:attrNameLst>
-                                      </p:cBhvr>
-                                      <p:to>
-                                        <p:strVal val="visible"/>
-                                      </p:to>
-                                    </p:set>
-                                    <p:animEffect filter="checkerboard(across)" transition="in">
-                                      <p:cBhvr additive="repl">
-                                        <p:cTn id="54" dur="500"/>
-                                        <p:tgtEl>
-                                          <p:spTgt spid="119">
-                                            <p:txEl>
-                                              <p:pRg st="2" end="2"/>
-                                            </p:txEl>
-                                          </p:spTgt>
-                                        </p:tgtEl>
-                                      </p:cBhvr>
-                                    </p:animEffect>
-                                  </p:childTnLst>
-                                </p:cTn>
-                              </p:par>
-                            </p:childTnLst>
-                          </p:cTn>
-                        </p:par>
-                      </p:childTnLst>
-                    </p:cTn>
-                  </p:par>
-                  <p:par>
-                    <p:cTn id="55" fill="hold">
-                      <p:stCondLst>
-                        <p:cond delay="indefinite"/>
-                      </p:stCondLst>
-                      <p:childTnLst>
-                        <p:par>
-                          <p:cTn id="56" fill="hold">
-                            <p:stCondLst>
-                              <p:cond delay="0"/>
-                            </p:stCondLst>
-                            <p:childTnLst>
-                              <p:par>
-                                <p:cTn id="57" nodeType="clickEffect" fill="hold" presetClass="entr" presetID="5" presetSubtype="10">
-                                  <p:stCondLst>
-                                    <p:cond delay="0"/>
-                                  </p:stCondLst>
-                                  <p:childTnLst>
-                                    <p:set>
-                                      <p:cBhvr>
-                                        <p:cTn id="58" dur="1" fill="hold">
-                                          <p:stCondLst>
-                                            <p:cond delay="0"/>
-                                          </p:stCondLst>
-                                        </p:cTn>
-                                        <p:tgtEl>
-                                          <p:spTgt spid="119">
-                                            <p:txEl>
-                                              <p:pRg st="3" end="3"/>
-                                            </p:txEl>
-                                          </p:spTgt>
-                                        </p:tgtEl>
-                                        <p:attrNameLst>
-                                          <p:attrName>style.visibility</p:attrName>
-                                        </p:attrNameLst>
-                                      </p:cBhvr>
-                                      <p:to>
-                                        <p:strVal val="visible"/>
-                                      </p:to>
-                                    </p:set>
-                                    <p:animEffect filter="checkerboard(across)" transition="in">
-                                      <p:cBhvr additive="repl">
-                                        <p:cTn id="59" dur="500"/>
-                                        <p:tgtEl>
-                                          <p:spTgt spid="119">
-                                            <p:txEl>
-                                              <p:pRg st="3" end="3"/>
-                                            </p:txEl>
-                                          </p:spTgt>
-                                        </p:tgtEl>
-                                      </p:cBhvr>
-                                    </p:animEffect>
-                                  </p:childTnLst>
-                                </p:cTn>
-                              </p:par>
-                            </p:childTnLst>
-                          </p:cTn>
-                        </p:par>
-                      </p:childTnLst>
-                    </p:cTn>
-                  </p:par>
-                  <p:par>
-                    <p:cTn id="60" fill="hold">
-                      <p:stCondLst>
-                        <p:cond delay="indefinite"/>
-                      </p:stCondLst>
-                      <p:childTnLst>
-                        <p:par>
-                          <p:cTn id="61" fill="hold">
-                            <p:stCondLst>
-                              <p:cond delay="0"/>
-                            </p:stCondLst>
-                            <p:childTnLst>
-                              <p:par>
-                                <p:cTn id="62" nodeType="clickEffect" fill="hold" presetClass="entr" presetID="5" presetSubtype="10">
-                                  <p:stCondLst>
-                                    <p:cond delay="0"/>
-                                  </p:stCondLst>
-                                  <p:childTnLst>
-                                    <p:set>
-                                      <p:cBhvr>
-                                        <p:cTn id="63" dur="1" fill="hold">
                                           <p:stCondLst>
                                             <p:cond delay="0"/>
                                           </p:stCondLst>
@@ -6122,9 +6374,9 @@
                                         <p:strVal val="visible"/>
                                       </p:to>
                                     </p:set>
-                                    <p:animEffect filter="checkerboard(across)" transition="in">
+                                    <p:animEffect transition="in" filter="checkerboard(across)">
                                       <p:cBhvr additive="repl">
-                                        <p:cTn id="64" dur="500"/>
+                                        <p:cTn id="32" dur="500"/>
                                         <p:tgtEl>
                                           <p:spTgt spid="122"/>
                                         </p:tgtEl>
@@ -6142,14 +6394,14 @@
                 </p:childTnLst>
               </p:cTn>
               <p:prevCondLst>
-                <p:cond delay="0" evt="onPrev">
+                <p:cond evt="onPrev" delay="0">
                   <p:tgtEl>
                     <p:sldTgt/>
                   </p:tgtEl>
                 </p:cond>
               </p:prevCondLst>
               <p:nextCondLst>
-                <p:cond delay="0" evt="onNext">
+                <p:cond evt="onNext" delay="0">
                   <p:tgtEl>
                     <p:sldTgt/>
                   </p:tgtEl>
@@ -6165,7 +6417,7 @@
 </file>
 
 <file path=ppt/slides/slide5.xml><?xml version="1.0" encoding="utf-8"?>
-<p:sld xmlns:a="http://schemas.openxmlformats.org/drawingml/2006/main" xmlns:p="http://schemas.openxmlformats.org/presentationml/2006/main" xmlns:r="http://schemas.openxmlformats.org/officeDocument/2006/relationships" xmlns:p14="http://schemas.microsoft.com/office/powerpoint/2010/main" xmlns:p15="http://schemas.microsoft.com/office/powerpoint/2012/main" xmlns:mc="http://schemas.openxmlformats.org/markup-compatibility/2006">
+<p:sld xmlns:a="http://schemas.openxmlformats.org/drawingml/2006/main" xmlns:r="http://schemas.openxmlformats.org/officeDocument/2006/relationships" xmlns:p="http://schemas.openxmlformats.org/presentationml/2006/main">
   <p:cSld>
     <p:spTree>
       <p:nvGrpSpPr>
@@ -6201,7 +6453,7 @@
           </a:ln>
         </p:spPr>
         <p:txBody>
-          <a:bodyPr lIns="90000" rIns="90000" tIns="45000" bIns="45000" anchor="b"/>
+          <a:bodyPr lIns="90000" tIns="45000" rIns="90000" bIns="45000" anchor="b"/>
           <a:p>
             <a:pPr>
               <a:lnSpc>
@@ -6209,15 +6461,15 @@
               </a:lnSpc>
             </a:pPr>
             <a:r>
-              <a:rPr b="0" lang="en-US" sz="6000" spc="-1" strike="noStrike" cap="small">
+              <a:rPr lang="en-US" sz="6000" b="0" strike="noStrike" cap="small" spc="-1">
                 <a:solidFill>
-                  <a:srgbClr val="575f6d"/>
+                  <a:srgbClr val="575F6D"/>
                 </a:solidFill>
                 <a:latin typeface="comic"/>
               </a:rPr>
               <a:t>WHY IS THIS HAPPENING????</a:t>
             </a:r>
-            <a:endParaRPr b="0" lang="en-US" sz="6000" spc="-1" strike="noStrike">
+            <a:endParaRPr lang="en-US" sz="6000" b="0" strike="noStrike" spc="-1">
               <a:solidFill>
                 <a:srgbClr val="000000"/>
               </a:solidFill>
@@ -6246,24 +6498,24 @@
           </a:ln>
         </p:spPr>
         <p:txBody>
-          <a:bodyPr lIns="90000" rIns="90000" tIns="45000" bIns="45000"/>
-          <a:p>
-            <a:pPr marL="274320" indent="-273960">
+          <a:bodyPr lIns="90000" tIns="45000" rIns="90000" bIns="45000"/>
+          <a:p>
+            <a:pPr marL="274320" indent="-273685">
               <a:lnSpc>
                 <a:spcPct val="100000"/>
               </a:lnSpc>
               <a:spcBef>
-                <a:spcPts val="601"/>
+                <a:spcPts val="600"/>
               </a:spcBef>
               <a:buClr>
-                <a:srgbClr val="fe8637"/>
+                <a:srgbClr val="FE8637"/>
               </a:buClr>
               <a:buSzPct val="70000"/>
-              <a:buFont typeface="Wingdings" charset="2"/>
+              <a:buFont typeface="Wingdings" panose="05000000000000000000" pitchFamily="2" charset="2"/>
               <a:buChar char=""/>
             </a:pPr>
             <a:r>
-              <a:rPr b="0" lang="en-US" sz="2400" spc="-1" strike="noStrike">
+              <a:rPr lang="en-US" sz="2400" b="0" strike="noStrike" spc="-1">
                 <a:solidFill>
                   <a:srgbClr val="000000"/>
                 </a:solidFill>
@@ -6271,30 +6523,30 @@
               </a:rPr>
               <a:t>Even though India’s economy is growing , their wealth distribution is uneven.</a:t>
             </a:r>
-            <a:endParaRPr b="0" lang="en-US" sz="2400" spc="-1" strike="noStrike">
-              <a:solidFill>
-                <a:srgbClr val="000000"/>
-              </a:solidFill>
-              <a:latin typeface="Century Schoolbook"/>
-            </a:endParaRPr>
-          </a:p>
-          <a:p>
-            <a:pPr marL="274320" indent="-273960">
+            <a:endParaRPr lang="en-US" sz="2400" b="0" strike="noStrike" spc="-1">
+              <a:solidFill>
+                <a:srgbClr val="000000"/>
+              </a:solidFill>
+              <a:latin typeface="Century Schoolbook"/>
+            </a:endParaRPr>
+          </a:p>
+          <a:p>
+            <a:pPr marL="274320" indent="-273685">
               <a:lnSpc>
                 <a:spcPct val="100000"/>
               </a:lnSpc>
               <a:spcBef>
-                <a:spcPts val="601"/>
+                <a:spcPts val="600"/>
               </a:spcBef>
               <a:buClr>
-                <a:srgbClr val="fe8637"/>
+                <a:srgbClr val="FE8637"/>
               </a:buClr>
               <a:buSzPct val="70000"/>
-              <a:buFont typeface="Wingdings" charset="2"/>
+              <a:buFont typeface="Wingdings" panose="05000000000000000000" pitchFamily="2" charset="2"/>
               <a:buChar char=""/>
             </a:pPr>
             <a:r>
-              <a:rPr b="0" lang="en-US" sz="2400" spc="-1" strike="noStrike">
+              <a:rPr lang="en-US" sz="2400" b="0" strike="noStrike" spc="-1">
                 <a:solidFill>
                   <a:srgbClr val="000000"/>
                 </a:solidFill>
@@ -6302,30 +6554,30 @@
               </a:rPr>
               <a:t>¼ of the nation’s population earns less than the government specified $0.40 a day.</a:t>
             </a:r>
-            <a:endParaRPr b="0" lang="en-US" sz="2400" spc="-1" strike="noStrike">
-              <a:solidFill>
-                <a:srgbClr val="000000"/>
-              </a:solidFill>
-              <a:latin typeface="Century Schoolbook"/>
-            </a:endParaRPr>
-          </a:p>
-          <a:p>
-            <a:pPr marL="274320" indent="-273960">
+            <a:endParaRPr lang="en-US" sz="2400" b="0" strike="noStrike" spc="-1">
+              <a:solidFill>
+                <a:srgbClr val="000000"/>
+              </a:solidFill>
+              <a:latin typeface="Century Schoolbook"/>
+            </a:endParaRPr>
+          </a:p>
+          <a:p>
+            <a:pPr marL="274320" indent="-273685">
               <a:lnSpc>
                 <a:spcPct val="100000"/>
               </a:lnSpc>
               <a:spcBef>
-                <a:spcPts val="601"/>
+                <a:spcPts val="600"/>
               </a:spcBef>
               <a:buClr>
-                <a:srgbClr val="fe8637"/>
+                <a:srgbClr val="FE8637"/>
               </a:buClr>
               <a:buSzPct val="70000"/>
-              <a:buFont typeface="Wingdings" charset="2"/>
+              <a:buFont typeface="Wingdings" panose="05000000000000000000" pitchFamily="2" charset="2"/>
               <a:buChar char=""/>
             </a:pPr>
             <a:r>
-              <a:rPr b="0" lang="en-US" sz="2400" spc="-1" strike="noStrike">
+              <a:rPr lang="en-US" sz="2400" b="0" strike="noStrike" spc="-1">
                 <a:solidFill>
                   <a:srgbClr val="000000"/>
                 </a:solidFill>
@@ -6333,30 +6585,30 @@
               </a:rPr>
               <a:t>Unemployment and underemployment.</a:t>
             </a:r>
-            <a:endParaRPr b="0" lang="en-US" sz="2400" spc="-1" strike="noStrike">
-              <a:solidFill>
-                <a:srgbClr val="000000"/>
-              </a:solidFill>
-              <a:latin typeface="Century Schoolbook"/>
-            </a:endParaRPr>
-          </a:p>
-          <a:p>
-            <a:pPr marL="274320" indent="-273960">
+            <a:endParaRPr lang="en-US" sz="2400" b="0" strike="noStrike" spc="-1">
+              <a:solidFill>
+                <a:srgbClr val="000000"/>
+              </a:solidFill>
+              <a:latin typeface="Century Schoolbook"/>
+            </a:endParaRPr>
+          </a:p>
+          <a:p>
+            <a:pPr marL="274320" indent="-273685">
               <a:lnSpc>
                 <a:spcPct val="100000"/>
               </a:lnSpc>
               <a:spcBef>
-                <a:spcPts val="601"/>
+                <a:spcPts val="600"/>
               </a:spcBef>
               <a:buClr>
-                <a:srgbClr val="fe8637"/>
+                <a:srgbClr val="FE8637"/>
               </a:buClr>
               <a:buSzPct val="70000"/>
-              <a:buFont typeface="Wingdings" charset="2"/>
+              <a:buFont typeface="Wingdings" panose="05000000000000000000" pitchFamily="2" charset="2"/>
               <a:buChar char=""/>
             </a:pPr>
             <a:r>
-              <a:rPr b="0" lang="en-US" sz="2400" spc="-1" strike="noStrike">
+              <a:rPr lang="en-US" sz="2400" b="0" strike="noStrike" spc="-1">
                 <a:solidFill>
                   <a:srgbClr val="000000"/>
                 </a:solidFill>
@@ -6364,30 +6616,30 @@
               </a:rPr>
               <a:t>Over-reliance on agriculture.</a:t>
             </a:r>
-            <a:endParaRPr b="0" lang="en-US" sz="2400" spc="-1" strike="noStrike">
-              <a:solidFill>
-                <a:srgbClr val="000000"/>
-              </a:solidFill>
-              <a:latin typeface="Century Schoolbook"/>
-            </a:endParaRPr>
-          </a:p>
-          <a:p>
-            <a:pPr marL="274320" indent="-273960">
+            <a:endParaRPr lang="en-US" sz="2400" b="0" strike="noStrike" spc="-1">
+              <a:solidFill>
+                <a:srgbClr val="000000"/>
+              </a:solidFill>
+              <a:latin typeface="Century Schoolbook"/>
+            </a:endParaRPr>
+          </a:p>
+          <a:p>
+            <a:pPr marL="274320" indent="-273685">
               <a:lnSpc>
                 <a:spcPct val="100000"/>
               </a:lnSpc>
               <a:spcBef>
-                <a:spcPts val="601"/>
+                <a:spcPts val="600"/>
               </a:spcBef>
               <a:buClr>
-                <a:srgbClr val="fe8637"/>
+                <a:srgbClr val="FE8637"/>
               </a:buClr>
               <a:buSzPct val="70000"/>
-              <a:buFont typeface="Wingdings" charset="2"/>
+              <a:buFont typeface="Wingdings" panose="05000000000000000000" pitchFamily="2" charset="2"/>
               <a:buChar char=""/>
             </a:pPr>
             <a:r>
-              <a:rPr b="0" lang="en-US" sz="2400" spc="-1" strike="noStrike">
+              <a:rPr lang="en-US" sz="2400" b="0" strike="noStrike" spc="-1">
                 <a:solidFill>
                   <a:srgbClr val="000000"/>
                 </a:solidFill>
@@ -6395,30 +6647,30 @@
               </a:rPr>
               <a:t>High population growth rate.</a:t>
             </a:r>
-            <a:endParaRPr b="0" lang="en-US" sz="2400" spc="-1" strike="noStrike">
-              <a:solidFill>
-                <a:srgbClr val="000000"/>
-              </a:solidFill>
-              <a:latin typeface="Century Schoolbook"/>
-            </a:endParaRPr>
-          </a:p>
-          <a:p>
-            <a:pPr marL="274320" indent="-273960">
+            <a:endParaRPr lang="en-US" sz="2400" b="0" strike="noStrike" spc="-1">
+              <a:solidFill>
+                <a:srgbClr val="000000"/>
+              </a:solidFill>
+              <a:latin typeface="Century Schoolbook"/>
+            </a:endParaRPr>
+          </a:p>
+          <a:p>
+            <a:pPr marL="274320" indent="-273685">
               <a:lnSpc>
                 <a:spcPct val="100000"/>
               </a:lnSpc>
               <a:spcBef>
-                <a:spcPts val="601"/>
+                <a:spcPts val="600"/>
               </a:spcBef>
               <a:buClr>
-                <a:srgbClr val="fe8637"/>
+                <a:srgbClr val="FE8637"/>
               </a:buClr>
               <a:buSzPct val="70000"/>
-              <a:buFont typeface="Wingdings" charset="2"/>
+              <a:buFont typeface="Wingdings" panose="05000000000000000000" pitchFamily="2" charset="2"/>
               <a:buChar char=""/>
             </a:pPr>
             <a:r>
-              <a:rPr b="0" lang="en-US" sz="2400" spc="-1" strike="noStrike">
+              <a:rPr lang="en-US" sz="2400" b="0" strike="noStrike" spc="-1">
                 <a:solidFill>
                   <a:srgbClr val="000000"/>
                 </a:solidFill>
@@ -6426,7 +6678,7 @@
               </a:rPr>
               <a:t> </a:t>
             </a:r>
-            <a:endParaRPr b="0" lang="en-US" sz="2400" spc="-1" strike="noStrike">
+            <a:endParaRPr lang="en-US" sz="2400" b="0" strike="noStrike" spc="-1">
               <a:solidFill>
                 <a:srgbClr val="000000"/>
               </a:solidFill>
@@ -6437,38 +6689,41 @@
       </p:sp>
     </p:spTree>
   </p:cSld>
+  <p:clrMapOvr>
+    <a:masterClrMapping/>
+  </p:clrMapOvr>
   <p:transition>
     <p:wedge/>
   </p:transition>
   <p:timing>
     <p:tnLst>
       <p:par>
-        <p:cTn id="65" dur="indefinite" restart="never" nodeType="tmRoot">
+        <p:cTn id="1" dur="indefinite" restart="never" nodeType="tmRoot">
           <p:childTnLst>
-            <p:seq>
-              <p:cTn id="66" dur="indefinite" nodeType="mainSeq">
+            <p:seq concurrent="1" nextAc="seek">
+              <p:cTn id="2" dur="indefinite" nodeType="mainSeq">
                 <p:childTnLst>
                   <p:par>
-                    <p:cTn id="67" fill="hold">
+                    <p:cTn id="3" fill="hold">
                       <p:stCondLst>
                         <p:cond delay="indefinite"/>
                       </p:stCondLst>
                       <p:childTnLst>
                         <p:par>
-                          <p:cTn id="68" fill="hold">
+                          <p:cTn id="4" fill="hold">
                             <p:stCondLst>
                               <p:cond delay="0"/>
                             </p:stCondLst>
                             <p:childTnLst>
                               <p:par>
-                                <p:cTn id="69" nodeType="clickEffect" fill="hold" presetClass="entr" presetID="6" presetSubtype="16">
+                                <p:cTn id="5" presetID="6" presetClass="entr" presetSubtype="16" fill="hold" nodeType="clickEffect">
                                   <p:stCondLst>
                                     <p:cond delay="0"/>
                                   </p:stCondLst>
                                   <p:childTnLst>
                                     <p:set>
                                       <p:cBhvr>
-                                        <p:cTn id="70" dur="1" fill="hold">
+                                        <p:cTn id="6" dur="1" fill="hold">
                                           <p:stCondLst>
                                             <p:cond delay="0"/>
                                           </p:stCondLst>
@@ -6484,9 +6739,9 @@
                                         <p:strVal val="visible"/>
                                       </p:to>
                                     </p:set>
-                                    <p:animEffect filter="circle(in)" transition="in">
+                                    <p:animEffect transition="in" filter="circle(in)">
                                       <p:cBhvr additive="repl">
-                                        <p:cTn id="71" dur="2000"/>
+                                        <p:cTn id="7" dur="2000"/>
                                         <p:tgtEl>
                                           <p:spTgt spid="123"/>
                                         </p:tgtEl>
@@ -6502,26 +6757,26 @@
                     </p:cTn>
                   </p:par>
                   <p:par>
-                    <p:cTn id="72" fill="hold">
+                    <p:cTn id="8" fill="hold">
                       <p:stCondLst>
                         <p:cond delay="indefinite"/>
                       </p:stCondLst>
                       <p:childTnLst>
                         <p:par>
-                          <p:cTn id="73" fill="hold">
+                          <p:cTn id="9" fill="hold">
                             <p:stCondLst>
                               <p:cond delay="0"/>
                             </p:stCondLst>
                             <p:childTnLst>
                               <p:par>
-                                <p:cTn id="74" nodeType="clickEffect" fill="hold" presetClass="entr" presetID="16" presetSubtype="26">
+                                <p:cTn id="10" presetID="16" presetClass="entr" presetSubtype="26" fill="hold" nodeType="clickEffect">
                                   <p:stCondLst>
                                     <p:cond delay="0"/>
                                   </p:stCondLst>
                                   <p:childTnLst>
                                     <p:set>
                                       <p:cBhvr>
-                                        <p:cTn id="75" dur="1" fill="hold">
+                                        <p:cTn id="11" dur="1" fill="hold">
                                           <p:stCondLst>
                                             <p:cond delay="0"/>
                                           </p:stCondLst>
@@ -6541,9 +6796,9 @@
                                         <p:strVal val="visible"/>
                                       </p:to>
                                     </p:set>
-                                    <p:animEffect filter="barn(inHorizontal)" transition="in">
+                                    <p:animEffect transition="in" filter="barn(inHorizontal)">
                                       <p:cBhvr additive="repl">
-                                        <p:cTn id="76" dur="500"/>
+                                        <p:cTn id="12" dur="500"/>
                                         <p:tgtEl>
                                           <p:spTgt spid="124">
                                             <p:txEl>
@@ -6563,26 +6818,26 @@
                     </p:cTn>
                   </p:par>
                   <p:par>
-                    <p:cTn id="77" fill="hold">
+                    <p:cTn id="13" fill="hold">
                       <p:stCondLst>
                         <p:cond delay="indefinite"/>
                       </p:stCondLst>
                       <p:childTnLst>
                         <p:par>
-                          <p:cTn id="78" fill="hold">
+                          <p:cTn id="14" fill="hold">
                             <p:stCondLst>
                               <p:cond delay="0"/>
                             </p:stCondLst>
                             <p:childTnLst>
                               <p:par>
-                                <p:cTn id="79" nodeType="clickEffect" fill="hold" presetClass="entr" presetID="16" presetSubtype="26">
+                                <p:cTn id="15" presetID="16" presetClass="entr" presetSubtype="26" fill="hold" nodeType="clickEffect">
                                   <p:stCondLst>
                                     <p:cond delay="0"/>
                                   </p:stCondLst>
                                   <p:childTnLst>
                                     <p:set>
                                       <p:cBhvr>
-                                        <p:cTn id="80" dur="1" fill="hold">
+                                        <p:cTn id="16" dur="1" fill="hold">
                                           <p:stCondLst>
                                             <p:cond delay="0"/>
                                           </p:stCondLst>
@@ -6602,9 +6857,9 @@
                                         <p:strVal val="visible"/>
                                       </p:to>
                                     </p:set>
-                                    <p:animEffect filter="barn(inHorizontal)" transition="in">
+                                    <p:animEffect transition="in" filter="barn(inHorizontal)">
                                       <p:cBhvr additive="repl">
-                                        <p:cTn id="81" dur="500"/>
+                                        <p:cTn id="17" dur="500"/>
                                         <p:tgtEl>
                                           <p:spTgt spid="124">
                                             <p:txEl>
@@ -6624,26 +6879,26 @@
                     </p:cTn>
                   </p:par>
                   <p:par>
-                    <p:cTn id="82" fill="hold">
+                    <p:cTn id="18" fill="hold">
                       <p:stCondLst>
                         <p:cond delay="indefinite"/>
                       </p:stCondLst>
                       <p:childTnLst>
                         <p:par>
-                          <p:cTn id="83" fill="hold">
+                          <p:cTn id="19" fill="hold">
                             <p:stCondLst>
                               <p:cond delay="0"/>
                             </p:stCondLst>
                             <p:childTnLst>
                               <p:par>
-                                <p:cTn id="84" nodeType="clickEffect" fill="hold" presetClass="entr" presetID="16" presetSubtype="26">
+                                <p:cTn id="20" presetID="16" presetClass="entr" presetSubtype="26" fill="hold" nodeType="clickEffect">
                                   <p:stCondLst>
                                     <p:cond delay="0"/>
                                   </p:stCondLst>
                                   <p:childTnLst>
                                     <p:set>
                                       <p:cBhvr>
-                                        <p:cTn id="85" dur="1" fill="hold">
+                                        <p:cTn id="21" dur="1" fill="hold">
                                           <p:stCondLst>
                                             <p:cond delay="0"/>
                                           </p:stCondLst>
@@ -6663,9 +6918,9 @@
                                         <p:strVal val="visible"/>
                                       </p:to>
                                     </p:set>
-                                    <p:animEffect filter="barn(inHorizontal)" transition="in">
+                                    <p:animEffect transition="in" filter="barn(inHorizontal)">
                                       <p:cBhvr additive="repl">
-                                        <p:cTn id="86" dur="500"/>
+                                        <p:cTn id="22" dur="500"/>
                                         <p:tgtEl>
                                           <p:spTgt spid="124">
                                             <p:txEl>
@@ -6685,26 +6940,26 @@
                     </p:cTn>
                   </p:par>
                   <p:par>
-                    <p:cTn id="87" fill="hold">
+                    <p:cTn id="23" fill="hold">
                       <p:stCondLst>
                         <p:cond delay="indefinite"/>
                       </p:stCondLst>
                       <p:childTnLst>
                         <p:par>
-                          <p:cTn id="88" fill="hold">
+                          <p:cTn id="24" fill="hold">
                             <p:stCondLst>
                               <p:cond delay="0"/>
                             </p:stCondLst>
                             <p:childTnLst>
                               <p:par>
-                                <p:cTn id="89" nodeType="clickEffect" fill="hold" presetClass="entr" presetID="16" presetSubtype="26">
+                                <p:cTn id="25" presetID="16" presetClass="entr" presetSubtype="26" fill="hold" nodeType="clickEffect">
                                   <p:stCondLst>
                                     <p:cond delay="0"/>
                                   </p:stCondLst>
                                   <p:childTnLst>
                                     <p:set>
                                       <p:cBhvr>
-                                        <p:cTn id="90" dur="1" fill="hold">
+                                        <p:cTn id="26" dur="1" fill="hold">
                                           <p:stCondLst>
                                             <p:cond delay="0"/>
                                           </p:stCondLst>
@@ -6724,9 +6979,9 @@
                                         <p:strVal val="visible"/>
                                       </p:to>
                                     </p:set>
-                                    <p:animEffect filter="barn(inHorizontal)" transition="in">
+                                    <p:animEffect transition="in" filter="barn(inHorizontal)">
                                       <p:cBhvr additive="repl">
-                                        <p:cTn id="91" dur="500"/>
+                                        <p:cTn id="27" dur="500"/>
                                         <p:tgtEl>
                                           <p:spTgt spid="124">
                                             <p:txEl>
@@ -6746,26 +7001,26 @@
                     </p:cTn>
                   </p:par>
                   <p:par>
-                    <p:cTn id="92" fill="hold">
+                    <p:cTn id="28" fill="hold">
                       <p:stCondLst>
                         <p:cond delay="indefinite"/>
                       </p:stCondLst>
                       <p:childTnLst>
                         <p:par>
-                          <p:cTn id="93" fill="hold">
+                          <p:cTn id="29" fill="hold">
                             <p:stCondLst>
                               <p:cond delay="0"/>
                             </p:stCondLst>
                             <p:childTnLst>
                               <p:par>
-                                <p:cTn id="94" nodeType="clickEffect" fill="hold" presetClass="entr" presetID="16" presetSubtype="26">
+                                <p:cTn id="30" presetID="16" presetClass="entr" presetSubtype="26" fill="hold" nodeType="clickEffect">
                                   <p:stCondLst>
                                     <p:cond delay="0"/>
                                   </p:stCondLst>
                                   <p:childTnLst>
                                     <p:set>
                                       <p:cBhvr>
-                                        <p:cTn id="95" dur="1" fill="hold">
+                                        <p:cTn id="31" dur="1" fill="hold">
                                           <p:stCondLst>
                                             <p:cond delay="0"/>
                                           </p:stCondLst>
@@ -6785,9 +7040,9 @@
                                         <p:strVal val="visible"/>
                                       </p:to>
                                     </p:set>
-                                    <p:animEffect filter="barn(inHorizontal)" transition="in">
+                                    <p:animEffect transition="in" filter="barn(inHorizontal)">
                                       <p:cBhvr additive="repl">
-                                        <p:cTn id="96" dur="500"/>
+                                        <p:cTn id="32" dur="500"/>
                                         <p:tgtEl>
                                           <p:spTgt spid="124">
                                             <p:txEl>
@@ -6807,26 +7062,26 @@
                     </p:cTn>
                   </p:par>
                   <p:par>
-                    <p:cTn id="97" fill="hold">
+                    <p:cTn id="33" fill="hold">
                       <p:stCondLst>
                         <p:cond delay="indefinite"/>
                       </p:stCondLst>
                       <p:childTnLst>
                         <p:par>
-                          <p:cTn id="98" fill="hold">
+                          <p:cTn id="34" fill="hold">
                             <p:stCondLst>
                               <p:cond delay="0"/>
                             </p:stCondLst>
                             <p:childTnLst>
                               <p:par>
-                                <p:cTn id="99" nodeType="clickEffect" fill="hold" presetClass="entr" presetID="16" presetSubtype="26">
+                                <p:cTn id="35" presetID="16" presetClass="entr" presetSubtype="26" fill="hold" nodeType="clickEffect">
                                   <p:stCondLst>
                                     <p:cond delay="0"/>
                                   </p:stCondLst>
                                   <p:childTnLst>
                                     <p:set>
                                       <p:cBhvr>
-                                        <p:cTn id="100" dur="1" fill="hold">
+                                        <p:cTn id="36" dur="1" fill="hold">
                                           <p:stCondLst>
                                             <p:cond delay="0"/>
                                           </p:stCondLst>
@@ -6846,9 +7101,9 @@
                                         <p:strVal val="visible"/>
                                       </p:to>
                                     </p:set>
-                                    <p:animEffect filter="barn(inHorizontal)" transition="in">
+                                    <p:animEffect transition="in" filter="barn(inHorizontal)">
                                       <p:cBhvr additive="repl">
-                                        <p:cTn id="101" dur="500"/>
+                                        <p:cTn id="37" dur="500"/>
                                         <p:tgtEl>
                                           <p:spTgt spid="124">
                                             <p:txEl>
@@ -6870,14 +7125,14 @@
                 </p:childTnLst>
               </p:cTn>
               <p:prevCondLst>
-                <p:cond delay="0" evt="onPrev">
+                <p:cond evt="onPrev" delay="0">
                   <p:tgtEl>
                     <p:sldTgt/>
                   </p:tgtEl>
                 </p:cond>
               </p:prevCondLst>
               <p:nextCondLst>
-                <p:cond delay="0" evt="onNext">
+                <p:cond evt="onNext" delay="0">
                   <p:tgtEl>
                     <p:sldTgt/>
                   </p:tgtEl>
@@ -6893,7 +7148,7 @@
 </file>
 
 <file path=ppt/slides/slide6.xml><?xml version="1.0" encoding="utf-8"?>
-<p:sld xmlns:a="http://schemas.openxmlformats.org/drawingml/2006/main" xmlns:p="http://schemas.openxmlformats.org/presentationml/2006/main" xmlns:r="http://schemas.openxmlformats.org/officeDocument/2006/relationships" xmlns:p14="http://schemas.microsoft.com/office/powerpoint/2010/main" xmlns:p15="http://schemas.microsoft.com/office/powerpoint/2012/main" xmlns:mc="http://schemas.openxmlformats.org/markup-compatibility/2006">
+<p:sld xmlns:a="http://schemas.openxmlformats.org/drawingml/2006/main" xmlns:r="http://schemas.openxmlformats.org/officeDocument/2006/relationships" xmlns:p="http://schemas.openxmlformats.org/presentationml/2006/main">
   <p:cSld>
     <p:spTree>
       <p:nvGrpSpPr>
@@ -6929,7 +7184,7 @@
           </a:ln>
         </p:spPr>
         <p:txBody>
-          <a:bodyPr lIns="90000" rIns="90000" tIns="45000" bIns="45000" anchor="b"/>
+          <a:bodyPr lIns="90000" tIns="45000" rIns="90000" bIns="45000" anchor="b"/>
           <a:p>
             <a:pPr>
               <a:lnSpc>
@@ -6937,15 +7192,15 @@
               </a:lnSpc>
             </a:pPr>
             <a:r>
-              <a:rPr b="0" lang="en-US" sz="7200" spc="-1" strike="noStrike" cap="small">
+              <a:rPr lang="en-US" sz="7200" b="0" strike="noStrike" cap="small" spc="-1">
                 <a:solidFill>
-                  <a:srgbClr val="575f6d"/>
+                  <a:srgbClr val="575F6D"/>
                 </a:solidFill>
                 <a:latin typeface="comic"/>
               </a:rPr>
               <a:t>HOW IT AFFECTS US!!!!</a:t>
             </a:r>
-            <a:endParaRPr b="0" lang="en-US" sz="7200" spc="-1" strike="noStrike">
+            <a:endParaRPr lang="en-US" sz="7200" b="0" strike="noStrike" spc="-1">
               <a:solidFill>
                 <a:srgbClr val="000000"/>
               </a:solidFill>
@@ -6974,24 +7229,24 @@
           </a:ln>
         </p:spPr>
         <p:txBody>
-          <a:bodyPr lIns="90000" rIns="90000" tIns="45000" bIns="45000"/>
-          <a:p>
-            <a:pPr marL="274320" indent="-273960">
+          <a:bodyPr lIns="90000" tIns="45000" rIns="90000" bIns="45000"/>
+          <a:p>
+            <a:pPr marL="274320" indent="-273685">
               <a:lnSpc>
                 <a:spcPct val="100000"/>
               </a:lnSpc>
               <a:spcBef>
-                <a:spcPts val="601"/>
+                <a:spcPts val="600"/>
               </a:spcBef>
               <a:buClr>
-                <a:srgbClr val="fe8637"/>
+                <a:srgbClr val="FE8637"/>
               </a:buClr>
               <a:buSzPct val="70000"/>
-              <a:buFont typeface="Wingdings" charset="2"/>
+              <a:buFont typeface="Wingdings" panose="05000000000000000000" pitchFamily="2" charset="2"/>
               <a:buChar char=""/>
             </a:pPr>
             <a:r>
-              <a:rPr b="0" lang="en-US" sz="2400" spc="-1" strike="noStrike">
+              <a:rPr lang="en-US" sz="2400" b="0" strike="noStrike" spc="-1">
                 <a:solidFill>
                   <a:srgbClr val="000000"/>
                 </a:solidFill>
@@ -6999,30 +7254,30 @@
               </a:rPr>
               <a:t>Reduced life expectancy</a:t>
             </a:r>
-            <a:endParaRPr b="0" lang="en-US" sz="2400" spc="-1" strike="noStrike">
-              <a:solidFill>
-                <a:srgbClr val="000000"/>
-              </a:solidFill>
-              <a:latin typeface="Century Schoolbook"/>
-            </a:endParaRPr>
-          </a:p>
-          <a:p>
-            <a:pPr marL="274320" indent="-273960">
+            <a:endParaRPr lang="en-US" sz="2400" b="0" strike="noStrike" spc="-1">
+              <a:solidFill>
+                <a:srgbClr val="000000"/>
+              </a:solidFill>
+              <a:latin typeface="Century Schoolbook"/>
+            </a:endParaRPr>
+          </a:p>
+          <a:p>
+            <a:pPr marL="274320" indent="-273685">
               <a:lnSpc>
                 <a:spcPct val="100000"/>
               </a:lnSpc>
               <a:spcBef>
-                <a:spcPts val="601"/>
+                <a:spcPts val="600"/>
               </a:spcBef>
               <a:buClr>
-                <a:srgbClr val="fe8637"/>
+                <a:srgbClr val="FE8637"/>
               </a:buClr>
               <a:buSzPct val="70000"/>
-              <a:buFont typeface="Wingdings" charset="2"/>
+              <a:buFont typeface="Wingdings" panose="05000000000000000000" pitchFamily="2" charset="2"/>
               <a:buChar char=""/>
             </a:pPr>
             <a:r>
-              <a:rPr b="0" lang="en-US" sz="2400" spc="-1" strike="noStrike">
+              <a:rPr lang="en-US" sz="2400" b="0" strike="noStrike" spc="-1">
                 <a:solidFill>
                   <a:srgbClr val="000000"/>
                 </a:solidFill>
@@ -7030,30 +7285,30 @@
               </a:rPr>
               <a:t>Increase in crime</a:t>
             </a:r>
-            <a:endParaRPr b="0" lang="en-US" sz="2400" spc="-1" strike="noStrike">
-              <a:solidFill>
-                <a:srgbClr val="000000"/>
-              </a:solidFill>
-              <a:latin typeface="Century Schoolbook"/>
-            </a:endParaRPr>
-          </a:p>
-          <a:p>
-            <a:pPr marL="274320" indent="-273960">
+            <a:endParaRPr lang="en-US" sz="2400" b="0" strike="noStrike" spc="-1">
+              <a:solidFill>
+                <a:srgbClr val="000000"/>
+              </a:solidFill>
+              <a:latin typeface="Century Schoolbook"/>
+            </a:endParaRPr>
+          </a:p>
+          <a:p>
+            <a:pPr marL="274320" indent="-273685">
               <a:lnSpc>
                 <a:spcPct val="100000"/>
               </a:lnSpc>
               <a:spcBef>
-                <a:spcPts val="601"/>
+                <a:spcPts val="600"/>
               </a:spcBef>
               <a:buClr>
-                <a:srgbClr val="fe8637"/>
+                <a:srgbClr val="FE8637"/>
               </a:buClr>
               <a:buSzPct val="70000"/>
-              <a:buFont typeface="Wingdings" charset="2"/>
+              <a:buFont typeface="Wingdings" panose="05000000000000000000" pitchFamily="2" charset="2"/>
               <a:buChar char=""/>
             </a:pPr>
             <a:r>
-              <a:rPr b="0" lang="en-US" sz="2400" spc="-1" strike="noStrike">
+              <a:rPr lang="en-US" sz="2400" b="0" strike="noStrike" spc="-1">
                 <a:solidFill>
                   <a:srgbClr val="000000"/>
                 </a:solidFill>
@@ -7061,61 +7316,92 @@
               </a:rPr>
               <a:t>Child anti-social behavior</a:t>
             </a:r>
-            <a:endParaRPr b="0" lang="en-US" sz="2400" spc="-1" strike="noStrike">
-              <a:solidFill>
-                <a:srgbClr val="000000"/>
-              </a:solidFill>
-              <a:latin typeface="Century Schoolbook"/>
-            </a:endParaRPr>
-          </a:p>
-          <a:p>
-            <a:pPr marL="274320" indent="-273960">
+            <a:endParaRPr lang="en-US" sz="2400" b="0" strike="noStrike" spc="-1">
+              <a:solidFill>
+                <a:srgbClr val="000000"/>
+              </a:solidFill>
+              <a:latin typeface="Century Schoolbook"/>
+            </a:endParaRPr>
+          </a:p>
+          <a:p>
+            <a:pPr marL="274320" indent="-273685">
               <a:lnSpc>
                 <a:spcPct val="100000"/>
               </a:lnSpc>
               <a:spcBef>
-                <a:spcPts val="601"/>
+                <a:spcPts val="600"/>
               </a:spcBef>
               <a:buClr>
-                <a:srgbClr val="fe8637"/>
+                <a:srgbClr val="FE8637"/>
               </a:buClr>
               <a:buSzPct val="70000"/>
-              <a:buFont typeface="Wingdings" charset="2"/>
+              <a:buFont typeface="Wingdings" panose="05000000000000000000" pitchFamily="2" charset="2"/>
               <a:buChar char=""/>
             </a:pPr>
             <a:r>
-              <a:rPr b="0" lang="en-US" sz="2400" spc="-1" strike="noStrike">
+              <a:rPr lang="en-US" sz="2400" b="0" strike="noStrike" spc="-1">
                 <a:solidFill>
                   <a:srgbClr val="000000"/>
                 </a:solidFill>
                 <a:latin typeface="Century Schoolbook"/>
               </a:rPr>
-              <a:t>Illegal land grabbing</a:t>
+              <a:t>by ashish and </a:t>
             </a:r>
-            <a:endParaRPr b="0" lang="en-US" sz="2400" spc="-1" strike="noStrike">
-              <a:solidFill>
-                <a:srgbClr val="000000"/>
-              </a:solidFill>
-              <a:latin typeface="Century Schoolbook"/>
-            </a:endParaRPr>
-          </a:p>
-          <a:p>
-            <a:pPr marL="274320" indent="-273960">
+            <a:endParaRPr lang="en-US" sz="2400" b="0" strike="noStrike" spc="-1">
+              <a:solidFill>
+                <a:srgbClr val="000000"/>
+              </a:solidFill>
+              <a:latin typeface="Century Schoolbook"/>
+            </a:endParaRPr>
+          </a:p>
+          <a:p>
+            <a:pPr marL="274320" indent="-273685">
               <a:lnSpc>
                 <a:spcPct val="100000"/>
               </a:lnSpc>
               <a:spcBef>
-                <a:spcPts val="601"/>
+                <a:spcPts val="600"/>
               </a:spcBef>
               <a:buClr>
-                <a:srgbClr val="fe8637"/>
+                <a:srgbClr val="FE8637"/>
               </a:buClr>
               <a:buSzPct val="70000"/>
-              <a:buFont typeface="Wingdings" charset="2"/>
+              <a:buFont typeface="Wingdings" panose="05000000000000000000" pitchFamily="2" charset="2"/>
               <a:buChar char=""/>
             </a:pPr>
             <a:r>
-              <a:rPr b="0" lang="en-US" sz="2400" spc="-1" strike="noStrike">
+              <a:rPr lang="en-US" sz="2400" b="0" strike="noStrike" spc="-1">
+                <a:solidFill>
+                  <a:srgbClr val="000000"/>
+                </a:solidFill>
+                <a:latin typeface="Century Schoolbook"/>
+              </a:rPr>
+              <a:t>hemant</a:t>
+            </a:r>
+            <a:endParaRPr lang="en-US" sz="2400" b="0" strike="noStrike" spc="-1">
+              <a:solidFill>
+                <a:srgbClr val="000000"/>
+              </a:solidFill>
+              <a:latin typeface="Century Schoolbook"/>
+            </a:endParaRPr>
+          </a:p>
+          <a:p>
+            <a:pPr marL="274320" indent="-273685">
+              <a:lnSpc>
+                <a:spcPct val="100000"/>
+              </a:lnSpc>
+              <a:spcBef>
+                <a:spcPts val="600"/>
+              </a:spcBef>
+              <a:buClr>
+                <a:srgbClr val="FE8637"/>
+              </a:buClr>
+              <a:buSzPct val="70000"/>
+              <a:buFont typeface="Wingdings" panose="05000000000000000000" pitchFamily="2" charset="2"/>
+              <a:buChar char=""/>
+            </a:pPr>
+            <a:r>
+              <a:rPr lang="en-US" sz="2400" b="0" strike="noStrike" spc="-1">
                 <a:solidFill>
                   <a:srgbClr val="000000"/>
                 </a:solidFill>
@@ -7123,30 +7409,30 @@
               </a:rPr>
               <a:t>Over utilization of natural resources</a:t>
             </a:r>
-            <a:endParaRPr b="0" lang="en-US" sz="2400" spc="-1" strike="noStrike">
-              <a:solidFill>
-                <a:srgbClr val="000000"/>
-              </a:solidFill>
-              <a:latin typeface="Century Schoolbook"/>
-            </a:endParaRPr>
-          </a:p>
-          <a:p>
-            <a:pPr marL="274320" indent="-273960">
+            <a:endParaRPr lang="en-US" sz="2400" b="0" strike="noStrike" spc="-1">
+              <a:solidFill>
+                <a:srgbClr val="000000"/>
+              </a:solidFill>
+              <a:latin typeface="Century Schoolbook"/>
+            </a:endParaRPr>
+          </a:p>
+          <a:p>
+            <a:pPr marL="274320" indent="-273685">
               <a:lnSpc>
                 <a:spcPct val="100000"/>
               </a:lnSpc>
               <a:spcBef>
-                <a:spcPts val="601"/>
+                <a:spcPts val="600"/>
               </a:spcBef>
               <a:buClr>
-                <a:srgbClr val="fe8637"/>
+                <a:srgbClr val="FE8637"/>
               </a:buClr>
               <a:buSzPct val="70000"/>
-              <a:buFont typeface="Wingdings" charset="2"/>
+              <a:buFont typeface="Wingdings" panose="05000000000000000000" pitchFamily="2" charset="2"/>
               <a:buChar char=""/>
             </a:pPr>
             <a:r>
-              <a:rPr b="0" lang="en-US" sz="2400" spc="-1" strike="noStrike">
+              <a:rPr lang="en-US" sz="2400" b="0" strike="noStrike" spc="-1">
                 <a:solidFill>
                   <a:srgbClr val="000000"/>
                 </a:solidFill>
@@ -7154,7 +7440,7 @@
               </a:rPr>
               <a:t> </a:t>
             </a:r>
-            <a:endParaRPr b="0" lang="en-US" sz="2400" spc="-1" strike="noStrike">
+            <a:endParaRPr lang="en-US" sz="2400" b="0" strike="noStrike" spc="-1">
               <a:solidFill>
                 <a:srgbClr val="000000"/>
               </a:solidFill>
@@ -7165,13 +7451,15 @@
       </p:sp>
       <p:pic>
         <p:nvPicPr>
-          <p:cNvPr id="127" name="Picture 2" descr=""/>
+          <p:cNvPr id="127" name="Picture 2"/>
           <p:cNvPicPr/>
           <p:nvPr/>
         </p:nvPicPr>
         <p:blipFill>
           <a:blip r:embed="rId1"/>
-          <a:stretch/>
+          <a:stretch>
+            <a:fillRect/>
+          </a:stretch>
         </p:blipFill>
         <p:spPr>
           <a:xfrm>
@@ -7188,7 +7476,7 @@
             <a:miter/>
           </a:ln>
           <a:effectLst>
-            <a:outerShdw algn="tl" blurRad="50800" dir="2700000" dist="38100" rotWithShape="0">
+            <a:outerShdw blurRad="50800" dist="38100" dir="2700000" algn="tl" rotWithShape="0">
               <a:srgbClr val="000000">
                 <a:alpha val="43000"/>
               </a:srgbClr>
@@ -7198,38 +7486,41 @@
       </p:pic>
     </p:spTree>
   </p:cSld>
+  <p:clrMapOvr>
+    <a:masterClrMapping/>
+  </p:clrMapOvr>
   <p:transition>
     <p:wedge/>
   </p:transition>
   <p:timing>
     <p:tnLst>
       <p:par>
-        <p:cTn id="102" dur="indefinite" restart="never" nodeType="tmRoot">
+        <p:cTn id="1" dur="indefinite" restart="never" nodeType="tmRoot">
           <p:childTnLst>
-            <p:seq>
-              <p:cTn id="103" dur="indefinite" nodeType="mainSeq">
+            <p:seq concurrent="1" nextAc="seek">
+              <p:cTn id="2" dur="indefinite" nodeType="mainSeq">
                 <p:childTnLst>
                   <p:par>
-                    <p:cTn id="104" fill="hold">
+                    <p:cTn id="3" fill="hold">
                       <p:stCondLst>
                         <p:cond delay="indefinite"/>
                       </p:stCondLst>
                       <p:childTnLst>
                         <p:par>
-                          <p:cTn id="105" fill="hold">
+                          <p:cTn id="4" fill="hold">
                             <p:stCondLst>
                               <p:cond delay="0"/>
                             </p:stCondLst>
                             <p:childTnLst>
                               <p:par>
-                                <p:cTn id="106" nodeType="clickEffect" fill="hold" presetClass="entr" presetID="8" presetSubtype="16">
+                                <p:cTn id="5" presetID="8" presetClass="entr" presetSubtype="16" fill="hold" nodeType="clickEffect">
                                   <p:stCondLst>
                                     <p:cond delay="0"/>
                                   </p:stCondLst>
                                   <p:childTnLst>
                                     <p:set>
                                       <p:cBhvr>
-                                        <p:cTn id="107" dur="1" fill="hold">
+                                        <p:cTn id="6" dur="1" fill="hold">
                                           <p:stCondLst>
                                             <p:cond delay="0"/>
                                           </p:stCondLst>
@@ -7245,9 +7536,9 @@
                                         <p:strVal val="visible"/>
                                       </p:to>
                                     </p:set>
-                                    <p:animEffect filter="diamond(in)" transition="in">
+                                    <p:animEffect transition="in" filter="diamond(in)">
                                       <p:cBhvr additive="repl">
-                                        <p:cTn id="108" dur="2000"/>
+                                        <p:cTn id="7" dur="2000"/>
                                         <p:tgtEl>
                                           <p:spTgt spid="125"/>
                                         </p:tgtEl>
@@ -7263,26 +7554,26 @@
                     </p:cTn>
                   </p:par>
                   <p:par>
-                    <p:cTn id="109" fill="hold">
+                    <p:cTn id="8" fill="hold">
                       <p:stCondLst>
                         <p:cond delay="indefinite"/>
                       </p:stCondLst>
                       <p:childTnLst>
                         <p:par>
-                          <p:cTn id="110" fill="hold">
+                          <p:cTn id="9" fill="hold">
                             <p:stCondLst>
                               <p:cond delay="0"/>
                             </p:stCondLst>
                             <p:childTnLst>
                               <p:par>
-                                <p:cTn id="111" nodeType="clickEffect" fill="hold" presetClass="entr" presetID="5" presetSubtype="10">
+                                <p:cTn id="10" presetID="5" presetClass="entr" presetSubtype="10" fill="hold" nodeType="clickEffect">
                                   <p:stCondLst>
                                     <p:cond delay="0"/>
                                   </p:stCondLst>
                                   <p:childTnLst>
                                     <p:set>
                                       <p:cBhvr>
-                                        <p:cTn id="112" dur="1" fill="hold">
+                                        <p:cTn id="11" dur="1" fill="hold">
                                           <p:stCondLst>
                                             <p:cond delay="0"/>
                                           </p:stCondLst>
@@ -7302,9 +7593,9 @@
                                         <p:strVal val="visible"/>
                                       </p:to>
                                     </p:set>
-                                    <p:animEffect filter="checkerboard(across)" transition="in">
+                                    <p:animEffect transition="in" filter="checkerboard(across)">
                                       <p:cBhvr additive="repl">
-                                        <p:cTn id="113" dur="500"/>
+                                        <p:cTn id="12" dur="500"/>
                                         <p:tgtEl>
                                           <p:spTgt spid="126">
                                             <p:txEl>
@@ -7324,26 +7615,26 @@
                     </p:cTn>
                   </p:par>
                   <p:par>
-                    <p:cTn id="114" fill="hold">
+                    <p:cTn id="13" fill="hold">
                       <p:stCondLst>
                         <p:cond delay="indefinite"/>
                       </p:stCondLst>
                       <p:childTnLst>
                         <p:par>
-                          <p:cTn id="115" fill="hold">
+                          <p:cTn id="14" fill="hold">
                             <p:stCondLst>
                               <p:cond delay="0"/>
                             </p:stCondLst>
                             <p:childTnLst>
                               <p:par>
-                                <p:cTn id="116" nodeType="clickEffect" fill="hold" presetClass="entr" presetID="5" presetSubtype="10">
+                                <p:cTn id="15" presetID="5" presetClass="entr" presetSubtype="10" fill="hold" nodeType="clickEffect">
                                   <p:stCondLst>
                                     <p:cond delay="0"/>
                                   </p:stCondLst>
                                   <p:childTnLst>
                                     <p:set>
                                       <p:cBhvr>
-                                        <p:cTn id="117" dur="1" fill="hold">
+                                        <p:cTn id="16" dur="1" fill="hold">
                                           <p:stCondLst>
                                             <p:cond delay="0"/>
                                           </p:stCondLst>
@@ -7363,9 +7654,9 @@
                                         <p:strVal val="visible"/>
                                       </p:to>
                                     </p:set>
-                                    <p:animEffect filter="checkerboard(across)" transition="in">
+                                    <p:animEffect transition="in" filter="checkerboard(across)">
                                       <p:cBhvr additive="repl">
-                                        <p:cTn id="118" dur="500"/>
+                                        <p:cTn id="17" dur="500"/>
                                         <p:tgtEl>
                                           <p:spTgt spid="126">
                                             <p:txEl>
@@ -7385,26 +7676,26 @@
                     </p:cTn>
                   </p:par>
                   <p:par>
-                    <p:cTn id="119" fill="hold">
+                    <p:cTn id="18" fill="hold">
                       <p:stCondLst>
                         <p:cond delay="indefinite"/>
                       </p:stCondLst>
                       <p:childTnLst>
                         <p:par>
-                          <p:cTn id="120" fill="hold">
+                          <p:cTn id="19" fill="hold">
                             <p:stCondLst>
                               <p:cond delay="0"/>
                             </p:stCondLst>
                             <p:childTnLst>
                               <p:par>
-                                <p:cTn id="121" nodeType="clickEffect" fill="hold" presetClass="entr" presetID="5" presetSubtype="10">
+                                <p:cTn id="20" presetID="5" presetClass="entr" presetSubtype="10" fill="hold" nodeType="clickEffect">
                                   <p:stCondLst>
                                     <p:cond delay="0"/>
                                   </p:stCondLst>
                                   <p:childTnLst>
                                     <p:set>
                                       <p:cBhvr>
-                                        <p:cTn id="122" dur="1" fill="hold">
+                                        <p:cTn id="21" dur="1" fill="hold">
                                           <p:stCondLst>
                                             <p:cond delay="0"/>
                                           </p:stCondLst>
@@ -7424,9 +7715,9 @@
                                         <p:strVal val="visible"/>
                                       </p:to>
                                     </p:set>
-                                    <p:animEffect filter="checkerboard(across)" transition="in">
+                                    <p:animEffect transition="in" filter="checkerboard(across)">
                                       <p:cBhvr additive="repl">
-                                        <p:cTn id="123" dur="500"/>
+                                        <p:cTn id="22" dur="500"/>
                                         <p:tgtEl>
                                           <p:spTgt spid="126">
                                             <p:txEl>
@@ -7446,26 +7737,26 @@
                     </p:cTn>
                   </p:par>
                   <p:par>
-                    <p:cTn id="124" fill="hold">
+                    <p:cTn id="23" fill="hold">
                       <p:stCondLst>
                         <p:cond delay="indefinite"/>
                       </p:stCondLst>
                       <p:childTnLst>
                         <p:par>
-                          <p:cTn id="125" fill="hold">
+                          <p:cTn id="24" fill="hold">
                             <p:stCondLst>
                               <p:cond delay="0"/>
                             </p:stCondLst>
                             <p:childTnLst>
                               <p:par>
-                                <p:cTn id="126" nodeType="clickEffect" fill="hold" presetClass="entr" presetID="5" presetSubtype="10">
+                                <p:cTn id="25" presetID="5" presetClass="entr" presetSubtype="10" fill="hold" nodeType="clickEffect">
                                   <p:stCondLst>
                                     <p:cond delay="0"/>
                                   </p:stCondLst>
                                   <p:childTnLst>
                                     <p:set>
                                       <p:cBhvr>
-                                        <p:cTn id="127" dur="1" fill="hold">
+                                        <p:cTn id="26" dur="1" fill="hold">
                                           <p:stCondLst>
                                             <p:cond delay="0"/>
                                           </p:stCondLst>
@@ -7485,9 +7776,9 @@
                                         <p:strVal val="visible"/>
                                       </p:to>
                                     </p:set>
-                                    <p:animEffect filter="checkerboard(across)" transition="in">
+                                    <p:animEffect transition="in" filter="checkerboard(across)">
                                       <p:cBhvr additive="repl">
-                                        <p:cTn id="128" dur="500"/>
+                                        <p:cTn id="27" dur="500"/>
                                         <p:tgtEl>
                                           <p:spTgt spid="126">
                                             <p:txEl>
@@ -7507,26 +7798,26 @@
                     </p:cTn>
                   </p:par>
                   <p:par>
-                    <p:cTn id="129" fill="hold">
+                    <p:cTn id="28" fill="hold">
                       <p:stCondLst>
                         <p:cond delay="indefinite"/>
                       </p:stCondLst>
                       <p:childTnLst>
                         <p:par>
-                          <p:cTn id="130" fill="hold">
+                          <p:cTn id="29" fill="hold">
                             <p:stCondLst>
                               <p:cond delay="0"/>
                             </p:stCondLst>
                             <p:childTnLst>
                               <p:par>
-                                <p:cTn id="131" nodeType="clickEffect" fill="hold" presetClass="entr" presetID="5" presetSubtype="10">
+                                <p:cTn id="30" presetID="5" presetClass="entr" presetSubtype="10" fill="hold" nodeType="clickEffect">
                                   <p:stCondLst>
                                     <p:cond delay="0"/>
                                   </p:stCondLst>
                                   <p:childTnLst>
                                     <p:set>
                                       <p:cBhvr>
-                                        <p:cTn id="132" dur="1" fill="hold">
+                                        <p:cTn id="31" dur="1" fill="hold">
                                           <p:stCondLst>
                                             <p:cond delay="0"/>
                                           </p:stCondLst>
@@ -7546,9 +7837,9 @@
                                         <p:strVal val="visible"/>
                                       </p:to>
                                     </p:set>
-                                    <p:animEffect filter="checkerboard(across)" transition="in">
+                                    <p:animEffect transition="in" filter="checkerboard(across)">
                                       <p:cBhvr additive="repl">
-                                        <p:cTn id="133" dur="500"/>
+                                        <p:cTn id="32" dur="500"/>
                                         <p:tgtEl>
                                           <p:spTgt spid="126">
                                             <p:txEl>
@@ -7568,26 +7859,26 @@
                     </p:cTn>
                   </p:par>
                   <p:par>
-                    <p:cTn id="134" fill="hold">
+                    <p:cTn id="33" fill="hold">
                       <p:stCondLst>
                         <p:cond delay="indefinite"/>
                       </p:stCondLst>
                       <p:childTnLst>
                         <p:par>
-                          <p:cTn id="135" fill="hold">
+                          <p:cTn id="34" fill="hold">
                             <p:stCondLst>
                               <p:cond delay="0"/>
                             </p:stCondLst>
                             <p:childTnLst>
                               <p:par>
-                                <p:cTn id="136" nodeType="clickEffect" fill="hold" presetClass="entr" presetID="5" presetSubtype="10">
+                                <p:cTn id="35" presetID="5" presetClass="entr" presetSubtype="10" fill="hold" nodeType="clickEffect">
                                   <p:stCondLst>
                                     <p:cond delay="0"/>
                                   </p:stCondLst>
                                   <p:childTnLst>
                                     <p:set>
                                       <p:cBhvr>
-                                        <p:cTn id="137" dur="1" fill="hold">
+                                        <p:cTn id="36" dur="1" fill="hold">
                                           <p:stCondLst>
                                             <p:cond delay="0"/>
                                           </p:stCondLst>
@@ -7607,9 +7898,9 @@
                                         <p:strVal val="visible"/>
                                       </p:to>
                                     </p:set>
-                                    <p:animEffect filter="checkerboard(across)" transition="in">
+                                    <p:animEffect transition="in" filter="checkerboard(across)">
                                       <p:cBhvr additive="repl">
-                                        <p:cTn id="138" dur="500"/>
+                                        <p:cTn id="37" dur="500"/>
                                         <p:tgtEl>
                                           <p:spTgt spid="126">
                                             <p:txEl>
@@ -7629,26 +7920,87 @@
                     </p:cTn>
                   </p:par>
                   <p:par>
-                    <p:cTn id="139" fill="hold">
+                    <p:cTn id="38" fill="hold">
                       <p:stCondLst>
                         <p:cond delay="indefinite"/>
                       </p:stCondLst>
                       <p:childTnLst>
                         <p:par>
-                          <p:cTn id="140" fill="hold">
+                          <p:cTn id="39" fill="hold">
                             <p:stCondLst>
                               <p:cond delay="0"/>
                             </p:stCondLst>
                             <p:childTnLst>
                               <p:par>
-                                <p:cTn id="141" nodeType="clickEffect" fill="hold" presetClass="entr" presetID="6" presetSubtype="16">
+                                <p:cTn id="40" presetID="5" presetClass="entr" presetSubtype="10" fill="hold" nodeType="clickEffect">
                                   <p:stCondLst>
                                     <p:cond delay="0"/>
                                   </p:stCondLst>
                                   <p:childTnLst>
                                     <p:set>
                                       <p:cBhvr>
-                                        <p:cTn id="142" dur="1" fill="hold">
+                                        <p:cTn id="41" dur="1" fill="hold">
+                                          <p:stCondLst>
+                                            <p:cond delay="0"/>
+                                          </p:stCondLst>
+                                        </p:cTn>
+                                        <p:tgtEl>
+                                          <p:spTgt spid="126">
+                                            <p:txEl>
+                                              <p:pRg st="6" end="6"/>
+                                            </p:txEl>
+                                          </p:spTgt>
+                                        </p:tgtEl>
+                                        <p:attrNameLst>
+                                          <p:attrName>style.visibility</p:attrName>
+                                        </p:attrNameLst>
+                                      </p:cBhvr>
+                                      <p:to>
+                                        <p:strVal val="visible"/>
+                                      </p:to>
+                                    </p:set>
+                                    <p:animEffect transition="in" filter="checkerboard(across)">
+                                      <p:cBhvr additive="repl">
+                                        <p:cTn id="42" dur="500"/>
+                                        <p:tgtEl>
+                                          <p:spTgt spid="126">
+                                            <p:txEl>
+                                              <p:pRg st="6" end="6"/>
+                                            </p:txEl>
+                                          </p:spTgt>
+                                        </p:tgtEl>
+                                      </p:cBhvr>
+                                    </p:animEffect>
+                                  </p:childTnLst>
+                                </p:cTn>
+                              </p:par>
+                            </p:childTnLst>
+                          </p:cTn>
+                        </p:par>
+                      </p:childTnLst>
+                    </p:cTn>
+                  </p:par>
+                  <p:par>
+                    <p:cTn id="43" fill="hold">
+                      <p:stCondLst>
+                        <p:cond delay="indefinite"/>
+                      </p:stCondLst>
+                      <p:childTnLst>
+                        <p:par>
+                          <p:cTn id="44" fill="hold">
+                            <p:stCondLst>
+                              <p:cond delay="0"/>
+                            </p:stCondLst>
+                            <p:childTnLst>
+                              <p:par>
+                                <p:cTn id="45" presetID="6" presetClass="entr" presetSubtype="16" fill="hold" nodeType="clickEffect">
+                                  <p:stCondLst>
+                                    <p:cond delay="0"/>
+                                  </p:stCondLst>
+                                  <p:childTnLst>
+                                    <p:set>
+                                      <p:cBhvr>
+                                        <p:cTn id="46" dur="1" fill="hold">
                                           <p:stCondLst>
                                             <p:cond delay="0"/>
                                           </p:stCondLst>
@@ -7664,9 +8016,9 @@
                                         <p:strVal val="visible"/>
                                       </p:to>
                                     </p:set>
-                                    <p:animEffect filter="circle(in)" transition="in">
+                                    <p:animEffect transition="in" filter="circle(in)">
                                       <p:cBhvr additive="repl">
-                                        <p:cTn id="143" dur="2000"/>
+                                        <p:cTn id="47" dur="2000"/>
                                         <p:tgtEl>
                                           <p:spTgt spid="127"/>
                                         </p:tgtEl>
@@ -7684,14 +8036,14 @@
                 </p:childTnLst>
               </p:cTn>
               <p:prevCondLst>
-                <p:cond delay="0" evt="onPrev">
+                <p:cond evt="onPrev" delay="0">
                   <p:tgtEl>
                     <p:sldTgt/>
                   </p:tgtEl>
                 </p:cond>
               </p:prevCondLst>
               <p:nextCondLst>
-                <p:cond delay="0" evt="onNext">
+                <p:cond evt="onNext" delay="0">
                   <p:tgtEl>
                     <p:sldTgt/>
                   </p:tgtEl>
@@ -7707,7 +8059,7 @@
 </file>
 
 <file path=ppt/slides/slide7.xml><?xml version="1.0" encoding="utf-8"?>
-<p:sld xmlns:a="http://schemas.openxmlformats.org/drawingml/2006/main" xmlns:p="http://schemas.openxmlformats.org/presentationml/2006/main" xmlns:r="http://schemas.openxmlformats.org/officeDocument/2006/relationships" xmlns:p14="http://schemas.microsoft.com/office/powerpoint/2010/main" xmlns:p15="http://schemas.microsoft.com/office/powerpoint/2012/main" xmlns:mc="http://schemas.openxmlformats.org/markup-compatibility/2006">
+<p:sld xmlns:a="http://schemas.openxmlformats.org/drawingml/2006/main" xmlns:r="http://schemas.openxmlformats.org/officeDocument/2006/relationships" xmlns:p="http://schemas.openxmlformats.org/presentationml/2006/main">
   <p:cSld>
     <p:spTree>
       <p:nvGrpSpPr>
@@ -7743,7 +8095,7 @@
           </a:ln>
         </p:spPr>
         <p:txBody>
-          <a:bodyPr lIns="90000" rIns="90000" tIns="45000" bIns="45000" anchor="b"/>
+          <a:bodyPr lIns="90000" tIns="45000" rIns="90000" bIns="45000" anchor="b"/>
           <a:p>
             <a:pPr>
               <a:lnSpc>
@@ -7751,15 +8103,15 @@
               </a:lnSpc>
             </a:pPr>
             <a:r>
-              <a:rPr b="0" lang="en-US" sz="4800" spc="-1" strike="noStrike" cap="small">
+              <a:rPr lang="en-US" sz="4800" b="0" strike="noStrike" cap="small" spc="-1">
                 <a:solidFill>
-                  <a:srgbClr val="575f6d"/>
+                  <a:srgbClr val="575F6D"/>
                 </a:solidFill>
                 <a:latin typeface="comic"/>
               </a:rPr>
               <a:t>WHAT HAS BEEN DONE TO ERADICATE POVERTY????</a:t>
             </a:r>
-            <a:endParaRPr b="0" lang="en-US" sz="4800" spc="-1" strike="noStrike">
+            <a:endParaRPr lang="en-US" sz="4800" b="0" strike="noStrike" spc="-1">
               <a:solidFill>
                 <a:srgbClr val="000000"/>
               </a:solidFill>
@@ -7788,24 +8140,24 @@
           </a:ln>
         </p:spPr>
         <p:txBody>
-          <a:bodyPr lIns="90000" rIns="90000" tIns="45000" bIns="45000"/>
-          <a:p>
-            <a:pPr marL="274320" indent="-273960">
+          <a:bodyPr lIns="90000" tIns="45000" rIns="90000" bIns="45000"/>
+          <a:p>
+            <a:pPr marL="274320" indent="-273685">
               <a:lnSpc>
                 <a:spcPct val="100000"/>
               </a:lnSpc>
               <a:spcBef>
-                <a:spcPts val="601"/>
+                <a:spcPts val="600"/>
               </a:spcBef>
               <a:buClr>
-                <a:srgbClr val="fe8637"/>
+                <a:srgbClr val="FE8637"/>
               </a:buClr>
               <a:buSzPct val="70000"/>
-              <a:buFont typeface="Wingdings" charset="2"/>
+              <a:buFont typeface="Wingdings" panose="05000000000000000000" pitchFamily="2" charset="2"/>
               <a:buChar char=""/>
             </a:pPr>
             <a:r>
-              <a:rPr b="0" lang="en-US" sz="2400" spc="-1" strike="noStrike">
+              <a:rPr lang="en-US" sz="2400" b="0" strike="noStrike" spc="-1">
                 <a:solidFill>
                   <a:srgbClr val="000000"/>
                 </a:solidFill>
@@ -7813,30 +8165,30 @@
               </a:rPr>
               <a:t>Initiative of ration cards and ration shops.</a:t>
             </a:r>
-            <a:endParaRPr b="0" lang="en-US" sz="2400" spc="-1" strike="noStrike">
-              <a:solidFill>
-                <a:srgbClr val="000000"/>
-              </a:solidFill>
-              <a:latin typeface="Century Schoolbook"/>
-            </a:endParaRPr>
-          </a:p>
-          <a:p>
-            <a:pPr marL="274320" indent="-273960">
+            <a:endParaRPr lang="en-US" sz="2400" b="0" strike="noStrike" spc="-1">
+              <a:solidFill>
+                <a:srgbClr val="000000"/>
+              </a:solidFill>
+              <a:latin typeface="Century Schoolbook"/>
+            </a:endParaRPr>
+          </a:p>
+          <a:p>
+            <a:pPr marL="274320" indent="-273685">
               <a:lnSpc>
                 <a:spcPct val="100000"/>
               </a:lnSpc>
               <a:spcBef>
-                <a:spcPts val="601"/>
+                <a:spcPts val="600"/>
               </a:spcBef>
               <a:buClr>
-                <a:srgbClr val="fe8637"/>
+                <a:srgbClr val="FE8637"/>
               </a:buClr>
               <a:buSzPct val="70000"/>
-              <a:buFont typeface="Wingdings" charset="2"/>
+              <a:buFont typeface="Wingdings" panose="05000000000000000000" pitchFamily="2" charset="2"/>
               <a:buChar char=""/>
             </a:pPr>
             <a:r>
-              <a:rPr b="0" lang="en-US" sz="2400" spc="-1" strike="noStrike">
+              <a:rPr lang="en-US" sz="2400" b="0" strike="noStrike" spc="-1">
                 <a:solidFill>
                   <a:srgbClr val="000000"/>
                 </a:solidFill>
@@ -7844,30 +8196,30 @@
               </a:rPr>
               <a:t>Healthcare facilities made available and accessible to all.</a:t>
             </a:r>
-            <a:endParaRPr b="0" lang="en-US" sz="2400" spc="-1" strike="noStrike">
-              <a:solidFill>
-                <a:srgbClr val="000000"/>
-              </a:solidFill>
-              <a:latin typeface="Century Schoolbook"/>
-            </a:endParaRPr>
-          </a:p>
-          <a:p>
-            <a:pPr marL="274320" indent="-273960">
+            <a:endParaRPr lang="en-US" sz="2400" b="0" strike="noStrike" spc="-1">
+              <a:solidFill>
+                <a:srgbClr val="000000"/>
+              </a:solidFill>
+              <a:latin typeface="Century Schoolbook"/>
+            </a:endParaRPr>
+          </a:p>
+          <a:p>
+            <a:pPr marL="274320" indent="-273685">
               <a:lnSpc>
                 <a:spcPct val="100000"/>
               </a:lnSpc>
               <a:spcBef>
-                <a:spcPts val="601"/>
+                <a:spcPts val="600"/>
               </a:spcBef>
               <a:buClr>
-                <a:srgbClr val="fe8637"/>
+                <a:srgbClr val="FE8637"/>
               </a:buClr>
               <a:buSzPct val="70000"/>
-              <a:buFont typeface="Wingdings" charset="2"/>
+              <a:buFont typeface="Wingdings" panose="05000000000000000000" pitchFamily="2" charset="2"/>
               <a:buChar char=""/>
             </a:pPr>
             <a:r>
-              <a:rPr b="0" lang="en-US" sz="2400" spc="-1" strike="noStrike">
+              <a:rPr lang="en-US" sz="2400" b="0" strike="noStrike" spc="-1">
                 <a:solidFill>
                   <a:srgbClr val="000000"/>
                 </a:solidFill>
@@ -7876,7 +8228,7 @@
               <a:t>Free education till class 5</a:t>
             </a:r>
             <a:r>
-              <a:rPr b="0" lang="en-US" sz="2400" spc="-1" strike="noStrike" baseline="30000">
+              <a:rPr lang="en-US" sz="2400" b="0" strike="noStrike" spc="-1" baseline="30000">
                 <a:solidFill>
                   <a:srgbClr val="000000"/>
                 </a:solidFill>
@@ -7885,7 +8237,7 @@
               <a:t>th</a:t>
             </a:r>
             <a:r>
-              <a:rPr b="0" lang="en-US" sz="2400" spc="-1" strike="noStrike">
+              <a:rPr lang="en-US" sz="2400" b="0" strike="noStrike" spc="-1">
                 <a:solidFill>
                   <a:srgbClr val="000000"/>
                 </a:solidFill>
@@ -7893,30 +8245,30 @@
               </a:rPr>
               <a:t>.</a:t>
             </a:r>
-            <a:endParaRPr b="0" lang="en-US" sz="2400" spc="-1" strike="noStrike">
-              <a:solidFill>
-                <a:srgbClr val="000000"/>
-              </a:solidFill>
-              <a:latin typeface="Century Schoolbook"/>
-            </a:endParaRPr>
-          </a:p>
-          <a:p>
-            <a:pPr marL="274320" indent="-273960">
+            <a:endParaRPr lang="en-US" sz="2400" b="0" strike="noStrike" spc="-1">
+              <a:solidFill>
+                <a:srgbClr val="000000"/>
+              </a:solidFill>
+              <a:latin typeface="Century Schoolbook"/>
+            </a:endParaRPr>
+          </a:p>
+          <a:p>
+            <a:pPr marL="274320" indent="-273685">
               <a:lnSpc>
                 <a:spcPct val="100000"/>
               </a:lnSpc>
               <a:spcBef>
-                <a:spcPts val="601"/>
+                <a:spcPts val="600"/>
               </a:spcBef>
               <a:buClr>
-                <a:srgbClr val="fe8637"/>
+                <a:srgbClr val="FE8637"/>
               </a:buClr>
               <a:buSzPct val="70000"/>
-              <a:buFont typeface="Wingdings" charset="2"/>
+              <a:buFont typeface="Wingdings" panose="05000000000000000000" pitchFamily="2" charset="2"/>
               <a:buChar char=""/>
             </a:pPr>
             <a:r>
-              <a:rPr b="0" lang="en-US" sz="2400" spc="-1" strike="noStrike">
+              <a:rPr lang="en-US" sz="2400" b="0" strike="noStrike" spc="-1">
                 <a:solidFill>
                   <a:srgbClr val="000000"/>
                 </a:solidFill>
@@ -7924,30 +8276,30 @@
               </a:rPr>
               <a:t>Initiating welfare state and charities.</a:t>
             </a:r>
-            <a:endParaRPr b="0" lang="en-US" sz="2400" spc="-1" strike="noStrike">
-              <a:solidFill>
-                <a:srgbClr val="000000"/>
-              </a:solidFill>
-              <a:latin typeface="Century Schoolbook"/>
-            </a:endParaRPr>
-          </a:p>
-          <a:p>
-            <a:pPr marL="274320" indent="-273960">
+            <a:endParaRPr lang="en-US" sz="2400" b="0" strike="noStrike" spc="-1">
+              <a:solidFill>
+                <a:srgbClr val="000000"/>
+              </a:solidFill>
+              <a:latin typeface="Century Schoolbook"/>
+            </a:endParaRPr>
+          </a:p>
+          <a:p>
+            <a:pPr marL="274320" indent="-273685">
               <a:lnSpc>
                 <a:spcPct val="100000"/>
               </a:lnSpc>
               <a:spcBef>
-                <a:spcPts val="601"/>
+                <a:spcPts val="600"/>
               </a:spcBef>
               <a:buClr>
-                <a:srgbClr val="fe8637"/>
+                <a:srgbClr val="FE8637"/>
               </a:buClr>
               <a:buSzPct val="70000"/>
-              <a:buFont typeface="Wingdings" charset="2"/>
+              <a:buFont typeface="Wingdings" panose="05000000000000000000" pitchFamily="2" charset="2"/>
               <a:buChar char=""/>
             </a:pPr>
             <a:r>
-              <a:rPr b="0" lang="en-US" sz="2400" spc="-1" strike="noStrike">
+              <a:rPr lang="en-US" sz="2400" b="0" strike="noStrike" spc="-1">
                 <a:solidFill>
                   <a:srgbClr val="000000"/>
                 </a:solidFill>
@@ -7955,7 +8307,7 @@
               </a:rPr>
               <a:t> </a:t>
             </a:r>
-            <a:endParaRPr b="0" lang="en-US" sz="2400" spc="-1" strike="noStrike">
+            <a:endParaRPr lang="en-US" sz="2400" b="0" strike="noStrike" spc="-1">
               <a:solidFill>
                 <a:srgbClr val="000000"/>
               </a:solidFill>
@@ -7966,13 +8318,15 @@
       </p:sp>
       <p:pic>
         <p:nvPicPr>
-          <p:cNvPr id="130" name="Picture 3" descr=""/>
+          <p:cNvPr id="130" name="Picture 3"/>
           <p:cNvPicPr/>
           <p:nvPr/>
         </p:nvPicPr>
         <p:blipFill>
           <a:blip r:embed="rId1"/>
-          <a:stretch/>
+          <a:stretch>
+            <a:fillRect/>
+          </a:stretch>
         </p:blipFill>
         <p:spPr>
           <a:xfrm rot="516000">
@@ -7989,7 +8343,7 @@
             <a:miter/>
           </a:ln>
           <a:effectLst>
-            <a:outerShdw algn="tl" blurRad="50800" dir="2700000" dist="38100" rotWithShape="0">
+            <a:outerShdw blurRad="50800" dist="38100" dir="2700000" algn="tl" rotWithShape="0">
               <a:srgbClr val="000000">
                 <a:alpha val="43000"/>
               </a:srgbClr>
@@ -7999,38 +8353,41 @@
       </p:pic>
     </p:spTree>
   </p:cSld>
+  <p:clrMapOvr>
+    <a:masterClrMapping/>
+  </p:clrMapOvr>
   <p:transition>
     <p:wedge/>
   </p:transition>
   <p:timing>
     <p:tnLst>
       <p:par>
-        <p:cTn id="144" dur="indefinite" restart="never" nodeType="tmRoot">
+        <p:cTn id="1" dur="indefinite" restart="never" nodeType="tmRoot">
           <p:childTnLst>
-            <p:seq>
-              <p:cTn id="145" dur="indefinite" nodeType="mainSeq">
+            <p:seq concurrent="1" nextAc="seek">
+              <p:cTn id="2" dur="indefinite" nodeType="mainSeq">
                 <p:childTnLst>
                   <p:par>
-                    <p:cTn id="146" fill="hold">
+                    <p:cTn id="3" fill="hold">
                       <p:stCondLst>
                         <p:cond delay="indefinite"/>
                       </p:stCondLst>
                       <p:childTnLst>
                         <p:par>
-                          <p:cTn id="147" fill="hold">
+                          <p:cTn id="4" fill="hold">
                             <p:stCondLst>
                               <p:cond delay="0"/>
                             </p:stCondLst>
                             <p:childTnLst>
                               <p:par>
-                                <p:cTn id="148" nodeType="clickEffect" fill="hold" presetClass="entr" presetID="3" presetSubtype="10">
+                                <p:cTn id="5" presetID="3" presetClass="entr" presetSubtype="10" fill="hold" nodeType="clickEffect">
                                   <p:stCondLst>
                                     <p:cond delay="0"/>
                                   </p:stCondLst>
                                   <p:childTnLst>
                                     <p:set>
                                       <p:cBhvr>
-                                        <p:cTn id="149" dur="1" fill="hold">
+                                        <p:cTn id="6" dur="1" fill="hold">
                                           <p:stCondLst>
                                             <p:cond delay="0"/>
                                           </p:stCondLst>
@@ -8046,9 +8403,9 @@
                                         <p:strVal val="visible"/>
                                       </p:to>
                                     </p:set>
-                                    <p:animEffect filter="blinds(horizontal)" transition="in">
+                                    <p:animEffect transition="in" filter="blinds(horizontal)">
                                       <p:cBhvr additive="repl">
-                                        <p:cTn id="150" dur="500"/>
+                                        <p:cTn id="7" dur="500"/>
                                         <p:tgtEl>
                                           <p:spTgt spid="128"/>
                                         </p:tgtEl>
@@ -8064,26 +8421,26 @@
                     </p:cTn>
                   </p:par>
                   <p:par>
-                    <p:cTn id="151" fill="hold">
+                    <p:cTn id="8" fill="hold">
                       <p:stCondLst>
                         <p:cond delay="indefinite"/>
                       </p:stCondLst>
                       <p:childTnLst>
                         <p:par>
-                          <p:cTn id="152" fill="hold">
+                          <p:cTn id="9" fill="hold">
                             <p:stCondLst>
                               <p:cond delay="0"/>
                             </p:stCondLst>
                             <p:childTnLst>
                               <p:par>
-                                <p:cTn id="153" nodeType="clickEffect" fill="hold" presetClass="entr" presetID="3" presetSubtype="10">
+                                <p:cTn id="10" presetID="3" presetClass="entr" presetSubtype="10" fill="hold" nodeType="clickEffect">
                                   <p:stCondLst>
                                     <p:cond delay="0"/>
                                   </p:stCondLst>
                                   <p:childTnLst>
                                     <p:set>
                                       <p:cBhvr>
-                                        <p:cTn id="154" dur="1" fill="hold">
+                                        <p:cTn id="11" dur="1" fill="hold">
                                           <p:stCondLst>
                                             <p:cond delay="0"/>
                                           </p:stCondLst>
@@ -8099,9 +8456,9 @@
                                         <p:strVal val="visible"/>
                                       </p:to>
                                     </p:set>
-                                    <p:animEffect filter="blinds(horizontal)" transition="in">
+                                    <p:animEffect transition="in" filter="blinds(horizontal)">
                                       <p:cBhvr additive="repl">
-                                        <p:cTn id="155" dur="500"/>
+                                        <p:cTn id="12" dur="500"/>
                                         <p:tgtEl>
                                           <p:spTgt spid="130"/>
                                         </p:tgtEl>
@@ -8117,26 +8474,26 @@
                     </p:cTn>
                   </p:par>
                   <p:par>
-                    <p:cTn id="156" fill="hold">
+                    <p:cTn id="13" fill="hold">
                       <p:stCondLst>
                         <p:cond delay="indefinite"/>
                       </p:stCondLst>
                       <p:childTnLst>
                         <p:par>
-                          <p:cTn id="157" fill="hold">
+                          <p:cTn id="14" fill="hold">
                             <p:stCondLst>
                               <p:cond delay="0"/>
                             </p:stCondLst>
                             <p:childTnLst>
                               <p:par>
-                                <p:cTn id="158" nodeType="clickEffect" fill="hold" presetClass="entr" presetID="16" presetSubtype="26">
+                                <p:cTn id="15" presetID="16" presetClass="entr" presetSubtype="26" fill="hold" nodeType="clickEffect">
                                   <p:stCondLst>
                                     <p:cond delay="0"/>
                                   </p:stCondLst>
                                   <p:childTnLst>
                                     <p:set>
                                       <p:cBhvr>
-                                        <p:cTn id="159" dur="1" fill="hold">
+                                        <p:cTn id="16" dur="1" fill="hold">
                                           <p:stCondLst>
                                             <p:cond delay="0"/>
                                           </p:stCondLst>
@@ -8156,9 +8513,9 @@
                                         <p:strVal val="visible"/>
                                       </p:to>
                                     </p:set>
-                                    <p:animEffect filter="barn(inHorizontal)" transition="in">
+                                    <p:animEffect transition="in" filter="barn(inHorizontal)">
                                       <p:cBhvr additive="repl">
-                                        <p:cTn id="160" dur="500"/>
+                                        <p:cTn id="17" dur="500"/>
                                         <p:tgtEl>
                                           <p:spTgt spid="129">
                                             <p:txEl>
@@ -8178,26 +8535,26 @@
                     </p:cTn>
                   </p:par>
                   <p:par>
-                    <p:cTn id="161" fill="hold">
+                    <p:cTn id="18" fill="hold">
                       <p:stCondLst>
                         <p:cond delay="indefinite"/>
                       </p:stCondLst>
                       <p:childTnLst>
                         <p:par>
-                          <p:cTn id="162" fill="hold">
+                          <p:cTn id="19" fill="hold">
                             <p:stCondLst>
                               <p:cond delay="0"/>
                             </p:stCondLst>
                             <p:childTnLst>
                               <p:par>
-                                <p:cTn id="163" nodeType="clickEffect" fill="hold" presetClass="entr" presetID="16" presetSubtype="26">
+                                <p:cTn id="20" presetID="16" presetClass="entr" presetSubtype="26" fill="hold" nodeType="clickEffect">
                                   <p:stCondLst>
                                     <p:cond delay="0"/>
                                   </p:stCondLst>
                                   <p:childTnLst>
                                     <p:set>
                                       <p:cBhvr>
-                                        <p:cTn id="164" dur="1" fill="hold">
+                                        <p:cTn id="21" dur="1" fill="hold">
                                           <p:stCondLst>
                                             <p:cond delay="0"/>
                                           </p:stCondLst>
@@ -8217,9 +8574,9 @@
                                         <p:strVal val="visible"/>
                                       </p:to>
                                     </p:set>
-                                    <p:animEffect filter="barn(inHorizontal)" transition="in">
+                                    <p:animEffect transition="in" filter="barn(inHorizontal)">
                                       <p:cBhvr additive="repl">
-                                        <p:cTn id="165" dur="500"/>
+                                        <p:cTn id="22" dur="500"/>
                                         <p:tgtEl>
                                           <p:spTgt spid="129">
                                             <p:txEl>
@@ -8239,26 +8596,26 @@
                     </p:cTn>
                   </p:par>
                   <p:par>
-                    <p:cTn id="166" fill="hold">
+                    <p:cTn id="23" fill="hold">
                       <p:stCondLst>
                         <p:cond delay="indefinite"/>
                       </p:stCondLst>
                       <p:childTnLst>
                         <p:par>
-                          <p:cTn id="167" fill="hold">
+                          <p:cTn id="24" fill="hold">
                             <p:stCondLst>
                               <p:cond delay="0"/>
                             </p:stCondLst>
                             <p:childTnLst>
                               <p:par>
-                                <p:cTn id="168" nodeType="clickEffect" fill="hold" presetClass="entr" presetID="16" presetSubtype="26">
+                                <p:cTn id="25" presetID="16" presetClass="entr" presetSubtype="26" fill="hold" nodeType="clickEffect">
                                   <p:stCondLst>
                                     <p:cond delay="0"/>
                                   </p:stCondLst>
                                   <p:childTnLst>
                                     <p:set>
                                       <p:cBhvr>
-                                        <p:cTn id="169" dur="1" fill="hold">
+                                        <p:cTn id="26" dur="1" fill="hold">
                                           <p:stCondLst>
                                             <p:cond delay="0"/>
                                           </p:stCondLst>
@@ -8278,9 +8635,9 @@
                                         <p:strVal val="visible"/>
                                       </p:to>
                                     </p:set>
-                                    <p:animEffect filter="barn(inHorizontal)" transition="in">
+                                    <p:animEffect transition="in" filter="barn(inHorizontal)">
                                       <p:cBhvr additive="repl">
-                                        <p:cTn id="170" dur="500"/>
+                                        <p:cTn id="27" dur="500"/>
                                         <p:tgtEl>
                                           <p:spTgt spid="129">
                                             <p:txEl>
@@ -8300,26 +8657,26 @@
                     </p:cTn>
                   </p:par>
                   <p:par>
-                    <p:cTn id="171" fill="hold">
+                    <p:cTn id="28" fill="hold">
                       <p:stCondLst>
                         <p:cond delay="indefinite"/>
                       </p:stCondLst>
                       <p:childTnLst>
                         <p:par>
-                          <p:cTn id="172" fill="hold">
+                          <p:cTn id="29" fill="hold">
                             <p:stCondLst>
                               <p:cond delay="0"/>
                             </p:stCondLst>
                             <p:childTnLst>
                               <p:par>
-                                <p:cTn id="173" nodeType="clickEffect" fill="hold" presetClass="entr" presetID="16" presetSubtype="26">
+                                <p:cTn id="30" presetID="16" presetClass="entr" presetSubtype="26" fill="hold" nodeType="clickEffect">
                                   <p:stCondLst>
                                     <p:cond delay="0"/>
                                   </p:stCondLst>
                                   <p:childTnLst>
                                     <p:set>
                                       <p:cBhvr>
-                                        <p:cTn id="174" dur="1" fill="hold">
+                                        <p:cTn id="31" dur="1" fill="hold">
                                           <p:stCondLst>
                                             <p:cond delay="0"/>
                                           </p:stCondLst>
@@ -8339,9 +8696,9 @@
                                         <p:strVal val="visible"/>
                                       </p:to>
                                     </p:set>
-                                    <p:animEffect filter="barn(inHorizontal)" transition="in">
+                                    <p:animEffect transition="in" filter="barn(inHorizontal)">
                                       <p:cBhvr additive="repl">
-                                        <p:cTn id="175" dur="500"/>
+                                        <p:cTn id="32" dur="500"/>
                                         <p:tgtEl>
                                           <p:spTgt spid="129">
                                             <p:txEl>
@@ -8361,26 +8718,26 @@
                     </p:cTn>
                   </p:par>
                   <p:par>
-                    <p:cTn id="176" fill="hold">
+                    <p:cTn id="33" fill="hold">
                       <p:stCondLst>
                         <p:cond delay="indefinite"/>
                       </p:stCondLst>
                       <p:childTnLst>
                         <p:par>
-                          <p:cTn id="177" fill="hold">
+                          <p:cTn id="34" fill="hold">
                             <p:stCondLst>
                               <p:cond delay="0"/>
                             </p:stCondLst>
                             <p:childTnLst>
                               <p:par>
-                                <p:cTn id="178" nodeType="clickEffect" fill="hold" presetClass="entr" presetID="16" presetSubtype="26">
+                                <p:cTn id="35" presetID="16" presetClass="entr" presetSubtype="26" fill="hold" nodeType="clickEffect">
                                   <p:stCondLst>
                                     <p:cond delay="0"/>
                                   </p:stCondLst>
                                   <p:childTnLst>
                                     <p:set>
                                       <p:cBhvr>
-                                        <p:cTn id="179" dur="1" fill="hold">
+                                        <p:cTn id="36" dur="1" fill="hold">
                                           <p:stCondLst>
                                             <p:cond delay="0"/>
                                           </p:stCondLst>
@@ -8400,9 +8757,9 @@
                                         <p:strVal val="visible"/>
                                       </p:to>
                                     </p:set>
-                                    <p:animEffect filter="barn(inHorizontal)" transition="in">
+                                    <p:animEffect transition="in" filter="barn(inHorizontal)">
                                       <p:cBhvr additive="repl">
-                                        <p:cTn id="180" dur="500"/>
+                                        <p:cTn id="37" dur="500"/>
                                         <p:tgtEl>
                                           <p:spTgt spid="129">
                                             <p:txEl>
@@ -8424,14 +8781,14 @@
                 </p:childTnLst>
               </p:cTn>
               <p:prevCondLst>
-                <p:cond delay="0" evt="onPrev">
+                <p:cond evt="onPrev" delay="0">
                   <p:tgtEl>
                     <p:sldTgt/>
                   </p:tgtEl>
                 </p:cond>
               </p:prevCondLst>
               <p:nextCondLst>
-                <p:cond delay="0" evt="onNext">
+                <p:cond evt="onNext" delay="0">
                   <p:tgtEl>
                     <p:sldTgt/>
                   </p:tgtEl>
@@ -8447,7 +8804,7 @@
 </file>
 
 <file path=ppt/slides/slide8.xml><?xml version="1.0" encoding="utf-8"?>
-<p:sld xmlns:a="http://schemas.openxmlformats.org/drawingml/2006/main" xmlns:p="http://schemas.openxmlformats.org/presentationml/2006/main" xmlns:r="http://schemas.openxmlformats.org/officeDocument/2006/relationships" xmlns:p14="http://schemas.microsoft.com/office/powerpoint/2010/main" xmlns:p15="http://schemas.microsoft.com/office/powerpoint/2012/main" xmlns:mc="http://schemas.openxmlformats.org/markup-compatibility/2006">
+<p:sld xmlns:a="http://schemas.openxmlformats.org/drawingml/2006/main" xmlns:r="http://schemas.openxmlformats.org/officeDocument/2006/relationships" xmlns:p="http://schemas.openxmlformats.org/presentationml/2006/main">
   <p:cSld>
     <p:spTree>
       <p:nvGrpSpPr>
@@ -8483,7 +8840,7 @@
           </a:ln>
         </p:spPr>
         <p:txBody>
-          <a:bodyPr lIns="90000" rIns="90000" tIns="45000" bIns="45000" anchor="b"/>
+          <a:bodyPr lIns="90000" tIns="45000" rIns="90000" bIns="45000" anchor="b"/>
           <a:p>
             <a:pPr>
               <a:lnSpc>
@@ -8491,15 +8848,15 @@
               </a:lnSpc>
             </a:pPr>
             <a:r>
-              <a:rPr b="0" lang="en-US" sz="4400" spc="-1" strike="noStrike" cap="small">
+              <a:rPr lang="en-US" sz="4400" b="0" strike="noStrike" cap="small" spc="-1">
                 <a:solidFill>
-                  <a:srgbClr val="575f6d"/>
+                  <a:srgbClr val="575F6D"/>
                 </a:solidFill>
                 <a:latin typeface="comic"/>
               </a:rPr>
               <a:t>OUR ROLE IN ERADICATING POVERTY!!!!</a:t>
             </a:r>
-            <a:endParaRPr b="0" lang="en-US" sz="4400" spc="-1" strike="noStrike">
+            <a:endParaRPr lang="en-US" sz="4400" b="0" strike="noStrike" spc="-1">
               <a:solidFill>
                 <a:srgbClr val="000000"/>
               </a:solidFill>
@@ -8528,24 +8885,24 @@
           </a:ln>
         </p:spPr>
         <p:txBody>
-          <a:bodyPr lIns="90000" rIns="90000" tIns="45000" bIns="45000"/>
-          <a:p>
-            <a:pPr marL="274320" indent="-273960">
+          <a:bodyPr lIns="90000" tIns="45000" rIns="90000" bIns="45000"/>
+          <a:p>
+            <a:pPr marL="274320" indent="-273685">
               <a:lnSpc>
                 <a:spcPct val="100000"/>
               </a:lnSpc>
               <a:spcBef>
-                <a:spcPts val="601"/>
+                <a:spcPts val="600"/>
               </a:spcBef>
               <a:buClr>
-                <a:srgbClr val="fe8637"/>
+                <a:srgbClr val="FE8637"/>
               </a:buClr>
               <a:buSzPct val="70000"/>
-              <a:buFont typeface="Wingdings" charset="2"/>
+              <a:buFont typeface="Wingdings" panose="05000000000000000000" pitchFamily="2" charset="2"/>
               <a:buChar char=""/>
             </a:pPr>
             <a:r>
-              <a:rPr b="0" lang="en-US" sz="2400" spc="-1" strike="noStrike">
+              <a:rPr lang="en-US" sz="2400" b="0" strike="noStrike" spc="-1">
                 <a:solidFill>
                   <a:srgbClr val="000000"/>
                 </a:solidFill>
@@ -8553,30 +8910,30 @@
               </a:rPr>
               <a:t>Educate the poor strata of the society.</a:t>
             </a:r>
-            <a:endParaRPr b="0" lang="en-US" sz="2400" spc="-1" strike="noStrike">
-              <a:solidFill>
-                <a:srgbClr val="000000"/>
-              </a:solidFill>
-              <a:latin typeface="Century Schoolbook"/>
-            </a:endParaRPr>
-          </a:p>
-          <a:p>
-            <a:pPr marL="274320" indent="-273960">
+            <a:endParaRPr lang="en-US" sz="2400" b="0" strike="noStrike" spc="-1">
+              <a:solidFill>
+                <a:srgbClr val="000000"/>
+              </a:solidFill>
+              <a:latin typeface="Century Schoolbook"/>
+            </a:endParaRPr>
+          </a:p>
+          <a:p>
+            <a:pPr marL="274320" indent="-273685">
               <a:lnSpc>
                 <a:spcPct val="100000"/>
               </a:lnSpc>
               <a:spcBef>
-                <a:spcPts val="601"/>
+                <a:spcPts val="600"/>
               </a:spcBef>
               <a:buClr>
-                <a:srgbClr val="fe8637"/>
+                <a:srgbClr val="FE8637"/>
               </a:buClr>
               <a:buSzPct val="70000"/>
-              <a:buFont typeface="Wingdings" charset="2"/>
+              <a:buFont typeface="Wingdings" panose="05000000000000000000" pitchFamily="2" charset="2"/>
               <a:buChar char=""/>
             </a:pPr>
             <a:r>
-              <a:rPr b="0" lang="en-US" sz="2400" spc="-1" strike="noStrike">
+              <a:rPr lang="en-US" sz="2400" b="0" strike="noStrike" spc="-1">
                 <a:solidFill>
                   <a:srgbClr val="000000"/>
                 </a:solidFill>
@@ -8584,30 +8941,30 @@
               </a:rPr>
               <a:t>Make generous donations.</a:t>
             </a:r>
-            <a:endParaRPr b="0" lang="en-US" sz="2400" spc="-1" strike="noStrike">
-              <a:solidFill>
-                <a:srgbClr val="000000"/>
-              </a:solidFill>
-              <a:latin typeface="Century Schoolbook"/>
-            </a:endParaRPr>
-          </a:p>
-          <a:p>
-            <a:pPr marL="274320" indent="-273960">
+            <a:endParaRPr lang="en-US" sz="2400" b="0" strike="noStrike" spc="-1">
+              <a:solidFill>
+                <a:srgbClr val="000000"/>
+              </a:solidFill>
+              <a:latin typeface="Century Schoolbook"/>
+            </a:endParaRPr>
+          </a:p>
+          <a:p>
+            <a:pPr marL="274320" indent="-273685">
               <a:lnSpc>
                 <a:spcPct val="100000"/>
               </a:lnSpc>
               <a:spcBef>
-                <a:spcPts val="601"/>
+                <a:spcPts val="600"/>
               </a:spcBef>
               <a:buClr>
-                <a:srgbClr val="fe8637"/>
+                <a:srgbClr val="FE8637"/>
               </a:buClr>
               <a:buSzPct val="70000"/>
-              <a:buFont typeface="Wingdings" charset="2"/>
+              <a:buFont typeface="Wingdings" panose="05000000000000000000" pitchFamily="2" charset="2"/>
               <a:buChar char=""/>
             </a:pPr>
             <a:r>
-              <a:rPr b="0" lang="en-US" sz="2400" spc="-1" strike="noStrike">
+              <a:rPr lang="en-US" sz="2400" b="0" strike="noStrike" spc="-1">
                 <a:solidFill>
                   <a:srgbClr val="000000"/>
                 </a:solidFill>
@@ -8615,30 +8972,30 @@
               </a:rPr>
               <a:t>Create jobs rather than looking for jobs.</a:t>
             </a:r>
-            <a:endParaRPr b="0" lang="en-US" sz="2400" spc="-1" strike="noStrike">
-              <a:solidFill>
-                <a:srgbClr val="000000"/>
-              </a:solidFill>
-              <a:latin typeface="Century Schoolbook"/>
-            </a:endParaRPr>
-          </a:p>
-          <a:p>
-            <a:pPr marL="274320" indent="-273960">
+            <a:endParaRPr lang="en-US" sz="2400" b="0" strike="noStrike" spc="-1">
+              <a:solidFill>
+                <a:srgbClr val="000000"/>
+              </a:solidFill>
+              <a:latin typeface="Century Schoolbook"/>
+            </a:endParaRPr>
+          </a:p>
+          <a:p>
+            <a:pPr marL="274320" indent="-273685">
               <a:lnSpc>
                 <a:spcPct val="100000"/>
               </a:lnSpc>
               <a:spcBef>
-                <a:spcPts val="601"/>
+                <a:spcPts val="600"/>
               </a:spcBef>
               <a:buClr>
-                <a:srgbClr val="fe8637"/>
+                <a:srgbClr val="FE8637"/>
               </a:buClr>
               <a:buSzPct val="70000"/>
-              <a:buFont typeface="Wingdings" charset="2"/>
+              <a:buFont typeface="Wingdings" panose="05000000000000000000" pitchFamily="2" charset="2"/>
               <a:buChar char=""/>
             </a:pPr>
             <a:r>
-              <a:rPr b="0" lang="en-US" sz="2400" spc="-1" strike="noStrike">
+              <a:rPr lang="en-US" sz="2400" b="0" strike="noStrike" spc="-1">
                 <a:solidFill>
                   <a:srgbClr val="000000"/>
                 </a:solidFill>
@@ -8646,7 +9003,7 @@
               </a:rPr>
               <a:t> </a:t>
             </a:r>
-            <a:endParaRPr b="0" lang="en-US" sz="2400" spc="-1" strike="noStrike">
+            <a:endParaRPr lang="en-US" sz="2400" b="0" strike="noStrike" spc="-1">
               <a:solidFill>
                 <a:srgbClr val="000000"/>
               </a:solidFill>
@@ -8657,13 +9014,15 @@
       </p:sp>
       <p:pic>
         <p:nvPicPr>
-          <p:cNvPr id="133" name="Picture 2" descr=""/>
+          <p:cNvPr id="133" name="Picture 2"/>
           <p:cNvPicPr/>
           <p:nvPr/>
         </p:nvPicPr>
         <p:blipFill>
           <a:blip r:embed="rId1"/>
-          <a:stretch/>
+          <a:stretch>
+            <a:fillRect/>
+          </a:stretch>
         </p:blipFill>
         <p:spPr>
           <a:xfrm rot="622800">
@@ -8680,7 +9039,7 @@
             <a:miter/>
           </a:ln>
           <a:effectLst>
-            <a:outerShdw algn="tl" blurRad="50800" dir="2700000" dist="38100" rotWithShape="0">
+            <a:outerShdw blurRad="50800" dist="38100" dir="2700000" algn="tl" rotWithShape="0">
               <a:srgbClr val="000000">
                 <a:alpha val="43000"/>
               </a:srgbClr>
@@ -8690,38 +9049,41 @@
       </p:pic>
     </p:spTree>
   </p:cSld>
+  <p:clrMapOvr>
+    <a:masterClrMapping/>
+  </p:clrMapOvr>
   <p:transition>
     <p:wedge/>
   </p:transition>
   <p:timing>
     <p:tnLst>
       <p:par>
-        <p:cTn id="181" dur="indefinite" restart="never" nodeType="tmRoot">
+        <p:cTn id="1" dur="indefinite" restart="never" nodeType="tmRoot">
           <p:childTnLst>
-            <p:seq>
-              <p:cTn id="182" dur="indefinite" nodeType="mainSeq">
+            <p:seq concurrent="1" nextAc="seek">
+              <p:cTn id="2" dur="indefinite" nodeType="mainSeq">
                 <p:childTnLst>
                   <p:par>
-                    <p:cTn id="183" fill="hold">
+                    <p:cTn id="3" fill="hold">
                       <p:stCondLst>
                         <p:cond delay="indefinite"/>
                       </p:stCondLst>
                       <p:childTnLst>
                         <p:par>
-                          <p:cTn id="184" fill="hold">
+                          <p:cTn id="4" fill="hold">
                             <p:stCondLst>
                               <p:cond delay="0"/>
                             </p:stCondLst>
                             <p:childTnLst>
                               <p:par>
-                                <p:cTn id="185" nodeType="clickEffect" fill="hold" presetClass="entr" presetID="18" presetSubtype="12">
+                                <p:cTn id="5" presetID="18" presetClass="entr" presetSubtype="12" fill="hold" nodeType="clickEffect">
                                   <p:stCondLst>
                                     <p:cond delay="0"/>
                                   </p:stCondLst>
                                   <p:childTnLst>
                                     <p:set>
                                       <p:cBhvr>
-                                        <p:cTn id="186" dur="1" fill="hold">
+                                        <p:cTn id="6" dur="1" fill="hold">
                                           <p:stCondLst>
                                             <p:cond delay="0"/>
                                           </p:stCondLst>
@@ -8737,9 +9099,9 @@
                                         <p:strVal val="visible"/>
                                       </p:to>
                                     </p:set>
-                                    <p:animEffect filter="strips(downLeft)" transition="in">
+                                    <p:animEffect transition="in" filter="strips(downLeft)">
                                       <p:cBhvr additive="repl">
-                                        <p:cTn id="187" dur="500"/>
+                                        <p:cTn id="7" dur="500"/>
                                         <p:tgtEl>
                                           <p:spTgt spid="131"/>
                                         </p:tgtEl>
@@ -8755,26 +9117,26 @@
                     </p:cTn>
                   </p:par>
                   <p:par>
-                    <p:cTn id="188" fill="hold">
+                    <p:cTn id="8" fill="hold">
                       <p:stCondLst>
                         <p:cond delay="indefinite"/>
                       </p:stCondLst>
                       <p:childTnLst>
                         <p:par>
-                          <p:cTn id="189" fill="hold">
+                          <p:cTn id="9" fill="hold">
                             <p:stCondLst>
                               <p:cond delay="0"/>
                             </p:stCondLst>
                             <p:childTnLst>
                               <p:par>
-                                <p:cTn id="190" nodeType="clickEffect" fill="hold" presetClass="entr" presetID="18" presetSubtype="12">
+                                <p:cTn id="10" presetID="18" presetClass="entr" presetSubtype="12" fill="hold" nodeType="clickEffect">
                                   <p:stCondLst>
                                     <p:cond delay="0"/>
                                   </p:stCondLst>
                                   <p:childTnLst>
                                     <p:set>
                                       <p:cBhvr>
-                                        <p:cTn id="191" dur="1" fill="hold">
+                                        <p:cTn id="11" dur="1" fill="hold">
                                           <p:stCondLst>
                                             <p:cond delay="0"/>
                                           </p:stCondLst>
@@ -8790,9 +9152,9 @@
                                         <p:strVal val="visible"/>
                                       </p:to>
                                     </p:set>
-                                    <p:animEffect filter="strips(downLeft)" transition="in">
+                                    <p:animEffect transition="in" filter="strips(downLeft)">
                                       <p:cBhvr additive="repl">
-                                        <p:cTn id="192" dur="500"/>
+                                        <p:cTn id="12" dur="500"/>
                                         <p:tgtEl>
                                           <p:spTgt spid="133"/>
                                         </p:tgtEl>
@@ -8808,26 +9170,26 @@
                     </p:cTn>
                   </p:par>
                   <p:par>
-                    <p:cTn id="193" fill="hold">
+                    <p:cTn id="13" fill="hold">
                       <p:stCondLst>
                         <p:cond delay="indefinite"/>
                       </p:stCondLst>
                       <p:childTnLst>
                         <p:par>
-                          <p:cTn id="194" fill="hold">
+                          <p:cTn id="14" fill="hold">
                             <p:stCondLst>
                               <p:cond delay="0"/>
                             </p:stCondLst>
                             <p:childTnLst>
                               <p:par>
-                                <p:cTn id="195" nodeType="clickEffect" fill="hold" presetClass="entr" presetID="5" presetSubtype="10">
+                                <p:cTn id="15" presetID="5" presetClass="entr" presetSubtype="10" fill="hold" nodeType="clickEffect">
                                   <p:stCondLst>
                                     <p:cond delay="0"/>
                                   </p:stCondLst>
                                   <p:childTnLst>
                                     <p:set>
                                       <p:cBhvr>
-                                        <p:cTn id="196" dur="1" fill="hold">
+                                        <p:cTn id="16" dur="1" fill="hold">
                                           <p:stCondLst>
                                             <p:cond delay="0"/>
                                           </p:stCondLst>
@@ -8847,9 +9209,9 @@
                                         <p:strVal val="visible"/>
                                       </p:to>
                                     </p:set>
-                                    <p:animEffect filter="checkerboard(across)" transition="in">
+                                    <p:animEffect transition="in" filter="checkerboard(across)">
                                       <p:cBhvr additive="repl">
-                                        <p:cTn id="197" dur="500"/>
+                                        <p:cTn id="17" dur="500"/>
                                         <p:tgtEl>
                                           <p:spTgt spid="132">
                                             <p:txEl>
@@ -8869,26 +9231,26 @@
                     </p:cTn>
                   </p:par>
                   <p:par>
-                    <p:cTn id="198" fill="hold">
+                    <p:cTn id="18" fill="hold">
                       <p:stCondLst>
                         <p:cond delay="indefinite"/>
                       </p:stCondLst>
                       <p:childTnLst>
                         <p:par>
-                          <p:cTn id="199" fill="hold">
+                          <p:cTn id="19" fill="hold">
                             <p:stCondLst>
                               <p:cond delay="0"/>
                             </p:stCondLst>
                             <p:childTnLst>
                               <p:par>
-                                <p:cTn id="200" nodeType="clickEffect" fill="hold" presetClass="entr" presetID="5" presetSubtype="10">
+                                <p:cTn id="20" presetID="5" presetClass="entr" presetSubtype="10" fill="hold" nodeType="clickEffect">
                                   <p:stCondLst>
                                     <p:cond delay="0"/>
                                   </p:stCondLst>
                                   <p:childTnLst>
                                     <p:set>
                                       <p:cBhvr>
-                                        <p:cTn id="201" dur="1" fill="hold">
+                                        <p:cTn id="21" dur="1" fill="hold">
                                           <p:stCondLst>
                                             <p:cond delay="0"/>
                                           </p:stCondLst>
@@ -8908,9 +9270,9 @@
                                         <p:strVal val="visible"/>
                                       </p:to>
                                     </p:set>
-                                    <p:animEffect filter="checkerboard(across)" transition="in">
+                                    <p:animEffect transition="in" filter="checkerboard(across)">
                                       <p:cBhvr additive="repl">
-                                        <p:cTn id="202" dur="500"/>
+                                        <p:cTn id="22" dur="500"/>
                                         <p:tgtEl>
                                           <p:spTgt spid="132">
                                             <p:txEl>
@@ -8930,26 +9292,26 @@
                     </p:cTn>
                   </p:par>
                   <p:par>
-                    <p:cTn id="203" fill="hold">
+                    <p:cTn id="23" fill="hold">
                       <p:stCondLst>
                         <p:cond delay="indefinite"/>
                       </p:stCondLst>
                       <p:childTnLst>
                         <p:par>
-                          <p:cTn id="204" fill="hold">
+                          <p:cTn id="24" fill="hold">
                             <p:stCondLst>
                               <p:cond delay="0"/>
                             </p:stCondLst>
                             <p:childTnLst>
                               <p:par>
-                                <p:cTn id="205" nodeType="clickEffect" fill="hold" presetClass="entr" presetID="5" presetSubtype="10">
+                                <p:cTn id="25" presetID="5" presetClass="entr" presetSubtype="10" fill="hold" nodeType="clickEffect">
                                   <p:stCondLst>
                                     <p:cond delay="0"/>
                                   </p:stCondLst>
                                   <p:childTnLst>
                                     <p:set>
                                       <p:cBhvr>
-                                        <p:cTn id="206" dur="1" fill="hold">
+                                        <p:cTn id="26" dur="1" fill="hold">
                                           <p:stCondLst>
                                             <p:cond delay="0"/>
                                           </p:stCondLst>
@@ -8969,9 +9331,9 @@
                                         <p:strVal val="visible"/>
                                       </p:to>
                                     </p:set>
-                                    <p:animEffect filter="checkerboard(across)" transition="in">
+                                    <p:animEffect transition="in" filter="checkerboard(across)">
                                       <p:cBhvr additive="repl">
-                                        <p:cTn id="207" dur="500"/>
+                                        <p:cTn id="27" dur="500"/>
                                         <p:tgtEl>
                                           <p:spTgt spid="132">
                                             <p:txEl>
@@ -8991,26 +9353,26 @@
                     </p:cTn>
                   </p:par>
                   <p:par>
-                    <p:cTn id="208" fill="hold">
+                    <p:cTn id="28" fill="hold">
                       <p:stCondLst>
                         <p:cond delay="indefinite"/>
                       </p:stCondLst>
                       <p:childTnLst>
                         <p:par>
-                          <p:cTn id="209" fill="hold">
+                          <p:cTn id="29" fill="hold">
                             <p:stCondLst>
                               <p:cond delay="0"/>
                             </p:stCondLst>
                             <p:childTnLst>
                               <p:par>
-                                <p:cTn id="210" nodeType="clickEffect" fill="hold" presetClass="entr" presetID="5" presetSubtype="10">
+                                <p:cTn id="30" presetID="5" presetClass="entr" presetSubtype="10" fill="hold" nodeType="clickEffect">
                                   <p:stCondLst>
                                     <p:cond delay="0"/>
                                   </p:stCondLst>
                                   <p:childTnLst>
                                     <p:set>
                                       <p:cBhvr>
-                                        <p:cTn id="211" dur="1" fill="hold">
+                                        <p:cTn id="31" dur="1" fill="hold">
                                           <p:stCondLst>
                                             <p:cond delay="0"/>
                                           </p:stCondLst>
@@ -9030,9 +9392,9 @@
                                         <p:strVal val="visible"/>
                                       </p:to>
                                     </p:set>
-                                    <p:animEffect filter="checkerboard(across)" transition="in">
+                                    <p:animEffect transition="in" filter="checkerboard(across)">
                                       <p:cBhvr additive="repl">
-                                        <p:cTn id="212" dur="500"/>
+                                        <p:cTn id="32" dur="500"/>
                                         <p:tgtEl>
                                           <p:spTgt spid="132">
                                             <p:txEl>
@@ -9054,14 +9416,14 @@
                 </p:childTnLst>
               </p:cTn>
               <p:prevCondLst>
-                <p:cond delay="0" evt="onPrev">
+                <p:cond evt="onPrev" delay="0">
                   <p:tgtEl>
                     <p:sldTgt/>
                   </p:tgtEl>
                 </p:cond>
               </p:prevCondLst>
               <p:nextCondLst>
-                <p:cond delay="0" evt="onNext">
+                <p:cond evt="onNext" delay="0">
                   <p:tgtEl>
                     <p:sldTgt/>
                   </p:tgtEl>
@@ -9077,7 +9439,7 @@
 </file>
 
 <file path=ppt/slides/slide9.xml><?xml version="1.0" encoding="utf-8"?>
-<p:sld xmlns:a="http://schemas.openxmlformats.org/drawingml/2006/main" xmlns:p="http://schemas.openxmlformats.org/presentationml/2006/main" xmlns:r="http://schemas.openxmlformats.org/officeDocument/2006/relationships" xmlns:p14="http://schemas.microsoft.com/office/powerpoint/2010/main" xmlns:p15="http://schemas.microsoft.com/office/powerpoint/2012/main" xmlns:mc="http://schemas.openxmlformats.org/markup-compatibility/2006">
+<p:sld xmlns:a="http://schemas.openxmlformats.org/drawingml/2006/main" xmlns:r="http://schemas.openxmlformats.org/officeDocument/2006/relationships" xmlns:p="http://schemas.openxmlformats.org/presentationml/2006/main">
   <p:cSld>
     <p:spTree>
       <p:nvGrpSpPr>
@@ -9113,7 +9475,7 @@
           </a:ln>
         </p:spPr>
         <p:txBody>
-          <a:bodyPr lIns="90000" rIns="90000" tIns="45000" bIns="45000" anchor="b"/>
+          <a:bodyPr lIns="90000" tIns="45000" rIns="90000" bIns="45000" anchor="b"/>
           <a:p>
             <a:pPr>
               <a:lnSpc>
@@ -9121,15 +9483,15 @@
               </a:lnSpc>
             </a:pPr>
             <a:r>
-              <a:rPr b="0" lang="en-US" sz="8000" spc="-1" strike="noStrike" cap="small">
+              <a:rPr lang="en-US" sz="8000" b="0" strike="noStrike" cap="small" spc="-1">
                 <a:solidFill>
-                  <a:srgbClr val="575f6d"/>
+                  <a:srgbClr val="575F6D"/>
                 </a:solidFill>
                 <a:latin typeface="comic"/>
               </a:rPr>
               <a:t>CONCLUSION</a:t>
             </a:r>
-            <a:endParaRPr b="0" lang="en-US" sz="8000" spc="-1" strike="noStrike">
+            <a:endParaRPr lang="en-US" sz="8000" b="0" strike="noStrike" spc="-1">
               <a:solidFill>
                 <a:srgbClr val="000000"/>
               </a:solidFill>
@@ -9158,24 +9520,24 @@
           </a:ln>
         </p:spPr>
         <p:txBody>
-          <a:bodyPr lIns="90000" rIns="90000" tIns="45000" bIns="45000"/>
-          <a:p>
-            <a:pPr marL="274320" indent="-273960">
+          <a:bodyPr lIns="90000" tIns="45000" rIns="90000" bIns="45000"/>
+          <a:p>
+            <a:pPr marL="274320" indent="-273685">
               <a:lnSpc>
                 <a:spcPct val="100000"/>
               </a:lnSpc>
               <a:spcBef>
-                <a:spcPts val="601"/>
+                <a:spcPts val="600"/>
               </a:spcBef>
               <a:buClr>
-                <a:srgbClr val="fe8637"/>
+                <a:srgbClr val="FE8637"/>
               </a:buClr>
               <a:buSzPct val="70000"/>
-              <a:buFont typeface="Wingdings" charset="2"/>
+              <a:buFont typeface="Wingdings" panose="05000000000000000000" pitchFamily="2" charset="2"/>
               <a:buChar char=""/>
             </a:pPr>
             <a:r>
-              <a:rPr b="0" lang="en-US" sz="2400" spc="-1" strike="noStrike">
+              <a:rPr lang="en-US" sz="2400" b="0" strike="noStrike" spc="-1">
                 <a:solidFill>
                   <a:srgbClr val="000000"/>
                 </a:solidFill>
@@ -9183,30 +9545,30 @@
               </a:rPr>
               <a:t>Though a sharp bend is seen in poverty rate from 1981 to 2009 but poverty is still at large scale.</a:t>
             </a:r>
-            <a:endParaRPr b="0" lang="en-US" sz="2400" spc="-1" strike="noStrike">
-              <a:solidFill>
-                <a:srgbClr val="000000"/>
-              </a:solidFill>
-              <a:latin typeface="Century Schoolbook"/>
-            </a:endParaRPr>
-          </a:p>
-          <a:p>
-            <a:pPr marL="274320" indent="-273960">
+            <a:endParaRPr lang="en-US" sz="2400" b="0" strike="noStrike" spc="-1">
+              <a:solidFill>
+                <a:srgbClr val="000000"/>
+              </a:solidFill>
+              <a:latin typeface="Century Schoolbook"/>
+            </a:endParaRPr>
+          </a:p>
+          <a:p>
+            <a:pPr marL="274320" indent="-273685">
               <a:lnSpc>
                 <a:spcPct val="100000"/>
               </a:lnSpc>
               <a:spcBef>
-                <a:spcPts val="601"/>
+                <a:spcPts val="600"/>
               </a:spcBef>
               <a:buClr>
-                <a:srgbClr val="fe8637"/>
+                <a:srgbClr val="FE8637"/>
               </a:buClr>
               <a:buSzPct val="70000"/>
-              <a:buFont typeface="Wingdings" charset="2"/>
+              <a:buFont typeface="Wingdings" panose="05000000000000000000" pitchFamily="2" charset="2"/>
               <a:buChar char=""/>
             </a:pPr>
             <a:r>
-              <a:rPr b="0" lang="en-US" sz="2400" spc="-1" strike="noStrike">
+              <a:rPr lang="en-US" sz="2400" b="0" strike="noStrike" spc="-1">
                 <a:solidFill>
                   <a:srgbClr val="000000"/>
                 </a:solidFill>
@@ -9214,30 +9576,30 @@
               </a:rPr>
               <a:t>The govt. make schemes o eradicate poverty but instead the poor people have been eradicated.</a:t>
             </a:r>
-            <a:endParaRPr b="0" lang="en-US" sz="2400" spc="-1" strike="noStrike">
-              <a:solidFill>
-                <a:srgbClr val="000000"/>
-              </a:solidFill>
-              <a:latin typeface="Century Schoolbook"/>
-            </a:endParaRPr>
-          </a:p>
-          <a:p>
-            <a:pPr marL="274320" indent="-273960">
+            <a:endParaRPr lang="en-US" sz="2400" b="0" strike="noStrike" spc="-1">
+              <a:solidFill>
+                <a:srgbClr val="000000"/>
+              </a:solidFill>
+              <a:latin typeface="Century Schoolbook"/>
+            </a:endParaRPr>
+          </a:p>
+          <a:p>
+            <a:pPr marL="274320" indent="-273685">
               <a:lnSpc>
                 <a:spcPct val="100000"/>
               </a:lnSpc>
               <a:spcBef>
-                <a:spcPts val="601"/>
+                <a:spcPts val="600"/>
               </a:spcBef>
               <a:buClr>
-                <a:srgbClr val="fe8637"/>
+                <a:srgbClr val="FE8637"/>
               </a:buClr>
               <a:buSzPct val="70000"/>
-              <a:buFont typeface="Wingdings" charset="2"/>
+              <a:buFont typeface="Wingdings" panose="05000000000000000000" pitchFamily="2" charset="2"/>
               <a:buChar char=""/>
             </a:pPr>
             <a:r>
-              <a:rPr b="0" lang="en-US" sz="2400" spc="-1" strike="noStrike">
+              <a:rPr lang="en-US" sz="2400" b="0" strike="noStrike" spc="-1">
                 <a:solidFill>
                   <a:srgbClr val="000000"/>
                 </a:solidFill>
@@ -9245,39 +9607,39 @@
               </a:rPr>
               <a:t>In order for a bright future, we need to remove poverty completely and build a</a:t>
             </a:r>
-            <a:endParaRPr b="0" lang="en-US" sz="2400" spc="-1" strike="noStrike">
-              <a:solidFill>
-                <a:srgbClr val="000000"/>
-              </a:solidFill>
-              <a:latin typeface="Century Schoolbook"/>
-            </a:endParaRPr>
-          </a:p>
-          <a:p>
-            <a:pPr marL="274320" indent="-273960">
+            <a:endParaRPr lang="en-US" sz="2400" b="0" strike="noStrike" spc="-1">
+              <a:solidFill>
+                <a:srgbClr val="000000"/>
+              </a:solidFill>
+              <a:latin typeface="Century Schoolbook"/>
+            </a:endParaRPr>
+          </a:p>
+          <a:p>
+            <a:pPr marL="274320" indent="-273685">
               <a:lnSpc>
                 <a:spcPct val="100000"/>
               </a:lnSpc>
               <a:spcBef>
-                <a:spcPts val="601"/>
+                <a:spcPts val="600"/>
               </a:spcBef>
             </a:pPr>
-            <a:endParaRPr b="0" lang="en-US" sz="2400" spc="-1" strike="noStrike">
-              <a:solidFill>
-                <a:srgbClr val="000000"/>
-              </a:solidFill>
-              <a:latin typeface="Century Schoolbook"/>
-            </a:endParaRPr>
-          </a:p>
-          <a:p>
-            <a:pPr marL="274320" indent="-273960">
+            <a:endParaRPr lang="en-US" sz="2400" b="0" strike="noStrike" spc="-1">
+              <a:solidFill>
+                <a:srgbClr val="000000"/>
+              </a:solidFill>
+              <a:latin typeface="Century Schoolbook"/>
+            </a:endParaRPr>
+          </a:p>
+          <a:p>
+            <a:pPr marL="274320" indent="-273685">
               <a:lnSpc>
                 <a:spcPct val="100000"/>
               </a:lnSpc>
               <a:spcBef>
-                <a:spcPts val="601"/>
+                <a:spcPts val="600"/>
               </a:spcBef>
             </a:pPr>
-            <a:endParaRPr b="0" lang="en-US" sz="2400" spc="-1" strike="noStrike">
+            <a:endParaRPr lang="en-US" sz="2400" b="0" strike="noStrike" spc="-1">
               <a:solidFill>
                 <a:srgbClr val="000000"/>
               </a:solidFill>
@@ -9306,9 +9668,15 @@
           </a:ln>
         </p:spPr>
         <p:style>
-          <a:lnRef idx="0"/>
-          <a:fillRef idx="0"/>
-          <a:effectRef idx="0"/>
+          <a:lnRef idx="0">
+            <a:srgbClr val="FFFFFF"/>
+          </a:lnRef>
+          <a:fillRef idx="0">
+            <a:srgbClr val="FFFFFF"/>
+          </a:fillRef>
+          <a:effectRef idx="0">
+            <a:srgbClr val="FFFFFF"/>
+          </a:effectRef>
           <a:fontRef idx="minor"/>
         </p:style>
         <p:txBody>
@@ -9320,54 +9688,57 @@
               </a:lnSpc>
             </a:pPr>
             <a:r>
-              <a:rPr b="1" lang="en-IN" sz="5400" spc="49" strike="noStrike">
+              <a:rPr lang="en-IN" sz="5400" b="1" strike="noStrike" spc="49">
                 <a:solidFill>
-                  <a:srgbClr val="5a90f4"/>
+                  <a:srgbClr val="5A90F4"/>
                 </a:solidFill>
                 <a:latin typeface="Century Schoolbook"/>
               </a:rPr>
               <a:t>POVERTY FREE NATION……</a:t>
             </a:r>
-            <a:endParaRPr b="0" lang="en-IN" sz="5400" spc="-1" strike="noStrike">
-              <a:latin typeface="Arial"/>
+            <a:endParaRPr lang="en-IN" sz="5400" b="0" strike="noStrike" spc="-1">
+              <a:latin typeface="Arial" panose="020B0604020202020204"/>
             </a:endParaRPr>
           </a:p>
         </p:txBody>
       </p:sp>
     </p:spTree>
   </p:cSld>
+  <p:clrMapOvr>
+    <a:masterClrMapping/>
+  </p:clrMapOvr>
   <p:transition>
     <p:wedge/>
   </p:transition>
   <p:timing>
     <p:tnLst>
       <p:par>
-        <p:cTn id="213" dur="indefinite" restart="never" nodeType="tmRoot">
+        <p:cTn id="1" dur="indefinite" restart="never" nodeType="tmRoot">
           <p:childTnLst>
-            <p:seq>
-              <p:cTn id="214" dur="indefinite" nodeType="mainSeq">
+            <p:seq concurrent="1" nextAc="seek">
+              <p:cTn id="2" dur="indefinite" nodeType="mainSeq">
                 <p:childTnLst>
                   <p:par>
-                    <p:cTn id="215" fill="hold">
+                    <p:cTn id="3" fill="hold">
                       <p:stCondLst>
                         <p:cond delay="indefinite"/>
                       </p:stCondLst>
                       <p:childTnLst>
                         <p:par>
-                          <p:cTn id="216" fill="hold">
+                          <p:cTn id="4" fill="hold">
                             <p:stCondLst>
                               <p:cond delay="0"/>
                             </p:stCondLst>
                             <p:childTnLst>
                               <p:par>
-                                <p:cTn id="217" nodeType="clickEffect" fill="hold" presetClass="entr" presetID="24">
+                                <p:cTn id="5" presetID="24" presetClass="entr" presetSubtype="0" fill="hold" nodeType="clickEffect">
                                   <p:stCondLst>
                                     <p:cond delay="0"/>
                                   </p:stCondLst>
                                   <p:childTnLst>
                                     <p:set>
                                       <p:cBhvr>
-                                        <p:cTn id="218" dur="1" fill="hold">
+                                        <p:cTn id="6" dur="1" fill="hold">
                                           <p:stCondLst>
                                             <p:cond delay="0"/>
                                           </p:stCondLst>
@@ -9385,7 +9756,7 @@
                                     </p:set>
                                     <p:anim calcmode="lin" valueType="str">
                                       <p:cBhvr additive="repl">
-                                        <p:cTn id="219" dur="1" fill="hold"/>
+                                        <p:cTn id="7" dur="1" fill="hold"/>
                                         <p:tgtEl>
                                           <p:spTgt spid="134"/>
                                         </p:tgtEl>
@@ -9401,26 +9772,26 @@
                     </p:cTn>
                   </p:par>
                   <p:par>
-                    <p:cTn id="220" fill="hold">
+                    <p:cTn id="8" fill="hold">
                       <p:stCondLst>
                         <p:cond delay="indefinite"/>
                       </p:stCondLst>
                       <p:childTnLst>
                         <p:par>
-                          <p:cTn id="221" fill="hold">
+                          <p:cTn id="9" fill="hold">
                             <p:stCondLst>
                               <p:cond delay="0"/>
                             </p:stCondLst>
                             <p:childTnLst>
                               <p:par>
-                                <p:cTn id="222" nodeType="clickEffect" fill="hold" presetClass="entr" presetID="18" presetSubtype="12">
+                                <p:cTn id="10" presetID="18" presetClass="entr" presetSubtype="12" fill="hold" nodeType="clickEffect">
                                   <p:stCondLst>
                                     <p:cond delay="0"/>
                                   </p:stCondLst>
                                   <p:childTnLst>
                                     <p:set>
                                       <p:cBhvr>
-                                        <p:cTn id="223" dur="1" fill="hold">
+                                        <p:cTn id="11" dur="1" fill="hold">
                                           <p:stCondLst>
                                             <p:cond delay="0"/>
                                           </p:stCondLst>
@@ -9440,9 +9811,9 @@
                                         <p:strVal val="visible"/>
                                       </p:to>
                                     </p:set>
-                                    <p:animEffect filter="strips(downLeft)" transition="in">
+                                    <p:animEffect transition="in" filter="strips(downLeft)">
                                       <p:cBhvr additive="repl">
-                                        <p:cTn id="224" dur="500"/>
+                                        <p:cTn id="12" dur="500"/>
                                         <p:tgtEl>
                                           <p:spTgt spid="135">
                                             <p:txEl>
@@ -9462,26 +9833,26 @@
                     </p:cTn>
                   </p:par>
                   <p:par>
-                    <p:cTn id="225" fill="hold">
+                    <p:cTn id="13" fill="hold">
                       <p:stCondLst>
                         <p:cond delay="indefinite"/>
                       </p:stCondLst>
                       <p:childTnLst>
                         <p:par>
-                          <p:cTn id="226" fill="hold">
+                          <p:cTn id="14" fill="hold">
                             <p:stCondLst>
                               <p:cond delay="0"/>
                             </p:stCondLst>
                             <p:childTnLst>
                               <p:par>
-                                <p:cTn id="227" nodeType="clickEffect" fill="hold" presetClass="entr" presetID="18" presetSubtype="12">
+                                <p:cTn id="15" presetID="18" presetClass="entr" presetSubtype="12" fill="hold" nodeType="clickEffect">
                                   <p:stCondLst>
                                     <p:cond delay="0"/>
                                   </p:stCondLst>
                                   <p:childTnLst>
                                     <p:set>
                                       <p:cBhvr>
-                                        <p:cTn id="228" dur="1" fill="hold">
+                                        <p:cTn id="16" dur="1" fill="hold">
                                           <p:stCondLst>
                                             <p:cond delay="0"/>
                                           </p:stCondLst>
@@ -9501,9 +9872,9 @@
                                         <p:strVal val="visible"/>
                                       </p:to>
                                     </p:set>
-                                    <p:animEffect filter="strips(downLeft)" transition="in">
+                                    <p:animEffect transition="in" filter="strips(downLeft)">
                                       <p:cBhvr additive="repl">
-                                        <p:cTn id="229" dur="500"/>
+                                        <p:cTn id="17" dur="500"/>
                                         <p:tgtEl>
                                           <p:spTgt spid="135">
                                             <p:txEl>
@@ -9523,26 +9894,26 @@
                     </p:cTn>
                   </p:par>
                   <p:par>
-                    <p:cTn id="230" fill="hold">
+                    <p:cTn id="18" fill="hold">
                       <p:stCondLst>
                         <p:cond delay="indefinite"/>
                       </p:stCondLst>
                       <p:childTnLst>
                         <p:par>
-                          <p:cTn id="231" fill="hold">
+                          <p:cTn id="19" fill="hold">
                             <p:stCondLst>
                               <p:cond delay="0"/>
                             </p:stCondLst>
                             <p:childTnLst>
                               <p:par>
-                                <p:cTn id="232" nodeType="clickEffect" fill="hold" presetClass="entr" presetID="18" presetSubtype="12">
+                                <p:cTn id="20" presetID="18" presetClass="entr" presetSubtype="12" fill="hold" nodeType="clickEffect">
                                   <p:stCondLst>
                                     <p:cond delay="0"/>
                                   </p:stCondLst>
                                   <p:childTnLst>
                                     <p:set>
                                       <p:cBhvr>
-                                        <p:cTn id="233" dur="1" fill="hold">
+                                        <p:cTn id="21" dur="1" fill="hold">
                                           <p:stCondLst>
                                             <p:cond delay="0"/>
                                           </p:stCondLst>
@@ -9562,9 +9933,9 @@
                                         <p:strVal val="visible"/>
                                       </p:to>
                                     </p:set>
-                                    <p:animEffect filter="strips(downLeft)" transition="in">
+                                    <p:animEffect transition="in" filter="strips(downLeft)">
                                       <p:cBhvr additive="repl">
-                                        <p:cTn id="234" dur="500"/>
+                                        <p:cTn id="22" dur="500"/>
                                         <p:tgtEl>
                                           <p:spTgt spid="135">
                                             <p:txEl>
@@ -9584,26 +9955,26 @@
                     </p:cTn>
                   </p:par>
                   <p:par>
-                    <p:cTn id="235" fill="hold">
+                    <p:cTn id="23" fill="hold">
                       <p:stCondLst>
                         <p:cond delay="indefinite"/>
                       </p:stCondLst>
                       <p:childTnLst>
                         <p:par>
-                          <p:cTn id="236" fill="hold">
+                          <p:cTn id="24" fill="hold">
                             <p:stCondLst>
                               <p:cond delay="0"/>
                             </p:stCondLst>
                             <p:childTnLst>
                               <p:par>
-                                <p:cTn id="237" nodeType="clickEffect" fill="hold" presetClass="entr" presetID="9">
+                                <p:cTn id="25" presetID="9" presetClass="entr" presetSubtype="0" fill="hold" nodeType="clickEffect">
                                   <p:stCondLst>
                                     <p:cond delay="0"/>
                                   </p:stCondLst>
                                   <p:childTnLst>
                                     <p:set>
                                       <p:cBhvr>
-                                        <p:cTn id="238" dur="1" fill="hold">
+                                        <p:cTn id="26" dur="1" fill="hold">
                                           <p:stCondLst>
                                             <p:cond delay="0"/>
                                           </p:stCondLst>
@@ -9619,9 +9990,9 @@
                                         <p:strVal val="visible"/>
                                       </p:to>
                                     </p:set>
-                                    <p:animEffect filter="dissolve" transition="in">
+                                    <p:animEffect transition="in" filter="dissolve">
                                       <p:cBhvr additive="repl">
-                                        <p:cTn id="239" dur="500"/>
+                                        <p:cTn id="27" dur="500"/>
                                         <p:tgtEl>
                                           <p:spTgt spid="136"/>
                                         </p:tgtEl>
@@ -9639,14 +10010,14 @@
                 </p:childTnLst>
               </p:cTn>
               <p:prevCondLst>
-                <p:cond delay="0" evt="onPrev">
+                <p:cond evt="onPrev" delay="0">
                   <p:tgtEl>
                     <p:sldTgt/>
                   </p:tgtEl>
                 </p:cond>
               </p:prevCondLst>
               <p:nextCondLst>
-                <p:cond delay="0" evt="onNext">
+                <p:cond evt="onNext" delay="0">
                   <p:tgtEl>
                     <p:sldTgt/>
                   </p:tgtEl>
@@ -9672,34 +10043,34 @@
         <a:sysClr val="window" lastClr="FFFFFF"/>
       </a:lt1>
       <a:dk2>
-        <a:srgbClr val="575f6d"/>
+        <a:srgbClr val="575F6D"/>
       </a:dk2>
       <a:lt2>
-        <a:srgbClr val="fff39d"/>
+        <a:srgbClr val="FFF39D"/>
       </a:lt2>
       <a:accent1>
-        <a:srgbClr val="fe8637"/>
+        <a:srgbClr val="FE8637"/>
       </a:accent1>
       <a:accent2>
-        <a:srgbClr val="7598d9"/>
+        <a:srgbClr val="7598D9"/>
       </a:accent2>
       <a:accent3>
-        <a:srgbClr val="b32c16"/>
+        <a:srgbClr val="B32C16"/>
       </a:accent3>
       <a:accent4>
-        <a:srgbClr val="f5cd2d"/>
+        <a:srgbClr val="F5CD2D"/>
       </a:accent4>
       <a:accent5>
-        <a:srgbClr val="aebad5"/>
+        <a:srgbClr val="AEBAD5"/>
       </a:accent5>
       <a:accent6>
-        <a:srgbClr val="777c84"/>
+        <a:srgbClr val="777C84"/>
       </a:accent6>
       <a:hlink>
-        <a:srgbClr val="d2611c"/>
+        <a:srgbClr val="D2611C"/>
       </a:hlink>
       <a:folHlink>
-        <a:srgbClr val="3b435b"/>
+        <a:srgbClr val="3B435B"/>
       </a:folHlink>
     </a:clrScheme>
     <a:fontScheme name="Office">
@@ -9881,6 +10252,11 @@
       </a:bgFillStyleLst>
     </a:fmtScheme>
   </a:themeElements>
+  <a:extLst>
+    <a:ext uri="{05A4C25C-085E-4340-85A3-A5531E510DB2}">
+      <thm15:themeFamily xmlns:thm15="http://schemas.microsoft.com/office/thememl/2012/main" name="Office Theme" id="{62F939B6-93AF-4DB8-9C6B-D6C7DFDC589F}" vid="{4A3C46E8-61CC-4603-A589-7422A47A8E4A}"/>
+    </a:ext>
+  </a:extLst>
 </a:theme>
 </file>
 
@@ -9895,34 +10271,34 @@
         <a:sysClr val="window" lastClr="FFFFFF"/>
       </a:lt1>
       <a:dk2>
-        <a:srgbClr val="575f6d"/>
+        <a:srgbClr val="575F6D"/>
       </a:dk2>
       <a:lt2>
-        <a:srgbClr val="fff39d"/>
+        <a:srgbClr val="FFF39D"/>
       </a:lt2>
       <a:accent1>
-        <a:srgbClr val="fe8637"/>
+        <a:srgbClr val="FE8637"/>
       </a:accent1>
       <a:accent2>
-        <a:srgbClr val="7598d9"/>
+        <a:srgbClr val="7598D9"/>
       </a:accent2>
       <a:accent3>
-        <a:srgbClr val="b32c16"/>
+        <a:srgbClr val="B32C16"/>
       </a:accent3>
       <a:accent4>
-        <a:srgbClr val="f5cd2d"/>
+        <a:srgbClr val="F5CD2D"/>
       </a:accent4>
       <a:accent5>
-        <a:srgbClr val="aebad5"/>
+        <a:srgbClr val="AEBAD5"/>
       </a:accent5>
       <a:accent6>
-        <a:srgbClr val="777c84"/>
+        <a:srgbClr val="777C84"/>
       </a:accent6>
       <a:hlink>
-        <a:srgbClr val="d2611c"/>
+        <a:srgbClr val="D2611C"/>
       </a:hlink>
       <a:folHlink>
-        <a:srgbClr val="3b435b"/>
+        <a:srgbClr val="3B435B"/>
       </a:folHlink>
     </a:clrScheme>
     <a:fontScheme name="Office">
@@ -10104,5 +10480,10 @@
       </a:bgFillStyleLst>
     </a:fmtScheme>
   </a:themeElements>
+  <a:extLst>
+    <a:ext uri="{05A4C25C-085E-4340-85A3-A5531E510DB2}">
+      <thm15:themeFamily xmlns:thm15="http://schemas.microsoft.com/office/thememl/2012/main" name="Office Theme" id="{62F939B6-93AF-4DB8-9C6B-D6C7DFDC589F}" vid="{4A3C46E8-61CC-4603-A589-7422A47A8E4A}"/>
+    </a:ext>
+  </a:extLst>
 </a:theme>
 </file>